--- a/Thư mục ảnh đi kèm/ve 2.pptx
+++ b/Thư mục ảnh đi kèm/ve 2.pptx
@@ -104,6 +104,11 @@
       </a:defRPr>
     </a:lvl9pPr>
   </p:defaultTextStyle>
+  <p:extLst>
+    <p:ext uri="{EFAFB233-063F-42B5-8137-9DF3F51BA10A}">
+      <p15:sldGuideLst xmlns:p15="http://schemas.microsoft.com/office/powerpoint/2012/main"/>
+    </p:ext>
+  </p:extLst>
 </p:presentation>
 </file>
 
@@ -3563,8 +3568,8 @@
         </p:nvSpPr>
         <p:spPr>
           <a:xfrm>
-            <a:off x="10557564" y="2657527"/>
-            <a:ext cx="1161159" cy="369332"/>
+            <a:off x="10557565" y="2657527"/>
+            <a:ext cx="934219" cy="369332"/>
           </a:xfrm>
           <a:prstGeom prst="rect">
             <a:avLst/>

--- a/Thư mục ảnh đi kèm/ve 2.pptx
+++ b/Thư mục ảnh đi kèm/ve 2.pptx
@@ -6,6 +6,9 @@
   </p:sldMasterIdLst>
   <p:sldIdLst>
     <p:sldId id="256" r:id="rId2"/>
+    <p:sldId id="257" r:id="rId3"/>
+    <p:sldId id="259" r:id="rId4"/>
+    <p:sldId id="258" r:id="rId5"/>
   </p:sldIdLst>
   <p:sldSz cx="12192000" cy="6858000"/>
   <p:notesSz cx="6858000" cy="9144000"/>
@@ -243,7 +246,7 @@
           <a:p>
             <a:fld id="{9BE21AD2-8A51-4085-A30D-67A838FBC49A}" type="datetimeFigureOut">
               <a:rPr lang="en-US" smtClean="0"/>
-              <a:t>10/6/2021</a:t>
+              <a:t>10/7/2021</a:t>
             </a:fld>
             <a:endParaRPr lang="en-US"/>
           </a:p>
@@ -413,7 +416,7 @@
           <a:p>
             <a:fld id="{9BE21AD2-8A51-4085-A30D-67A838FBC49A}" type="datetimeFigureOut">
               <a:rPr lang="en-US" smtClean="0"/>
-              <a:t>10/6/2021</a:t>
+              <a:t>10/7/2021</a:t>
             </a:fld>
             <a:endParaRPr lang="en-US"/>
           </a:p>
@@ -593,7 +596,7 @@
           <a:p>
             <a:fld id="{9BE21AD2-8A51-4085-A30D-67A838FBC49A}" type="datetimeFigureOut">
               <a:rPr lang="en-US" smtClean="0"/>
-              <a:t>10/6/2021</a:t>
+              <a:t>10/7/2021</a:t>
             </a:fld>
             <a:endParaRPr lang="en-US"/>
           </a:p>
@@ -763,7 +766,7 @@
           <a:p>
             <a:fld id="{9BE21AD2-8A51-4085-A30D-67A838FBC49A}" type="datetimeFigureOut">
               <a:rPr lang="en-US" smtClean="0"/>
-              <a:t>10/6/2021</a:t>
+              <a:t>10/7/2021</a:t>
             </a:fld>
             <a:endParaRPr lang="en-US"/>
           </a:p>
@@ -1009,7 +1012,7 @@
           <a:p>
             <a:fld id="{9BE21AD2-8A51-4085-A30D-67A838FBC49A}" type="datetimeFigureOut">
               <a:rPr lang="en-US" smtClean="0"/>
-              <a:t>10/6/2021</a:t>
+              <a:t>10/7/2021</a:t>
             </a:fld>
             <a:endParaRPr lang="en-US"/>
           </a:p>
@@ -1241,7 +1244,7 @@
           <a:p>
             <a:fld id="{9BE21AD2-8A51-4085-A30D-67A838FBC49A}" type="datetimeFigureOut">
               <a:rPr lang="en-US" smtClean="0"/>
-              <a:t>10/6/2021</a:t>
+              <a:t>10/7/2021</a:t>
             </a:fld>
             <a:endParaRPr lang="en-US"/>
           </a:p>
@@ -1608,7 +1611,7 @@
           <a:p>
             <a:fld id="{9BE21AD2-8A51-4085-A30D-67A838FBC49A}" type="datetimeFigureOut">
               <a:rPr lang="en-US" smtClean="0"/>
-              <a:t>10/6/2021</a:t>
+              <a:t>10/7/2021</a:t>
             </a:fld>
             <a:endParaRPr lang="en-US"/>
           </a:p>
@@ -1726,7 +1729,7 @@
           <a:p>
             <a:fld id="{9BE21AD2-8A51-4085-A30D-67A838FBC49A}" type="datetimeFigureOut">
               <a:rPr lang="en-US" smtClean="0"/>
-              <a:t>10/6/2021</a:t>
+              <a:t>10/7/2021</a:t>
             </a:fld>
             <a:endParaRPr lang="en-US"/>
           </a:p>
@@ -1821,7 +1824,7 @@
           <a:p>
             <a:fld id="{9BE21AD2-8A51-4085-A30D-67A838FBC49A}" type="datetimeFigureOut">
               <a:rPr lang="en-US" smtClean="0"/>
-              <a:t>10/6/2021</a:t>
+              <a:t>10/7/2021</a:t>
             </a:fld>
             <a:endParaRPr lang="en-US"/>
           </a:p>
@@ -2098,7 +2101,7 @@
           <a:p>
             <a:fld id="{9BE21AD2-8A51-4085-A30D-67A838FBC49A}" type="datetimeFigureOut">
               <a:rPr lang="en-US" smtClean="0"/>
-              <a:t>10/6/2021</a:t>
+              <a:t>10/7/2021</a:t>
             </a:fld>
             <a:endParaRPr lang="en-US"/>
           </a:p>
@@ -2351,7 +2354,7 @@
           <a:p>
             <a:fld id="{9BE21AD2-8A51-4085-A30D-67A838FBC49A}" type="datetimeFigureOut">
               <a:rPr lang="en-US" smtClean="0"/>
-              <a:t>10/6/2021</a:t>
+              <a:t>10/7/2021</a:t>
             </a:fld>
             <a:endParaRPr lang="en-US"/>
           </a:p>
@@ -2564,7 +2567,7 @@
           <a:p>
             <a:fld id="{9BE21AD2-8A51-4085-A30D-67A838FBC49A}" type="datetimeFigureOut">
               <a:rPr lang="en-US" smtClean="0"/>
-              <a:t>10/6/2021</a:t>
+              <a:t>10/7/2021</a:t>
             </a:fld>
             <a:endParaRPr lang="en-US"/>
           </a:p>
@@ -3631,6 +3634,1815 @@
 </p:sld>
 </file>
 
+<file path=ppt/slides/slide2.xml><?xml version="1.0" encoding="utf-8"?>
+<p:sld xmlns:a="http://schemas.openxmlformats.org/drawingml/2006/main" xmlns:r="http://schemas.openxmlformats.org/officeDocument/2006/relationships" xmlns:p="http://schemas.openxmlformats.org/presentationml/2006/main">
+  <p:cSld>
+    <p:spTree>
+      <p:nvGrpSpPr>
+        <p:cNvPr id="1" name=""/>
+        <p:cNvGrpSpPr/>
+        <p:nvPr/>
+      </p:nvGrpSpPr>
+      <p:grpSpPr>
+        <a:xfrm>
+          <a:off x="0" y="0"/>
+          <a:ext cx="0" cy="0"/>
+          <a:chOff x="0" y="0"/>
+          <a:chExt cx="0" cy="0"/>
+        </a:xfrm>
+      </p:grpSpPr>
+      <p:pic>
+        <p:nvPicPr>
+          <p:cNvPr id="5" name="Picture 4"/>
+          <p:cNvPicPr>
+            <a:picLocks noChangeAspect="1"/>
+          </p:cNvPicPr>
+          <p:nvPr/>
+        </p:nvPicPr>
+        <p:blipFill>
+          <a:blip r:embed="rId2" cstate="print">
+            <a:extLst>
+              <a:ext uri="{28A0092B-C50C-407E-A947-70E740481C1C}">
+                <a14:useLocalDpi xmlns:a14="http://schemas.microsoft.com/office/drawing/2010/main" val="0"/>
+              </a:ext>
+            </a:extLst>
+          </a:blip>
+          <a:stretch>
+            <a:fillRect/>
+          </a:stretch>
+        </p:blipFill>
+        <p:spPr>
+          <a:xfrm>
+            <a:off x="334021" y="3802953"/>
+            <a:ext cx="1845299" cy="1376969"/>
+          </a:xfrm>
+          <a:prstGeom prst="rect">
+            <a:avLst/>
+          </a:prstGeom>
+        </p:spPr>
+      </p:pic>
+      <p:pic>
+        <p:nvPicPr>
+          <p:cNvPr id="6" name="Picture 5"/>
+          <p:cNvPicPr>
+            <a:picLocks noChangeAspect="1"/>
+          </p:cNvPicPr>
+          <p:nvPr/>
+        </p:nvPicPr>
+        <p:blipFill>
+          <a:blip r:embed="rId3">
+            <a:extLst>
+              <a:ext uri="{28A0092B-C50C-407E-A947-70E740481C1C}">
+                <a14:useLocalDpi xmlns:a14="http://schemas.microsoft.com/office/drawing/2010/main" val="0"/>
+              </a:ext>
+            </a:extLst>
+          </a:blip>
+          <a:stretch>
+            <a:fillRect/>
+          </a:stretch>
+        </p:blipFill>
+        <p:spPr>
+          <a:xfrm>
+            <a:off x="7713993" y="1921917"/>
+            <a:ext cx="4353533" cy="3258005"/>
+          </a:xfrm>
+          <a:prstGeom prst="rect">
+            <a:avLst/>
+          </a:prstGeom>
+        </p:spPr>
+      </p:pic>
+      <p:pic>
+        <p:nvPicPr>
+          <p:cNvPr id="7" name="Picture 6"/>
+          <p:cNvPicPr>
+            <a:picLocks noChangeAspect="1"/>
+          </p:cNvPicPr>
+          <p:nvPr/>
+        </p:nvPicPr>
+        <p:blipFill>
+          <a:blip r:embed="rId2" cstate="print">
+            <a:extLst>
+              <a:ext uri="{28A0092B-C50C-407E-A947-70E740481C1C}">
+                <a14:useLocalDpi xmlns:a14="http://schemas.microsoft.com/office/drawing/2010/main" val="0"/>
+              </a:ext>
+            </a:extLst>
+          </a:blip>
+          <a:stretch>
+            <a:fillRect/>
+          </a:stretch>
+        </p:blipFill>
+        <p:spPr>
+          <a:xfrm>
+            <a:off x="2273949" y="3802950"/>
+            <a:ext cx="1845299" cy="1376969"/>
+          </a:xfrm>
+          <a:prstGeom prst="rect">
+            <a:avLst/>
+          </a:prstGeom>
+        </p:spPr>
+      </p:pic>
+      <p:pic>
+        <p:nvPicPr>
+          <p:cNvPr id="8" name="Picture 7"/>
+          <p:cNvPicPr>
+            <a:picLocks noChangeAspect="1"/>
+          </p:cNvPicPr>
+          <p:nvPr/>
+        </p:nvPicPr>
+        <p:blipFill>
+          <a:blip r:embed="rId2" cstate="print">
+            <a:extLst>
+              <a:ext uri="{28A0092B-C50C-407E-A947-70E740481C1C}">
+                <a14:useLocalDpi xmlns:a14="http://schemas.microsoft.com/office/drawing/2010/main" val="0"/>
+              </a:ext>
+            </a:extLst>
+          </a:blip>
+          <a:stretch>
+            <a:fillRect/>
+          </a:stretch>
+        </p:blipFill>
+        <p:spPr>
+          <a:xfrm>
+            <a:off x="4213877" y="3802951"/>
+            <a:ext cx="1845299" cy="1376969"/>
+          </a:xfrm>
+          <a:prstGeom prst="rect">
+            <a:avLst/>
+          </a:prstGeom>
+        </p:spPr>
+      </p:pic>
+      <p:sp>
+        <p:nvSpPr>
+          <p:cNvPr id="9" name="Rectangle 8"/>
+          <p:cNvSpPr/>
+          <p:nvPr/>
+        </p:nvSpPr>
+        <p:spPr>
+          <a:xfrm>
+            <a:off x="2273948" y="3802950"/>
+            <a:ext cx="1845299" cy="1376969"/>
+          </a:xfrm>
+          <a:prstGeom prst="rect">
+            <a:avLst/>
+          </a:prstGeom>
+          <a:noFill/>
+          <a:ln w="57150">
+            <a:solidFill>
+              <a:schemeClr val="tx1"/>
+            </a:solidFill>
+          </a:ln>
+        </p:spPr>
+        <p:style>
+          <a:lnRef idx="2">
+            <a:schemeClr val="accent1">
+              <a:shade val="50000"/>
+            </a:schemeClr>
+          </a:lnRef>
+          <a:fillRef idx="1">
+            <a:schemeClr val="accent1"/>
+          </a:fillRef>
+          <a:effectRef idx="0">
+            <a:schemeClr val="accent1"/>
+          </a:effectRef>
+          <a:fontRef idx="minor">
+            <a:schemeClr val="lt1"/>
+          </a:fontRef>
+        </p:style>
+        <p:txBody>
+          <a:bodyPr rtlCol="0" anchor="ctr"/>
+          <a:lstStyle/>
+          <a:p>
+            <a:pPr algn="ctr"/>
+            <a:endParaRPr lang="en-US"/>
+          </a:p>
+        </p:txBody>
+      </p:sp>
+      <p:sp>
+        <p:nvSpPr>
+          <p:cNvPr id="11" name="Rectangle 10"/>
+          <p:cNvSpPr/>
+          <p:nvPr/>
+        </p:nvSpPr>
+        <p:spPr>
+          <a:xfrm>
+            <a:off x="4213877" y="3802950"/>
+            <a:ext cx="1845299" cy="1376969"/>
+          </a:xfrm>
+          <a:prstGeom prst="rect">
+            <a:avLst/>
+          </a:prstGeom>
+          <a:noFill/>
+          <a:ln w="57150">
+            <a:solidFill>
+              <a:schemeClr val="tx1"/>
+            </a:solidFill>
+          </a:ln>
+        </p:spPr>
+        <p:style>
+          <a:lnRef idx="2">
+            <a:schemeClr val="accent1">
+              <a:shade val="50000"/>
+            </a:schemeClr>
+          </a:lnRef>
+          <a:fillRef idx="1">
+            <a:schemeClr val="accent1"/>
+          </a:fillRef>
+          <a:effectRef idx="0">
+            <a:schemeClr val="accent1"/>
+          </a:effectRef>
+          <a:fontRef idx="minor">
+            <a:schemeClr val="lt1"/>
+          </a:fontRef>
+        </p:style>
+        <p:txBody>
+          <a:bodyPr rtlCol="0" anchor="ctr"/>
+          <a:lstStyle/>
+          <a:p>
+            <a:pPr algn="ctr"/>
+            <a:endParaRPr lang="en-US"/>
+          </a:p>
+        </p:txBody>
+      </p:sp>
+      <p:sp>
+        <p:nvSpPr>
+          <p:cNvPr id="12" name="Rectangle 11"/>
+          <p:cNvSpPr/>
+          <p:nvPr/>
+        </p:nvSpPr>
+        <p:spPr>
+          <a:xfrm>
+            <a:off x="2824495" y="2588516"/>
+            <a:ext cx="614809" cy="136077"/>
+          </a:xfrm>
+          <a:prstGeom prst="rect">
+            <a:avLst/>
+          </a:prstGeom>
+          <a:solidFill>
+            <a:schemeClr val="tx1"/>
+          </a:solidFill>
+          <a:ln>
+            <a:solidFill>
+              <a:schemeClr val="tx1"/>
+            </a:solidFill>
+          </a:ln>
+        </p:spPr>
+        <p:style>
+          <a:lnRef idx="2">
+            <a:schemeClr val="accent1">
+              <a:shade val="50000"/>
+            </a:schemeClr>
+          </a:lnRef>
+          <a:fillRef idx="1">
+            <a:schemeClr val="accent1"/>
+          </a:fillRef>
+          <a:effectRef idx="0">
+            <a:schemeClr val="accent1"/>
+          </a:effectRef>
+          <a:fontRef idx="minor">
+            <a:schemeClr val="lt1"/>
+          </a:fontRef>
+        </p:style>
+        <p:txBody>
+          <a:bodyPr rtlCol="0" anchor="ctr"/>
+          <a:lstStyle/>
+          <a:p>
+            <a:pPr algn="ctr"/>
+            <a:endParaRPr lang="en-US"/>
+          </a:p>
+        </p:txBody>
+      </p:sp>
+      <p:sp>
+        <p:nvSpPr>
+          <p:cNvPr id="13" name="Rectangle 12"/>
+          <p:cNvSpPr/>
+          <p:nvPr/>
+        </p:nvSpPr>
+        <p:spPr>
+          <a:xfrm>
+            <a:off x="2273948" y="2272170"/>
+            <a:ext cx="1845299" cy="1376969"/>
+          </a:xfrm>
+          <a:prstGeom prst="rect">
+            <a:avLst/>
+          </a:prstGeom>
+          <a:noFill/>
+          <a:ln w="57150">
+            <a:solidFill>
+              <a:schemeClr val="tx1"/>
+            </a:solidFill>
+          </a:ln>
+        </p:spPr>
+        <p:style>
+          <a:lnRef idx="2">
+            <a:schemeClr val="accent1">
+              <a:shade val="50000"/>
+            </a:schemeClr>
+          </a:lnRef>
+          <a:fillRef idx="1">
+            <a:schemeClr val="accent1"/>
+          </a:fillRef>
+          <a:effectRef idx="0">
+            <a:schemeClr val="accent1"/>
+          </a:effectRef>
+          <a:fontRef idx="minor">
+            <a:schemeClr val="lt1"/>
+          </a:fontRef>
+        </p:style>
+        <p:txBody>
+          <a:bodyPr rtlCol="0" anchor="ctr"/>
+          <a:lstStyle/>
+          <a:p>
+            <a:pPr algn="ctr"/>
+            <a:endParaRPr lang="en-US"/>
+          </a:p>
+        </p:txBody>
+      </p:sp>
+      <p:sp>
+        <p:nvSpPr>
+          <p:cNvPr id="14" name="Rectangle 13"/>
+          <p:cNvSpPr/>
+          <p:nvPr/>
+        </p:nvSpPr>
+        <p:spPr>
+          <a:xfrm>
+            <a:off x="2839735" y="2588519"/>
+            <a:ext cx="614809" cy="289886"/>
+          </a:xfrm>
+          <a:prstGeom prst="rect">
+            <a:avLst/>
+          </a:prstGeom>
+          <a:noFill/>
+          <a:ln w="57150">
+            <a:solidFill>
+              <a:schemeClr val="tx1"/>
+            </a:solidFill>
+          </a:ln>
+        </p:spPr>
+        <p:style>
+          <a:lnRef idx="2">
+            <a:schemeClr val="accent1">
+              <a:shade val="50000"/>
+            </a:schemeClr>
+          </a:lnRef>
+          <a:fillRef idx="1">
+            <a:schemeClr val="accent1"/>
+          </a:fillRef>
+          <a:effectRef idx="0">
+            <a:schemeClr val="accent1"/>
+          </a:effectRef>
+          <a:fontRef idx="minor">
+            <a:schemeClr val="lt1"/>
+          </a:fontRef>
+        </p:style>
+        <p:txBody>
+          <a:bodyPr rtlCol="0" anchor="ctr"/>
+          <a:lstStyle/>
+          <a:p>
+            <a:pPr algn="ctr"/>
+            <a:endParaRPr lang="en-US"/>
+          </a:p>
+        </p:txBody>
+      </p:sp>
+      <p:sp>
+        <p:nvSpPr>
+          <p:cNvPr id="15" name="Rectangle 14"/>
+          <p:cNvSpPr/>
+          <p:nvPr/>
+        </p:nvSpPr>
+        <p:spPr>
+          <a:xfrm>
+            <a:off x="2866060" y="2724593"/>
+            <a:ext cx="553244" cy="118359"/>
+          </a:xfrm>
+          <a:prstGeom prst="rect">
+            <a:avLst/>
+          </a:prstGeom>
+          <a:solidFill>
+            <a:schemeClr val="bg1"/>
+          </a:solidFill>
+          <a:ln>
+            <a:solidFill>
+              <a:schemeClr val="bg1"/>
+            </a:solidFill>
+          </a:ln>
+        </p:spPr>
+        <p:style>
+          <a:lnRef idx="2">
+            <a:schemeClr val="accent1">
+              <a:shade val="50000"/>
+            </a:schemeClr>
+          </a:lnRef>
+          <a:fillRef idx="1">
+            <a:schemeClr val="accent1"/>
+          </a:fillRef>
+          <a:effectRef idx="0">
+            <a:schemeClr val="accent1"/>
+          </a:effectRef>
+          <a:fontRef idx="minor">
+            <a:schemeClr val="lt1"/>
+          </a:fontRef>
+        </p:style>
+        <p:txBody>
+          <a:bodyPr rtlCol="0" anchor="ctr"/>
+          <a:lstStyle/>
+          <a:p>
+            <a:pPr algn="ctr"/>
+            <a:endParaRPr lang="en-US"/>
+          </a:p>
+        </p:txBody>
+      </p:sp>
+      <p:sp>
+        <p:nvSpPr>
+          <p:cNvPr id="25" name="Rectangle 24"/>
+          <p:cNvSpPr/>
+          <p:nvPr/>
+        </p:nvSpPr>
+        <p:spPr>
+          <a:xfrm>
+            <a:off x="2824495" y="4242135"/>
+            <a:ext cx="614809" cy="136077"/>
+          </a:xfrm>
+          <a:prstGeom prst="rect">
+            <a:avLst/>
+          </a:prstGeom>
+          <a:solidFill>
+            <a:schemeClr val="tx1"/>
+          </a:solidFill>
+          <a:ln>
+            <a:solidFill>
+              <a:schemeClr val="tx1"/>
+            </a:solidFill>
+          </a:ln>
+        </p:spPr>
+        <p:style>
+          <a:lnRef idx="2">
+            <a:schemeClr val="accent1">
+              <a:shade val="50000"/>
+            </a:schemeClr>
+          </a:lnRef>
+          <a:fillRef idx="1">
+            <a:schemeClr val="accent1"/>
+          </a:fillRef>
+          <a:effectRef idx="0">
+            <a:schemeClr val="accent1"/>
+          </a:effectRef>
+          <a:fontRef idx="minor">
+            <a:schemeClr val="lt1"/>
+          </a:fontRef>
+        </p:style>
+        <p:txBody>
+          <a:bodyPr rtlCol="0" anchor="ctr"/>
+          <a:lstStyle/>
+          <a:p>
+            <a:pPr algn="ctr"/>
+            <a:endParaRPr lang="en-US"/>
+          </a:p>
+        </p:txBody>
+      </p:sp>
+      <p:sp>
+        <p:nvSpPr>
+          <p:cNvPr id="26" name="Rectangle 25"/>
+          <p:cNvSpPr/>
+          <p:nvPr/>
+        </p:nvSpPr>
+        <p:spPr>
+          <a:xfrm>
+            <a:off x="2839735" y="4242138"/>
+            <a:ext cx="614809" cy="289886"/>
+          </a:xfrm>
+          <a:prstGeom prst="rect">
+            <a:avLst/>
+          </a:prstGeom>
+          <a:noFill/>
+          <a:ln w="57150">
+            <a:solidFill>
+              <a:schemeClr val="tx1"/>
+            </a:solidFill>
+          </a:ln>
+        </p:spPr>
+        <p:style>
+          <a:lnRef idx="2">
+            <a:schemeClr val="accent1">
+              <a:shade val="50000"/>
+            </a:schemeClr>
+          </a:lnRef>
+          <a:fillRef idx="1">
+            <a:schemeClr val="accent1"/>
+          </a:fillRef>
+          <a:effectRef idx="0">
+            <a:schemeClr val="accent1"/>
+          </a:effectRef>
+          <a:fontRef idx="minor">
+            <a:schemeClr val="lt1"/>
+          </a:fontRef>
+        </p:style>
+        <p:txBody>
+          <a:bodyPr rtlCol="0" anchor="ctr"/>
+          <a:lstStyle/>
+          <a:p>
+            <a:pPr algn="ctr"/>
+            <a:endParaRPr lang="en-US"/>
+          </a:p>
+        </p:txBody>
+      </p:sp>
+      <p:sp>
+        <p:nvSpPr>
+          <p:cNvPr id="27" name="Rectangle 26"/>
+          <p:cNvSpPr/>
+          <p:nvPr/>
+        </p:nvSpPr>
+        <p:spPr>
+          <a:xfrm>
+            <a:off x="2866060" y="4378212"/>
+            <a:ext cx="553244" cy="118359"/>
+          </a:xfrm>
+          <a:prstGeom prst="rect">
+            <a:avLst/>
+          </a:prstGeom>
+          <a:solidFill>
+            <a:schemeClr val="bg1"/>
+          </a:solidFill>
+          <a:ln>
+            <a:solidFill>
+              <a:schemeClr val="bg1"/>
+            </a:solidFill>
+          </a:ln>
+        </p:spPr>
+        <p:style>
+          <a:lnRef idx="2">
+            <a:schemeClr val="accent1">
+              <a:shade val="50000"/>
+            </a:schemeClr>
+          </a:lnRef>
+          <a:fillRef idx="1">
+            <a:schemeClr val="accent1"/>
+          </a:fillRef>
+          <a:effectRef idx="0">
+            <a:schemeClr val="accent1"/>
+          </a:effectRef>
+          <a:fontRef idx="minor">
+            <a:schemeClr val="lt1"/>
+          </a:fontRef>
+        </p:style>
+        <p:txBody>
+          <a:bodyPr rtlCol="0" anchor="ctr"/>
+          <a:lstStyle/>
+          <a:p>
+            <a:pPr algn="ctr"/>
+            <a:endParaRPr lang="en-US"/>
+          </a:p>
+        </p:txBody>
+      </p:sp>
+      <p:sp>
+        <p:nvSpPr>
+          <p:cNvPr id="28" name="Rectangle 27"/>
+          <p:cNvSpPr/>
+          <p:nvPr/>
+        </p:nvSpPr>
+        <p:spPr>
+          <a:xfrm>
+            <a:off x="4213877" y="2272169"/>
+            <a:ext cx="1845299" cy="1376969"/>
+          </a:xfrm>
+          <a:prstGeom prst="rect">
+            <a:avLst/>
+          </a:prstGeom>
+          <a:noFill/>
+          <a:ln w="57150">
+            <a:solidFill>
+              <a:schemeClr val="tx1"/>
+            </a:solidFill>
+          </a:ln>
+        </p:spPr>
+        <p:style>
+          <a:lnRef idx="2">
+            <a:schemeClr val="accent1">
+              <a:shade val="50000"/>
+            </a:schemeClr>
+          </a:lnRef>
+          <a:fillRef idx="1">
+            <a:schemeClr val="accent1"/>
+          </a:fillRef>
+          <a:effectRef idx="0">
+            <a:schemeClr val="accent1"/>
+          </a:effectRef>
+          <a:fontRef idx="minor">
+            <a:schemeClr val="lt1"/>
+          </a:fontRef>
+        </p:style>
+        <p:txBody>
+          <a:bodyPr rtlCol="0" anchor="ctr"/>
+          <a:lstStyle/>
+          <a:p>
+            <a:pPr algn="ctr"/>
+            <a:endParaRPr lang="en-US"/>
+          </a:p>
+        </p:txBody>
+      </p:sp>
+      <p:sp>
+        <p:nvSpPr>
+          <p:cNvPr id="29" name="Rectangle 28"/>
+          <p:cNvSpPr/>
+          <p:nvPr/>
+        </p:nvSpPr>
+        <p:spPr>
+          <a:xfrm>
+            <a:off x="4875122" y="2540988"/>
+            <a:ext cx="461650" cy="423885"/>
+          </a:xfrm>
+          <a:prstGeom prst="rect">
+            <a:avLst/>
+          </a:prstGeom>
+          <a:noFill/>
+          <a:ln w="57150">
+            <a:solidFill>
+              <a:schemeClr val="tx1"/>
+            </a:solidFill>
+          </a:ln>
+        </p:spPr>
+        <p:style>
+          <a:lnRef idx="2">
+            <a:schemeClr val="accent1">
+              <a:shade val="50000"/>
+            </a:schemeClr>
+          </a:lnRef>
+          <a:fillRef idx="1">
+            <a:schemeClr val="accent1"/>
+          </a:fillRef>
+          <a:effectRef idx="0">
+            <a:schemeClr val="accent1"/>
+          </a:effectRef>
+          <a:fontRef idx="minor">
+            <a:schemeClr val="lt1"/>
+          </a:fontRef>
+        </p:style>
+        <p:txBody>
+          <a:bodyPr rtlCol="0" anchor="ctr"/>
+          <a:lstStyle/>
+          <a:p>
+            <a:pPr algn="ctr"/>
+            <a:endParaRPr lang="en-US"/>
+          </a:p>
+        </p:txBody>
+      </p:sp>
+      <p:sp>
+        <p:nvSpPr>
+          <p:cNvPr id="30" name="Rectangle 29"/>
+          <p:cNvSpPr/>
+          <p:nvPr/>
+        </p:nvSpPr>
+        <p:spPr>
+          <a:xfrm>
+            <a:off x="5048770" y="2577432"/>
+            <a:ext cx="116206" cy="354045"/>
+          </a:xfrm>
+          <a:prstGeom prst="rect">
+            <a:avLst/>
+          </a:prstGeom>
+          <a:solidFill>
+            <a:schemeClr val="bg1"/>
+          </a:solidFill>
+          <a:ln>
+            <a:solidFill>
+              <a:schemeClr val="bg1"/>
+            </a:solidFill>
+          </a:ln>
+        </p:spPr>
+        <p:style>
+          <a:lnRef idx="2">
+            <a:schemeClr val="accent1">
+              <a:shade val="50000"/>
+            </a:schemeClr>
+          </a:lnRef>
+          <a:fillRef idx="1">
+            <a:schemeClr val="accent1"/>
+          </a:fillRef>
+          <a:effectRef idx="0">
+            <a:schemeClr val="accent1"/>
+          </a:effectRef>
+          <a:fontRef idx="minor">
+            <a:schemeClr val="lt1"/>
+          </a:fontRef>
+        </p:style>
+        <p:txBody>
+          <a:bodyPr rtlCol="0" anchor="ctr"/>
+          <a:lstStyle/>
+          <a:p>
+            <a:pPr algn="ctr"/>
+            <a:endParaRPr lang="en-US"/>
+          </a:p>
+        </p:txBody>
+      </p:sp>
+      <p:sp>
+        <p:nvSpPr>
+          <p:cNvPr id="31" name="Rectangle 30"/>
+          <p:cNvSpPr/>
+          <p:nvPr/>
+        </p:nvSpPr>
+        <p:spPr>
+          <a:xfrm>
+            <a:off x="4907452" y="2574657"/>
+            <a:ext cx="141318" cy="356820"/>
+          </a:xfrm>
+          <a:prstGeom prst="rect">
+            <a:avLst/>
+          </a:prstGeom>
+          <a:solidFill>
+            <a:schemeClr val="tx1"/>
+          </a:solidFill>
+          <a:ln>
+            <a:solidFill>
+              <a:schemeClr val="tx1"/>
+            </a:solidFill>
+          </a:ln>
+        </p:spPr>
+        <p:style>
+          <a:lnRef idx="2">
+            <a:schemeClr val="accent1">
+              <a:shade val="50000"/>
+            </a:schemeClr>
+          </a:lnRef>
+          <a:fillRef idx="1">
+            <a:schemeClr val="accent1"/>
+          </a:fillRef>
+          <a:effectRef idx="0">
+            <a:schemeClr val="accent1"/>
+          </a:effectRef>
+          <a:fontRef idx="minor">
+            <a:schemeClr val="lt1"/>
+          </a:fontRef>
+        </p:style>
+        <p:txBody>
+          <a:bodyPr rtlCol="0" anchor="ctr"/>
+          <a:lstStyle/>
+          <a:p>
+            <a:pPr algn="ctr"/>
+            <a:endParaRPr lang="en-US"/>
+          </a:p>
+        </p:txBody>
+      </p:sp>
+      <p:sp>
+        <p:nvSpPr>
+          <p:cNvPr id="32" name="Rectangle 31"/>
+          <p:cNvSpPr/>
+          <p:nvPr/>
+        </p:nvSpPr>
+        <p:spPr>
+          <a:xfrm>
+            <a:off x="5164976" y="2577432"/>
+            <a:ext cx="141318" cy="356820"/>
+          </a:xfrm>
+          <a:prstGeom prst="rect">
+            <a:avLst/>
+          </a:prstGeom>
+          <a:solidFill>
+            <a:schemeClr val="tx1"/>
+          </a:solidFill>
+          <a:ln>
+            <a:solidFill>
+              <a:schemeClr val="tx1"/>
+            </a:solidFill>
+          </a:ln>
+        </p:spPr>
+        <p:style>
+          <a:lnRef idx="2">
+            <a:schemeClr val="accent1">
+              <a:shade val="50000"/>
+            </a:schemeClr>
+          </a:lnRef>
+          <a:fillRef idx="1">
+            <a:schemeClr val="accent1"/>
+          </a:fillRef>
+          <a:effectRef idx="0">
+            <a:schemeClr val="accent1"/>
+          </a:effectRef>
+          <a:fontRef idx="minor">
+            <a:schemeClr val="lt1"/>
+          </a:fontRef>
+        </p:style>
+        <p:txBody>
+          <a:bodyPr rtlCol="0" anchor="ctr"/>
+          <a:lstStyle/>
+          <a:p>
+            <a:pPr algn="ctr"/>
+            <a:endParaRPr lang="en-US"/>
+          </a:p>
+        </p:txBody>
+      </p:sp>
+      <p:sp>
+        <p:nvSpPr>
+          <p:cNvPr id="33" name="Rectangle 32"/>
+          <p:cNvSpPr/>
+          <p:nvPr/>
+        </p:nvSpPr>
+        <p:spPr>
+          <a:xfrm>
+            <a:off x="4877893" y="4017886"/>
+            <a:ext cx="461650" cy="396031"/>
+          </a:xfrm>
+          <a:prstGeom prst="rect">
+            <a:avLst/>
+          </a:prstGeom>
+          <a:noFill/>
+          <a:ln w="57150">
+            <a:solidFill>
+              <a:schemeClr val="tx1"/>
+            </a:solidFill>
+          </a:ln>
+        </p:spPr>
+        <p:style>
+          <a:lnRef idx="2">
+            <a:schemeClr val="accent1">
+              <a:shade val="50000"/>
+            </a:schemeClr>
+          </a:lnRef>
+          <a:fillRef idx="1">
+            <a:schemeClr val="accent1"/>
+          </a:fillRef>
+          <a:effectRef idx="0">
+            <a:schemeClr val="accent1"/>
+          </a:effectRef>
+          <a:fontRef idx="minor">
+            <a:schemeClr val="lt1"/>
+          </a:fontRef>
+        </p:style>
+        <p:txBody>
+          <a:bodyPr rtlCol="0" anchor="ctr"/>
+          <a:lstStyle/>
+          <a:p>
+            <a:pPr algn="ctr"/>
+            <a:endParaRPr lang="en-US"/>
+          </a:p>
+        </p:txBody>
+      </p:sp>
+      <p:sp>
+        <p:nvSpPr>
+          <p:cNvPr id="34" name="Rectangle 33"/>
+          <p:cNvSpPr/>
+          <p:nvPr/>
+        </p:nvSpPr>
+        <p:spPr>
+          <a:xfrm>
+            <a:off x="5051541" y="4054330"/>
+            <a:ext cx="116206" cy="354045"/>
+          </a:xfrm>
+          <a:prstGeom prst="rect">
+            <a:avLst/>
+          </a:prstGeom>
+          <a:solidFill>
+            <a:schemeClr val="bg1"/>
+          </a:solidFill>
+          <a:ln>
+            <a:solidFill>
+              <a:schemeClr val="bg1"/>
+            </a:solidFill>
+          </a:ln>
+        </p:spPr>
+        <p:style>
+          <a:lnRef idx="2">
+            <a:schemeClr val="accent1">
+              <a:shade val="50000"/>
+            </a:schemeClr>
+          </a:lnRef>
+          <a:fillRef idx="1">
+            <a:schemeClr val="accent1"/>
+          </a:fillRef>
+          <a:effectRef idx="0">
+            <a:schemeClr val="accent1"/>
+          </a:effectRef>
+          <a:fontRef idx="minor">
+            <a:schemeClr val="lt1"/>
+          </a:fontRef>
+        </p:style>
+        <p:txBody>
+          <a:bodyPr rtlCol="0" anchor="ctr"/>
+          <a:lstStyle/>
+          <a:p>
+            <a:pPr algn="ctr"/>
+            <a:endParaRPr lang="en-US"/>
+          </a:p>
+        </p:txBody>
+      </p:sp>
+      <p:sp>
+        <p:nvSpPr>
+          <p:cNvPr id="35" name="Rectangle 34"/>
+          <p:cNvSpPr/>
+          <p:nvPr/>
+        </p:nvSpPr>
+        <p:spPr>
+          <a:xfrm>
+            <a:off x="4900175" y="4051555"/>
+            <a:ext cx="141318" cy="356820"/>
+          </a:xfrm>
+          <a:prstGeom prst="rect">
+            <a:avLst/>
+          </a:prstGeom>
+          <a:solidFill>
+            <a:schemeClr val="tx1"/>
+          </a:solidFill>
+          <a:ln>
+            <a:solidFill>
+              <a:schemeClr val="tx1"/>
+            </a:solidFill>
+          </a:ln>
+        </p:spPr>
+        <p:style>
+          <a:lnRef idx="2">
+            <a:schemeClr val="accent1">
+              <a:shade val="50000"/>
+            </a:schemeClr>
+          </a:lnRef>
+          <a:fillRef idx="1">
+            <a:schemeClr val="accent1"/>
+          </a:fillRef>
+          <a:effectRef idx="0">
+            <a:schemeClr val="accent1"/>
+          </a:effectRef>
+          <a:fontRef idx="minor">
+            <a:schemeClr val="lt1"/>
+          </a:fontRef>
+        </p:style>
+        <p:txBody>
+          <a:bodyPr rtlCol="0" anchor="ctr"/>
+          <a:lstStyle/>
+          <a:p>
+            <a:pPr algn="ctr"/>
+            <a:endParaRPr lang="en-US"/>
+          </a:p>
+        </p:txBody>
+      </p:sp>
+      <p:sp>
+        <p:nvSpPr>
+          <p:cNvPr id="36" name="Rectangle 35"/>
+          <p:cNvSpPr/>
+          <p:nvPr/>
+        </p:nvSpPr>
+        <p:spPr>
+          <a:xfrm>
+            <a:off x="5167747" y="4048788"/>
+            <a:ext cx="141318" cy="356820"/>
+          </a:xfrm>
+          <a:prstGeom prst="rect">
+            <a:avLst/>
+          </a:prstGeom>
+          <a:solidFill>
+            <a:schemeClr val="tx1"/>
+          </a:solidFill>
+          <a:ln>
+            <a:solidFill>
+              <a:schemeClr val="tx1"/>
+            </a:solidFill>
+          </a:ln>
+        </p:spPr>
+        <p:style>
+          <a:lnRef idx="2">
+            <a:schemeClr val="accent1">
+              <a:shade val="50000"/>
+            </a:schemeClr>
+          </a:lnRef>
+          <a:fillRef idx="1">
+            <a:schemeClr val="accent1"/>
+          </a:fillRef>
+          <a:effectRef idx="0">
+            <a:schemeClr val="accent1"/>
+          </a:effectRef>
+          <a:fontRef idx="minor">
+            <a:schemeClr val="lt1"/>
+          </a:fontRef>
+        </p:style>
+        <p:txBody>
+          <a:bodyPr rtlCol="0" anchor="ctr"/>
+          <a:lstStyle/>
+          <a:p>
+            <a:pPr algn="ctr"/>
+            <a:endParaRPr lang="en-US"/>
+          </a:p>
+        </p:txBody>
+      </p:sp>
+      <p:sp>
+        <p:nvSpPr>
+          <p:cNvPr id="37" name="Right Arrow 36"/>
+          <p:cNvSpPr/>
+          <p:nvPr/>
+        </p:nvSpPr>
+        <p:spPr>
+          <a:xfrm>
+            <a:off x="6426295" y="3329915"/>
+            <a:ext cx="1075174" cy="885986"/>
+          </a:xfrm>
+          <a:prstGeom prst="rightArrow">
+            <a:avLst/>
+          </a:prstGeom>
+        </p:spPr>
+        <p:style>
+          <a:lnRef idx="2">
+            <a:schemeClr val="accent1">
+              <a:shade val="50000"/>
+            </a:schemeClr>
+          </a:lnRef>
+          <a:fillRef idx="1">
+            <a:schemeClr val="accent1"/>
+          </a:fillRef>
+          <a:effectRef idx="0">
+            <a:schemeClr val="accent1"/>
+          </a:effectRef>
+          <a:fontRef idx="minor">
+            <a:schemeClr val="lt1"/>
+          </a:fontRef>
+        </p:style>
+        <p:txBody>
+          <a:bodyPr rtlCol="0" anchor="ctr"/>
+          <a:lstStyle/>
+          <a:p>
+            <a:pPr algn="ctr"/>
+            <a:endParaRPr lang="en-US"/>
+          </a:p>
+        </p:txBody>
+      </p:sp>
+    </p:spTree>
+    <p:extLst>
+      <p:ext uri="{BB962C8B-B14F-4D97-AF65-F5344CB8AC3E}">
+        <p14:creationId xmlns:p14="http://schemas.microsoft.com/office/powerpoint/2010/main" val="107873883"/>
+      </p:ext>
+    </p:extLst>
+  </p:cSld>
+  <p:clrMapOvr>
+    <a:masterClrMapping/>
+  </p:clrMapOvr>
+  <p:timing>
+    <p:tnLst>
+      <p:par>
+        <p:cTn id="1" dur="indefinite" restart="never" nodeType="tmRoot"/>
+      </p:par>
+    </p:tnLst>
+  </p:timing>
+</p:sld>
+</file>
+
+<file path=ppt/slides/slide3.xml><?xml version="1.0" encoding="utf-8"?>
+<p:sld xmlns:a="http://schemas.openxmlformats.org/drawingml/2006/main" xmlns:r="http://schemas.openxmlformats.org/officeDocument/2006/relationships" xmlns:p="http://schemas.openxmlformats.org/presentationml/2006/main">
+  <p:cSld>
+    <p:spTree>
+      <p:nvGrpSpPr>
+        <p:cNvPr id="1" name=""/>
+        <p:cNvGrpSpPr/>
+        <p:nvPr/>
+      </p:nvGrpSpPr>
+      <p:grpSpPr>
+        <a:xfrm>
+          <a:off x="0" y="0"/>
+          <a:ext cx="0" cy="0"/>
+          <a:chOff x="0" y="0"/>
+          <a:chExt cx="0" cy="0"/>
+        </a:xfrm>
+      </p:grpSpPr>
+      <p:sp>
+        <p:nvSpPr>
+          <p:cNvPr id="4" name="Rectangle 3"/>
+          <p:cNvSpPr/>
+          <p:nvPr/>
+        </p:nvSpPr>
+        <p:spPr>
+          <a:xfrm>
+            <a:off x="150847" y="1102014"/>
+            <a:ext cx="1614620" cy="1005016"/>
+          </a:xfrm>
+          <a:prstGeom prst="rect">
+            <a:avLst/>
+          </a:prstGeom>
+          <a:effectLst>
+            <a:outerShdw blurRad="50800" dist="38100" dir="2700000" algn="tl" rotWithShape="0">
+              <a:prstClr val="black">
+                <a:alpha val="40000"/>
+              </a:prstClr>
+            </a:outerShdw>
+          </a:effectLst>
+        </p:spPr>
+        <p:style>
+          <a:lnRef idx="2">
+            <a:schemeClr val="accent1"/>
+          </a:lnRef>
+          <a:fillRef idx="1">
+            <a:schemeClr val="lt1"/>
+          </a:fillRef>
+          <a:effectRef idx="0">
+            <a:schemeClr val="accent1"/>
+          </a:effectRef>
+          <a:fontRef idx="minor">
+            <a:schemeClr val="dk1"/>
+          </a:fontRef>
+        </p:style>
+        <p:txBody>
+          <a:bodyPr rtlCol="0" anchor="ctr"/>
+          <a:lstStyle/>
+          <a:p>
+            <a:pPr algn="ctr"/>
+            <a:r>
+              <a:rPr lang="en-US" dirty="0" err="1" smtClean="0"/>
+              <a:t>Ảnh</a:t>
+            </a:r>
+            <a:r>
+              <a:rPr lang="en-US" dirty="0" smtClean="0"/>
+              <a:t> </a:t>
+            </a:r>
+            <a:r>
+              <a:rPr lang="en-US" dirty="0" err="1" smtClean="0"/>
+              <a:t>đầu</a:t>
+            </a:r>
+            <a:r>
+              <a:rPr lang="en-US" dirty="0" smtClean="0"/>
+              <a:t> </a:t>
+            </a:r>
+            <a:r>
+              <a:rPr lang="en-US" dirty="0" err="1" smtClean="0"/>
+              <a:t>vào</a:t>
+            </a:r>
+            <a:endParaRPr lang="en-US" dirty="0"/>
+          </a:p>
+        </p:txBody>
+      </p:sp>
+      <p:sp>
+        <p:nvSpPr>
+          <p:cNvPr id="5" name="Rectangle 4"/>
+          <p:cNvSpPr/>
+          <p:nvPr/>
+        </p:nvSpPr>
+        <p:spPr>
+          <a:xfrm>
+            <a:off x="2129219" y="1102014"/>
+            <a:ext cx="2339549" cy="1005016"/>
+          </a:xfrm>
+          <a:prstGeom prst="rect">
+            <a:avLst/>
+          </a:prstGeom>
+          <a:effectLst>
+            <a:outerShdw blurRad="50800" dist="38100" dir="2700000" algn="tl" rotWithShape="0">
+              <a:prstClr val="black">
+                <a:alpha val="40000"/>
+              </a:prstClr>
+            </a:outerShdw>
+          </a:effectLst>
+        </p:spPr>
+        <p:style>
+          <a:lnRef idx="2">
+            <a:schemeClr val="accent1"/>
+          </a:lnRef>
+          <a:fillRef idx="1">
+            <a:schemeClr val="lt1"/>
+          </a:fillRef>
+          <a:effectRef idx="0">
+            <a:schemeClr val="accent1"/>
+          </a:effectRef>
+          <a:fontRef idx="minor">
+            <a:schemeClr val="dk1"/>
+          </a:fontRef>
+        </p:style>
+        <p:txBody>
+          <a:bodyPr rtlCol="0" anchor="ctr"/>
+          <a:lstStyle/>
+          <a:p>
+            <a:pPr algn="ctr"/>
+            <a:r>
+              <a:rPr lang="en-US" dirty="0" err="1" smtClean="0"/>
+              <a:t>Phát</a:t>
+            </a:r>
+            <a:r>
+              <a:rPr lang="en-US" dirty="0" smtClean="0"/>
+              <a:t> </a:t>
+            </a:r>
+            <a:r>
+              <a:rPr lang="en-US" dirty="0" err="1" smtClean="0"/>
+              <a:t>hiện</a:t>
+            </a:r>
+            <a:r>
+              <a:rPr lang="en-US" dirty="0" smtClean="0"/>
+              <a:t> </a:t>
+            </a:r>
+            <a:r>
+              <a:rPr lang="en-US" dirty="0" err="1" smtClean="0"/>
+              <a:t>khuôn</a:t>
+            </a:r>
+            <a:r>
+              <a:rPr lang="en-US" dirty="0" smtClean="0"/>
+              <a:t> </a:t>
+            </a:r>
+            <a:r>
+              <a:rPr lang="en-US" dirty="0" err="1" smtClean="0"/>
+              <a:t>mặt</a:t>
+            </a:r>
+            <a:endParaRPr lang="en-US" dirty="0"/>
+          </a:p>
+        </p:txBody>
+      </p:sp>
+      <p:sp>
+        <p:nvSpPr>
+          <p:cNvPr id="6" name="Rectangle 5"/>
+          <p:cNvSpPr/>
+          <p:nvPr/>
+        </p:nvSpPr>
+        <p:spPr>
+          <a:xfrm>
+            <a:off x="9896841" y="1102014"/>
+            <a:ext cx="1960605" cy="1005016"/>
+          </a:xfrm>
+          <a:prstGeom prst="rect">
+            <a:avLst/>
+          </a:prstGeom>
+          <a:effectLst>
+            <a:outerShdw blurRad="50800" dist="38100" dir="2700000" algn="tl" rotWithShape="0">
+              <a:prstClr val="black">
+                <a:alpha val="40000"/>
+              </a:prstClr>
+            </a:outerShdw>
+          </a:effectLst>
+        </p:spPr>
+        <p:style>
+          <a:lnRef idx="2">
+            <a:schemeClr val="accent1"/>
+          </a:lnRef>
+          <a:fillRef idx="1">
+            <a:schemeClr val="lt1"/>
+          </a:fillRef>
+          <a:effectRef idx="0">
+            <a:schemeClr val="accent1"/>
+          </a:effectRef>
+          <a:fontRef idx="minor">
+            <a:schemeClr val="dk1"/>
+          </a:fontRef>
+        </p:style>
+        <p:txBody>
+          <a:bodyPr rtlCol="0" anchor="ctr"/>
+          <a:lstStyle/>
+          <a:p>
+            <a:pPr algn="ctr"/>
+            <a:r>
+              <a:rPr lang="en-US" dirty="0" err="1" smtClean="0"/>
+              <a:t>Ảnh</a:t>
+            </a:r>
+            <a:r>
+              <a:rPr lang="en-US" dirty="0" smtClean="0"/>
+              <a:t> </a:t>
+            </a:r>
+            <a:r>
+              <a:rPr lang="en-US" dirty="0" err="1" smtClean="0"/>
+              <a:t>kết</a:t>
+            </a:r>
+            <a:r>
+              <a:rPr lang="en-US" dirty="0" smtClean="0"/>
+              <a:t> </a:t>
+            </a:r>
+            <a:r>
+              <a:rPr lang="en-US" dirty="0" err="1" smtClean="0"/>
+              <a:t>quả</a:t>
+            </a:r>
+            <a:endParaRPr lang="en-US" dirty="0"/>
+          </a:p>
+        </p:txBody>
+      </p:sp>
+      <p:sp>
+        <p:nvSpPr>
+          <p:cNvPr id="7" name="Rectangle 6"/>
+          <p:cNvSpPr/>
+          <p:nvPr/>
+        </p:nvSpPr>
+        <p:spPr>
+          <a:xfrm>
+            <a:off x="6886833" y="1087395"/>
+            <a:ext cx="2647544" cy="1005016"/>
+          </a:xfrm>
+          <a:prstGeom prst="rect">
+            <a:avLst/>
+          </a:prstGeom>
+          <a:effectLst>
+            <a:outerShdw blurRad="50800" dist="38100" dir="2700000" algn="tl" rotWithShape="0">
+              <a:prstClr val="black">
+                <a:alpha val="40000"/>
+              </a:prstClr>
+            </a:outerShdw>
+          </a:effectLst>
+        </p:spPr>
+        <p:style>
+          <a:lnRef idx="2">
+            <a:schemeClr val="accent1"/>
+          </a:lnRef>
+          <a:fillRef idx="1">
+            <a:schemeClr val="lt1"/>
+          </a:fillRef>
+          <a:effectRef idx="0">
+            <a:schemeClr val="accent1"/>
+          </a:effectRef>
+          <a:fontRef idx="minor">
+            <a:schemeClr val="dk1"/>
+          </a:fontRef>
+        </p:style>
+        <p:txBody>
+          <a:bodyPr rtlCol="0" anchor="ctr"/>
+          <a:lstStyle/>
+          <a:p>
+            <a:pPr algn="ctr"/>
+            <a:r>
+              <a:rPr lang="en-US" dirty="0" err="1" smtClean="0"/>
+              <a:t>Nhận</a:t>
+            </a:r>
+            <a:r>
+              <a:rPr lang="en-US" dirty="0" smtClean="0"/>
+              <a:t> </a:t>
+            </a:r>
+            <a:r>
+              <a:rPr lang="en-US" dirty="0" err="1" smtClean="0"/>
+              <a:t>dạng</a:t>
+            </a:r>
+            <a:r>
+              <a:rPr lang="en-US" dirty="0" smtClean="0"/>
+              <a:t> </a:t>
+            </a:r>
+            <a:r>
+              <a:rPr lang="en-US" dirty="0" err="1" smtClean="0"/>
+              <a:t>cảm</a:t>
+            </a:r>
+            <a:r>
+              <a:rPr lang="en-US" dirty="0" smtClean="0"/>
+              <a:t> </a:t>
+            </a:r>
+            <a:r>
+              <a:rPr lang="en-US" dirty="0" err="1" smtClean="0"/>
+              <a:t>xúc</a:t>
+            </a:r>
+            <a:endParaRPr lang="en-US" dirty="0"/>
+          </a:p>
+        </p:txBody>
+      </p:sp>
+      <p:sp>
+        <p:nvSpPr>
+          <p:cNvPr id="8" name="Rectangle 7"/>
+          <p:cNvSpPr/>
+          <p:nvPr/>
+        </p:nvSpPr>
+        <p:spPr>
+          <a:xfrm>
+            <a:off x="4876801" y="1087395"/>
+            <a:ext cx="1631092" cy="1005016"/>
+          </a:xfrm>
+          <a:prstGeom prst="rect">
+            <a:avLst/>
+          </a:prstGeom>
+          <a:effectLst>
+            <a:outerShdw blurRad="50800" dist="38100" dir="2700000" algn="tl" rotWithShape="0">
+              <a:prstClr val="black">
+                <a:alpha val="40000"/>
+              </a:prstClr>
+            </a:outerShdw>
+          </a:effectLst>
+        </p:spPr>
+        <p:style>
+          <a:lnRef idx="2">
+            <a:schemeClr val="accent1"/>
+          </a:lnRef>
+          <a:fillRef idx="1">
+            <a:schemeClr val="lt1"/>
+          </a:fillRef>
+          <a:effectRef idx="0">
+            <a:schemeClr val="accent1"/>
+          </a:effectRef>
+          <a:fontRef idx="minor">
+            <a:schemeClr val="dk1"/>
+          </a:fontRef>
+        </p:style>
+        <p:txBody>
+          <a:bodyPr rtlCol="0" anchor="ctr"/>
+          <a:lstStyle/>
+          <a:p>
+            <a:pPr algn="ctr"/>
+            <a:r>
+              <a:rPr lang="en-US" dirty="0" err="1" smtClean="0"/>
+              <a:t>Tiền</a:t>
+            </a:r>
+            <a:r>
+              <a:rPr lang="en-US" dirty="0" smtClean="0"/>
+              <a:t> </a:t>
+            </a:r>
+            <a:r>
+              <a:rPr lang="en-US" dirty="0" err="1" smtClean="0"/>
+              <a:t>xử</a:t>
+            </a:r>
+            <a:r>
+              <a:rPr lang="en-US" dirty="0" smtClean="0"/>
+              <a:t> </a:t>
+            </a:r>
+            <a:r>
+              <a:rPr lang="en-US" dirty="0" err="1" smtClean="0"/>
+              <a:t>lý</a:t>
+            </a:r>
+            <a:r>
+              <a:rPr lang="en-US" dirty="0" smtClean="0"/>
+              <a:t> </a:t>
+            </a:r>
+            <a:r>
+              <a:rPr lang="en-US" dirty="0" err="1" smtClean="0"/>
+              <a:t>ảnh</a:t>
+            </a:r>
+            <a:endParaRPr lang="en-US" dirty="0"/>
+          </a:p>
+        </p:txBody>
+      </p:sp>
+      <p:sp>
+        <p:nvSpPr>
+          <p:cNvPr id="10" name="Right Arrow 9"/>
+          <p:cNvSpPr/>
+          <p:nvPr/>
+        </p:nvSpPr>
+        <p:spPr>
+          <a:xfrm>
+            <a:off x="1789148" y="1501033"/>
+            <a:ext cx="330545" cy="269178"/>
+          </a:xfrm>
+          <a:prstGeom prst="rightArrow">
+            <a:avLst/>
+          </a:prstGeom>
+        </p:spPr>
+        <p:style>
+          <a:lnRef idx="2">
+            <a:schemeClr val="accent1">
+              <a:shade val="50000"/>
+            </a:schemeClr>
+          </a:lnRef>
+          <a:fillRef idx="1">
+            <a:schemeClr val="accent1"/>
+          </a:fillRef>
+          <a:effectRef idx="0">
+            <a:schemeClr val="accent1"/>
+          </a:effectRef>
+          <a:fontRef idx="minor">
+            <a:schemeClr val="lt1"/>
+          </a:fontRef>
+        </p:style>
+        <p:txBody>
+          <a:bodyPr rtlCol="0" anchor="ctr"/>
+          <a:lstStyle/>
+          <a:p>
+            <a:pPr algn="ctr"/>
+            <a:endParaRPr lang="en-US"/>
+          </a:p>
+        </p:txBody>
+      </p:sp>
+      <p:pic>
+        <p:nvPicPr>
+          <p:cNvPr id="14" name="Picture 13"/>
+          <p:cNvPicPr>
+            <a:picLocks noChangeAspect="1"/>
+          </p:cNvPicPr>
+          <p:nvPr/>
+        </p:nvPicPr>
+        <p:blipFill>
+          <a:blip r:embed="rId2" cstate="print">
+            <a:extLst>
+              <a:ext uri="{28A0092B-C50C-407E-A947-70E740481C1C}">
+                <a14:useLocalDpi xmlns:a14="http://schemas.microsoft.com/office/drawing/2010/main" val="0"/>
+              </a:ext>
+            </a:extLst>
+          </a:blip>
+          <a:stretch>
+            <a:fillRect/>
+          </a:stretch>
+        </p:blipFill>
+        <p:spPr>
+          <a:xfrm>
+            <a:off x="181228" y="2445784"/>
+            <a:ext cx="1614620" cy="1204836"/>
+          </a:xfrm>
+          <a:prstGeom prst="rect">
+            <a:avLst/>
+          </a:prstGeom>
+        </p:spPr>
+      </p:pic>
+      <p:pic>
+        <p:nvPicPr>
+          <p:cNvPr id="18" name="Picture 17"/>
+          <p:cNvPicPr>
+            <a:picLocks noChangeAspect="1"/>
+          </p:cNvPicPr>
+          <p:nvPr/>
+        </p:nvPicPr>
+        <p:blipFill>
+          <a:blip r:embed="rId3">
+            <a:extLst>
+              <a:ext uri="{28A0092B-C50C-407E-A947-70E740481C1C}">
+                <a14:useLocalDpi xmlns:a14="http://schemas.microsoft.com/office/drawing/2010/main" val="0"/>
+              </a:ext>
+            </a:extLst>
+          </a:blip>
+          <a:stretch>
+            <a:fillRect/>
+          </a:stretch>
+        </p:blipFill>
+        <p:spPr>
+          <a:xfrm>
+            <a:off x="5265775" y="2602303"/>
+            <a:ext cx="865277" cy="849351"/>
+          </a:xfrm>
+          <a:prstGeom prst="rect">
+            <a:avLst/>
+          </a:prstGeom>
+        </p:spPr>
+      </p:pic>
+      <p:pic>
+        <p:nvPicPr>
+          <p:cNvPr id="19" name="Picture 18"/>
+          <p:cNvPicPr>
+            <a:picLocks noChangeAspect="1"/>
+          </p:cNvPicPr>
+          <p:nvPr/>
+        </p:nvPicPr>
+        <p:blipFill>
+          <a:blip r:embed="rId4" cstate="print">
+            <a:extLst>
+              <a:ext uri="{28A0092B-C50C-407E-A947-70E740481C1C}">
+                <a14:useLocalDpi xmlns:a14="http://schemas.microsoft.com/office/drawing/2010/main" val="0"/>
+              </a:ext>
+            </a:extLst>
+          </a:blip>
+          <a:stretch>
+            <a:fillRect/>
+          </a:stretch>
+        </p:blipFill>
+        <p:spPr>
+          <a:xfrm>
+            <a:off x="6886832" y="2175045"/>
+            <a:ext cx="2647544" cy="1614103"/>
+          </a:xfrm>
+          <a:prstGeom prst="rect">
+            <a:avLst/>
+          </a:prstGeom>
+        </p:spPr>
+      </p:pic>
+      <p:pic>
+        <p:nvPicPr>
+          <p:cNvPr id="20" name="Picture 19"/>
+          <p:cNvPicPr>
+            <a:picLocks noChangeAspect="1"/>
+          </p:cNvPicPr>
+          <p:nvPr/>
+        </p:nvPicPr>
+        <p:blipFill>
+          <a:blip r:embed="rId5" cstate="print">
+            <a:extLst>
+              <a:ext uri="{28A0092B-C50C-407E-A947-70E740481C1C}">
+                <a14:useLocalDpi xmlns:a14="http://schemas.microsoft.com/office/drawing/2010/main" val="0"/>
+              </a:ext>
+            </a:extLst>
+          </a:blip>
+          <a:stretch>
+            <a:fillRect/>
+          </a:stretch>
+        </p:blipFill>
+        <p:spPr>
+          <a:xfrm>
+            <a:off x="10018809" y="2445784"/>
+            <a:ext cx="1716667" cy="1203561"/>
+          </a:xfrm>
+          <a:prstGeom prst="rect">
+            <a:avLst/>
+          </a:prstGeom>
+        </p:spPr>
+      </p:pic>
+      <p:sp>
+        <p:nvSpPr>
+          <p:cNvPr id="21" name="Right Arrow 20"/>
+          <p:cNvSpPr/>
+          <p:nvPr/>
+        </p:nvSpPr>
+        <p:spPr>
+          <a:xfrm>
+            <a:off x="4478294" y="1493708"/>
+            <a:ext cx="398507" cy="269178"/>
+          </a:xfrm>
+          <a:prstGeom prst="rightArrow">
+            <a:avLst/>
+          </a:prstGeom>
+        </p:spPr>
+        <p:style>
+          <a:lnRef idx="2">
+            <a:schemeClr val="accent1">
+              <a:shade val="50000"/>
+            </a:schemeClr>
+          </a:lnRef>
+          <a:fillRef idx="1">
+            <a:schemeClr val="accent1"/>
+          </a:fillRef>
+          <a:effectRef idx="0">
+            <a:schemeClr val="accent1"/>
+          </a:effectRef>
+          <a:fontRef idx="minor">
+            <a:schemeClr val="lt1"/>
+          </a:fontRef>
+        </p:style>
+        <p:txBody>
+          <a:bodyPr rtlCol="0" anchor="ctr"/>
+          <a:lstStyle/>
+          <a:p>
+            <a:pPr algn="ctr"/>
+            <a:endParaRPr lang="en-US"/>
+          </a:p>
+        </p:txBody>
+      </p:sp>
+      <p:sp>
+        <p:nvSpPr>
+          <p:cNvPr id="22" name="Right Arrow 21"/>
+          <p:cNvSpPr/>
+          <p:nvPr/>
+        </p:nvSpPr>
+        <p:spPr>
+          <a:xfrm>
+            <a:off x="6507893" y="1493708"/>
+            <a:ext cx="378939" cy="269178"/>
+          </a:xfrm>
+          <a:prstGeom prst="rightArrow">
+            <a:avLst/>
+          </a:prstGeom>
+        </p:spPr>
+        <p:style>
+          <a:lnRef idx="2">
+            <a:schemeClr val="accent1">
+              <a:shade val="50000"/>
+            </a:schemeClr>
+          </a:lnRef>
+          <a:fillRef idx="1">
+            <a:schemeClr val="accent1"/>
+          </a:fillRef>
+          <a:effectRef idx="0">
+            <a:schemeClr val="accent1"/>
+          </a:effectRef>
+          <a:fontRef idx="minor">
+            <a:schemeClr val="lt1"/>
+          </a:fontRef>
+        </p:style>
+        <p:txBody>
+          <a:bodyPr rtlCol="0" anchor="ctr"/>
+          <a:lstStyle/>
+          <a:p>
+            <a:pPr algn="ctr"/>
+            <a:endParaRPr lang="en-US"/>
+          </a:p>
+        </p:txBody>
+      </p:sp>
+      <p:sp>
+        <p:nvSpPr>
+          <p:cNvPr id="23" name="Right Arrow 22"/>
+          <p:cNvSpPr/>
+          <p:nvPr/>
+        </p:nvSpPr>
+        <p:spPr>
+          <a:xfrm>
+            <a:off x="9524849" y="1455314"/>
+            <a:ext cx="388468" cy="269178"/>
+          </a:xfrm>
+          <a:prstGeom prst="rightArrow">
+            <a:avLst/>
+          </a:prstGeom>
+        </p:spPr>
+        <p:style>
+          <a:lnRef idx="2">
+            <a:schemeClr val="accent1">
+              <a:shade val="50000"/>
+            </a:schemeClr>
+          </a:lnRef>
+          <a:fillRef idx="1">
+            <a:schemeClr val="accent1"/>
+          </a:fillRef>
+          <a:effectRef idx="0">
+            <a:schemeClr val="accent1"/>
+          </a:effectRef>
+          <a:fontRef idx="minor">
+            <a:schemeClr val="lt1"/>
+          </a:fontRef>
+        </p:style>
+        <p:txBody>
+          <a:bodyPr rtlCol="0" anchor="ctr"/>
+          <a:lstStyle/>
+          <a:p>
+            <a:pPr algn="ctr"/>
+            <a:endParaRPr lang="en-US"/>
+          </a:p>
+        </p:txBody>
+      </p:sp>
+      <p:pic>
+        <p:nvPicPr>
+          <p:cNvPr id="24" name="Picture 23"/>
+          <p:cNvPicPr>
+            <a:picLocks noChangeAspect="1"/>
+          </p:cNvPicPr>
+          <p:nvPr/>
+        </p:nvPicPr>
+        <p:blipFill>
+          <a:blip r:embed="rId6" cstate="print">
+            <a:extLst>
+              <a:ext uri="{28A0092B-C50C-407E-A947-70E740481C1C}">
+                <a14:useLocalDpi xmlns:a14="http://schemas.microsoft.com/office/drawing/2010/main" val="0"/>
+              </a:ext>
+            </a:extLst>
+          </a:blip>
+          <a:stretch>
+            <a:fillRect/>
+          </a:stretch>
+        </p:blipFill>
+        <p:spPr>
+          <a:xfrm>
+            <a:off x="2491684" y="2445784"/>
+            <a:ext cx="1608266" cy="1203561"/>
+          </a:xfrm>
+          <a:prstGeom prst="rect">
+            <a:avLst/>
+          </a:prstGeom>
+        </p:spPr>
+      </p:pic>
+    </p:spTree>
+    <p:extLst>
+      <p:ext uri="{BB962C8B-B14F-4D97-AF65-F5344CB8AC3E}">
+        <p14:creationId xmlns:p14="http://schemas.microsoft.com/office/powerpoint/2010/main" val="1792534909"/>
+      </p:ext>
+    </p:extLst>
+  </p:cSld>
+  <p:clrMapOvr>
+    <a:masterClrMapping/>
+  </p:clrMapOvr>
+  <p:timing>
+    <p:tnLst>
+      <p:par>
+        <p:cTn id="1" dur="indefinite" restart="never" nodeType="tmRoot"/>
+      </p:par>
+    </p:tnLst>
+  </p:timing>
+</p:sld>
+</file>
+
+<file path=ppt/slides/slide4.xml><?xml version="1.0" encoding="utf-8"?>
+<p:sld xmlns:a="http://schemas.openxmlformats.org/drawingml/2006/main" xmlns:r="http://schemas.openxmlformats.org/officeDocument/2006/relationships" xmlns:p="http://schemas.openxmlformats.org/presentationml/2006/main">
+  <p:cSld>
+    <p:spTree>
+      <p:nvGrpSpPr>
+        <p:cNvPr id="1" name=""/>
+        <p:cNvGrpSpPr/>
+        <p:nvPr/>
+      </p:nvGrpSpPr>
+      <p:grpSpPr>
+        <a:xfrm>
+          <a:off x="0" y="0"/>
+          <a:ext cx="0" cy="0"/>
+          <a:chOff x="0" y="0"/>
+          <a:chExt cx="0" cy="0"/>
+        </a:xfrm>
+      </p:grpSpPr>
+      <p:sp>
+        <p:nvSpPr>
+          <p:cNvPr id="2" name="Title 1"/>
+          <p:cNvSpPr>
+            <a:spLocks noGrp="1"/>
+          </p:cNvSpPr>
+          <p:nvPr>
+            <p:ph type="title"/>
+          </p:nvPr>
+        </p:nvSpPr>
+        <p:spPr/>
+        <p:txBody>
+          <a:bodyPr/>
+          <a:lstStyle/>
+          <a:p>
+            <a:endParaRPr lang="en-US"/>
+          </a:p>
+        </p:txBody>
+      </p:sp>
+      <p:sp>
+        <p:nvSpPr>
+          <p:cNvPr id="3" name="Content Placeholder 2"/>
+          <p:cNvSpPr>
+            <a:spLocks noGrp="1"/>
+          </p:cNvSpPr>
+          <p:nvPr>
+            <p:ph idx="1"/>
+          </p:nvPr>
+        </p:nvSpPr>
+        <p:spPr/>
+        <p:txBody>
+          <a:bodyPr/>
+          <a:lstStyle/>
+          <a:p>
+            <a:endParaRPr lang="en-US"/>
+          </a:p>
+        </p:txBody>
+      </p:sp>
+    </p:spTree>
+    <p:extLst>
+      <p:ext uri="{BB962C8B-B14F-4D97-AF65-F5344CB8AC3E}">
+        <p14:creationId xmlns:p14="http://schemas.microsoft.com/office/powerpoint/2010/main" val="1704616524"/>
+      </p:ext>
+    </p:extLst>
+  </p:cSld>
+  <p:clrMapOvr>
+    <a:masterClrMapping/>
+  </p:clrMapOvr>
+</p:sld>
+</file>
+
 <file path=ppt/theme/theme1.xml><?xml version="1.0" encoding="utf-8"?>
 <a:theme xmlns:a="http://schemas.openxmlformats.org/drawingml/2006/main" name="Office Theme">
   <a:themeElements>

--- a/Thư mục ảnh đi kèm/ve 2.pptx
+++ b/Thư mục ảnh đi kèm/ve 2.pptx
@@ -246,7 +246,7 @@
           <a:p>
             <a:fld id="{9BE21AD2-8A51-4085-A30D-67A838FBC49A}" type="datetimeFigureOut">
               <a:rPr lang="en-US" smtClean="0"/>
-              <a:t>10/7/2021</a:t>
+              <a:t>10/9/2021</a:t>
             </a:fld>
             <a:endParaRPr lang="en-US"/>
           </a:p>
@@ -416,7 +416,7 @@
           <a:p>
             <a:fld id="{9BE21AD2-8A51-4085-A30D-67A838FBC49A}" type="datetimeFigureOut">
               <a:rPr lang="en-US" smtClean="0"/>
-              <a:t>10/7/2021</a:t>
+              <a:t>10/9/2021</a:t>
             </a:fld>
             <a:endParaRPr lang="en-US"/>
           </a:p>
@@ -596,7 +596,7 @@
           <a:p>
             <a:fld id="{9BE21AD2-8A51-4085-A30D-67A838FBC49A}" type="datetimeFigureOut">
               <a:rPr lang="en-US" smtClean="0"/>
-              <a:t>10/7/2021</a:t>
+              <a:t>10/9/2021</a:t>
             </a:fld>
             <a:endParaRPr lang="en-US"/>
           </a:p>
@@ -766,7 +766,7 @@
           <a:p>
             <a:fld id="{9BE21AD2-8A51-4085-A30D-67A838FBC49A}" type="datetimeFigureOut">
               <a:rPr lang="en-US" smtClean="0"/>
-              <a:t>10/7/2021</a:t>
+              <a:t>10/9/2021</a:t>
             </a:fld>
             <a:endParaRPr lang="en-US"/>
           </a:p>
@@ -1012,7 +1012,7 @@
           <a:p>
             <a:fld id="{9BE21AD2-8A51-4085-A30D-67A838FBC49A}" type="datetimeFigureOut">
               <a:rPr lang="en-US" smtClean="0"/>
-              <a:t>10/7/2021</a:t>
+              <a:t>10/9/2021</a:t>
             </a:fld>
             <a:endParaRPr lang="en-US"/>
           </a:p>
@@ -1244,7 +1244,7 @@
           <a:p>
             <a:fld id="{9BE21AD2-8A51-4085-A30D-67A838FBC49A}" type="datetimeFigureOut">
               <a:rPr lang="en-US" smtClean="0"/>
-              <a:t>10/7/2021</a:t>
+              <a:t>10/9/2021</a:t>
             </a:fld>
             <a:endParaRPr lang="en-US"/>
           </a:p>
@@ -1611,7 +1611,7 @@
           <a:p>
             <a:fld id="{9BE21AD2-8A51-4085-A30D-67A838FBC49A}" type="datetimeFigureOut">
               <a:rPr lang="en-US" smtClean="0"/>
-              <a:t>10/7/2021</a:t>
+              <a:t>10/9/2021</a:t>
             </a:fld>
             <a:endParaRPr lang="en-US"/>
           </a:p>
@@ -1729,7 +1729,7 @@
           <a:p>
             <a:fld id="{9BE21AD2-8A51-4085-A30D-67A838FBC49A}" type="datetimeFigureOut">
               <a:rPr lang="en-US" smtClean="0"/>
-              <a:t>10/7/2021</a:t>
+              <a:t>10/9/2021</a:t>
             </a:fld>
             <a:endParaRPr lang="en-US"/>
           </a:p>
@@ -1824,7 +1824,7 @@
           <a:p>
             <a:fld id="{9BE21AD2-8A51-4085-A30D-67A838FBC49A}" type="datetimeFigureOut">
               <a:rPr lang="en-US" smtClean="0"/>
-              <a:t>10/7/2021</a:t>
+              <a:t>10/9/2021</a:t>
             </a:fld>
             <a:endParaRPr lang="en-US"/>
           </a:p>
@@ -2101,7 +2101,7 @@
           <a:p>
             <a:fld id="{9BE21AD2-8A51-4085-A30D-67A838FBC49A}" type="datetimeFigureOut">
               <a:rPr lang="en-US" smtClean="0"/>
-              <a:t>10/7/2021</a:t>
+              <a:t>10/9/2021</a:t>
             </a:fld>
             <a:endParaRPr lang="en-US"/>
           </a:p>
@@ -2354,7 +2354,7 @@
           <a:p>
             <a:fld id="{9BE21AD2-8A51-4085-A30D-67A838FBC49A}" type="datetimeFigureOut">
               <a:rPr lang="en-US" smtClean="0"/>
-              <a:t>10/7/2021</a:t>
+              <a:t>10/9/2021</a:t>
             </a:fld>
             <a:endParaRPr lang="en-US"/>
           </a:p>
@@ -2567,7 +2567,7 @@
           <a:p>
             <a:fld id="{9BE21AD2-8A51-4085-A30D-67A838FBC49A}" type="datetimeFigureOut">
               <a:rPr lang="en-US" smtClean="0"/>
-              <a:t>10/7/2021</a:t>
+              <a:t>10/9/2021</a:t>
             </a:fld>
             <a:endParaRPr lang="en-US"/>
           </a:p>
@@ -5175,9 +5175,129 @@
           </a:prstGeom>
         </p:spPr>
       </p:pic>
+      <p:sp>
+        <p:nvSpPr>
+          <p:cNvPr id="21" name="Right Arrow 20"/>
+          <p:cNvSpPr/>
+          <p:nvPr/>
+        </p:nvSpPr>
+        <p:spPr>
+          <a:xfrm>
+            <a:off x="4478294" y="1493708"/>
+            <a:ext cx="398507" cy="269178"/>
+          </a:xfrm>
+          <a:prstGeom prst="rightArrow">
+            <a:avLst/>
+          </a:prstGeom>
+        </p:spPr>
+        <p:style>
+          <a:lnRef idx="2">
+            <a:schemeClr val="accent1">
+              <a:shade val="50000"/>
+            </a:schemeClr>
+          </a:lnRef>
+          <a:fillRef idx="1">
+            <a:schemeClr val="accent1"/>
+          </a:fillRef>
+          <a:effectRef idx="0">
+            <a:schemeClr val="accent1"/>
+          </a:effectRef>
+          <a:fontRef idx="minor">
+            <a:schemeClr val="lt1"/>
+          </a:fontRef>
+        </p:style>
+        <p:txBody>
+          <a:bodyPr rtlCol="0" anchor="ctr"/>
+          <a:lstStyle/>
+          <a:p>
+            <a:pPr algn="ctr"/>
+            <a:endParaRPr lang="en-US"/>
+          </a:p>
+        </p:txBody>
+      </p:sp>
+      <p:sp>
+        <p:nvSpPr>
+          <p:cNvPr id="22" name="Right Arrow 21"/>
+          <p:cNvSpPr/>
+          <p:nvPr/>
+        </p:nvSpPr>
+        <p:spPr>
+          <a:xfrm>
+            <a:off x="6507893" y="1493708"/>
+            <a:ext cx="378939" cy="269178"/>
+          </a:xfrm>
+          <a:prstGeom prst="rightArrow">
+            <a:avLst/>
+          </a:prstGeom>
+        </p:spPr>
+        <p:style>
+          <a:lnRef idx="2">
+            <a:schemeClr val="accent1">
+              <a:shade val="50000"/>
+            </a:schemeClr>
+          </a:lnRef>
+          <a:fillRef idx="1">
+            <a:schemeClr val="accent1"/>
+          </a:fillRef>
+          <a:effectRef idx="0">
+            <a:schemeClr val="accent1"/>
+          </a:effectRef>
+          <a:fontRef idx="minor">
+            <a:schemeClr val="lt1"/>
+          </a:fontRef>
+        </p:style>
+        <p:txBody>
+          <a:bodyPr rtlCol="0" anchor="ctr"/>
+          <a:lstStyle/>
+          <a:p>
+            <a:pPr algn="ctr"/>
+            <a:endParaRPr lang="en-US"/>
+          </a:p>
+        </p:txBody>
+      </p:sp>
+      <p:sp>
+        <p:nvSpPr>
+          <p:cNvPr id="23" name="Right Arrow 22"/>
+          <p:cNvSpPr/>
+          <p:nvPr/>
+        </p:nvSpPr>
+        <p:spPr>
+          <a:xfrm>
+            <a:off x="9524849" y="1455314"/>
+            <a:ext cx="388468" cy="269178"/>
+          </a:xfrm>
+          <a:prstGeom prst="rightArrow">
+            <a:avLst/>
+          </a:prstGeom>
+        </p:spPr>
+        <p:style>
+          <a:lnRef idx="2">
+            <a:schemeClr val="accent1">
+              <a:shade val="50000"/>
+            </a:schemeClr>
+          </a:lnRef>
+          <a:fillRef idx="1">
+            <a:schemeClr val="accent1"/>
+          </a:fillRef>
+          <a:effectRef idx="0">
+            <a:schemeClr val="accent1"/>
+          </a:effectRef>
+          <a:fontRef idx="minor">
+            <a:schemeClr val="lt1"/>
+          </a:fontRef>
+        </p:style>
+        <p:txBody>
+          <a:bodyPr rtlCol="0" anchor="ctr"/>
+          <a:lstStyle/>
+          <a:p>
+            <a:pPr algn="ctr"/>
+            <a:endParaRPr lang="en-US"/>
+          </a:p>
+        </p:txBody>
+      </p:sp>
       <p:pic>
         <p:nvPicPr>
-          <p:cNvPr id="20" name="Picture 19"/>
+          <p:cNvPr id="24" name="Picture 23"/>
           <p:cNvPicPr>
             <a:picLocks noChangeAspect="1"/>
           </p:cNvPicPr>
@@ -5197,158 +5317,32 @@
         </p:blipFill>
         <p:spPr>
           <a:xfrm>
-            <a:off x="10018809" y="2445784"/>
-            <a:ext cx="1716667" cy="1203561"/>
+            <a:off x="2491684" y="2445784"/>
+            <a:ext cx="1608266" cy="1203561"/>
           </a:xfrm>
           <a:prstGeom prst="rect">
             <a:avLst/>
           </a:prstGeom>
         </p:spPr>
       </p:pic>
-      <p:sp>
-        <p:nvSpPr>
-          <p:cNvPr id="21" name="Right Arrow 20"/>
-          <p:cNvSpPr/>
-          <p:nvPr/>
-        </p:nvSpPr>
-        <p:spPr>
-          <a:xfrm>
-            <a:off x="4478294" y="1493708"/>
-            <a:ext cx="398507" cy="269178"/>
-          </a:xfrm>
-          <a:prstGeom prst="rightArrow">
-            <a:avLst/>
-          </a:prstGeom>
-        </p:spPr>
-        <p:style>
-          <a:lnRef idx="2">
-            <a:schemeClr val="accent1">
-              <a:shade val="50000"/>
-            </a:schemeClr>
-          </a:lnRef>
-          <a:fillRef idx="1">
-            <a:schemeClr val="accent1"/>
-          </a:fillRef>
-          <a:effectRef idx="0">
-            <a:schemeClr val="accent1"/>
-          </a:effectRef>
-          <a:fontRef idx="minor">
-            <a:schemeClr val="lt1"/>
-          </a:fontRef>
-        </p:style>
-        <p:txBody>
-          <a:bodyPr rtlCol="0" anchor="ctr"/>
-          <a:lstStyle/>
-          <a:p>
-            <a:pPr algn="ctr"/>
-            <a:endParaRPr lang="en-US"/>
-          </a:p>
-        </p:txBody>
-      </p:sp>
-      <p:sp>
-        <p:nvSpPr>
-          <p:cNvPr id="22" name="Right Arrow 21"/>
-          <p:cNvSpPr/>
-          <p:nvPr/>
-        </p:nvSpPr>
-        <p:spPr>
-          <a:xfrm>
-            <a:off x="6507893" y="1493708"/>
-            <a:ext cx="378939" cy="269178"/>
-          </a:xfrm>
-          <a:prstGeom prst="rightArrow">
-            <a:avLst/>
-          </a:prstGeom>
-        </p:spPr>
-        <p:style>
-          <a:lnRef idx="2">
-            <a:schemeClr val="accent1">
-              <a:shade val="50000"/>
-            </a:schemeClr>
-          </a:lnRef>
-          <a:fillRef idx="1">
-            <a:schemeClr val="accent1"/>
-          </a:fillRef>
-          <a:effectRef idx="0">
-            <a:schemeClr val="accent1"/>
-          </a:effectRef>
-          <a:fontRef idx="minor">
-            <a:schemeClr val="lt1"/>
-          </a:fontRef>
-        </p:style>
-        <p:txBody>
-          <a:bodyPr rtlCol="0" anchor="ctr"/>
-          <a:lstStyle/>
-          <a:p>
-            <a:pPr algn="ctr"/>
-            <a:endParaRPr lang="en-US"/>
-          </a:p>
-        </p:txBody>
-      </p:sp>
-      <p:sp>
-        <p:nvSpPr>
-          <p:cNvPr id="23" name="Right Arrow 22"/>
-          <p:cNvSpPr/>
-          <p:nvPr/>
-        </p:nvSpPr>
-        <p:spPr>
-          <a:xfrm>
-            <a:off x="9524849" y="1455314"/>
-            <a:ext cx="388468" cy="269178"/>
-          </a:xfrm>
-          <a:prstGeom prst="rightArrow">
-            <a:avLst/>
-          </a:prstGeom>
-        </p:spPr>
-        <p:style>
-          <a:lnRef idx="2">
-            <a:schemeClr val="accent1">
-              <a:shade val="50000"/>
-            </a:schemeClr>
-          </a:lnRef>
-          <a:fillRef idx="1">
-            <a:schemeClr val="accent1"/>
-          </a:fillRef>
-          <a:effectRef idx="0">
-            <a:schemeClr val="accent1"/>
-          </a:effectRef>
-          <a:fontRef idx="minor">
-            <a:schemeClr val="lt1"/>
-          </a:fontRef>
-        </p:style>
-        <p:txBody>
-          <a:bodyPr rtlCol="0" anchor="ctr"/>
-          <a:lstStyle/>
-          <a:p>
-            <a:pPr algn="ctr"/>
-            <a:endParaRPr lang="en-US"/>
-          </a:p>
-        </p:txBody>
-      </p:sp>
       <p:pic>
         <p:nvPicPr>
-          <p:cNvPr id="24" name="Picture 23"/>
+          <p:cNvPr id="2" name="Picture 1"/>
           <p:cNvPicPr>
             <a:picLocks noChangeAspect="1"/>
           </p:cNvPicPr>
           <p:nvPr/>
         </p:nvPicPr>
         <p:blipFill>
-          <a:blip r:embed="rId6" cstate="print">
-            <a:extLst>
-              <a:ext uri="{28A0092B-C50C-407E-A947-70E740481C1C}">
-                <a14:useLocalDpi xmlns:a14="http://schemas.microsoft.com/office/drawing/2010/main" val="0"/>
-              </a:ext>
-            </a:extLst>
-          </a:blip>
+          <a:blip r:embed="rId6"/>
           <a:stretch>
             <a:fillRect/>
           </a:stretch>
         </p:blipFill>
         <p:spPr>
           <a:xfrm>
-            <a:off x="2491684" y="2445784"/>
-            <a:ext cx="1608266" cy="1203561"/>
+            <a:off x="9733890" y="2470928"/>
+            <a:ext cx="2123556" cy="1318220"/>
           </a:xfrm>
           <a:prstGeom prst="rect">
             <a:avLst/>

--- a/Thư mục ảnh đi kèm/ve 2.pptx
+++ b/Thư mục ảnh đi kèm/ve 2.pptx
@@ -246,7 +246,7 @@
           <a:p>
             <a:fld id="{9BE21AD2-8A51-4085-A30D-67A838FBC49A}" type="datetimeFigureOut">
               <a:rPr lang="en-US" smtClean="0"/>
-              <a:t>10/9/2021</a:t>
+              <a:t>10/10/2021</a:t>
             </a:fld>
             <a:endParaRPr lang="en-US"/>
           </a:p>
@@ -416,7 +416,7 @@
           <a:p>
             <a:fld id="{9BE21AD2-8A51-4085-A30D-67A838FBC49A}" type="datetimeFigureOut">
               <a:rPr lang="en-US" smtClean="0"/>
-              <a:t>10/9/2021</a:t>
+              <a:t>10/10/2021</a:t>
             </a:fld>
             <a:endParaRPr lang="en-US"/>
           </a:p>
@@ -596,7 +596,7 @@
           <a:p>
             <a:fld id="{9BE21AD2-8A51-4085-A30D-67A838FBC49A}" type="datetimeFigureOut">
               <a:rPr lang="en-US" smtClean="0"/>
-              <a:t>10/9/2021</a:t>
+              <a:t>10/10/2021</a:t>
             </a:fld>
             <a:endParaRPr lang="en-US"/>
           </a:p>
@@ -766,7 +766,7 @@
           <a:p>
             <a:fld id="{9BE21AD2-8A51-4085-A30D-67A838FBC49A}" type="datetimeFigureOut">
               <a:rPr lang="en-US" smtClean="0"/>
-              <a:t>10/9/2021</a:t>
+              <a:t>10/10/2021</a:t>
             </a:fld>
             <a:endParaRPr lang="en-US"/>
           </a:p>
@@ -1012,7 +1012,7 @@
           <a:p>
             <a:fld id="{9BE21AD2-8A51-4085-A30D-67A838FBC49A}" type="datetimeFigureOut">
               <a:rPr lang="en-US" smtClean="0"/>
-              <a:t>10/9/2021</a:t>
+              <a:t>10/10/2021</a:t>
             </a:fld>
             <a:endParaRPr lang="en-US"/>
           </a:p>
@@ -1244,7 +1244,7 @@
           <a:p>
             <a:fld id="{9BE21AD2-8A51-4085-A30D-67A838FBC49A}" type="datetimeFigureOut">
               <a:rPr lang="en-US" smtClean="0"/>
-              <a:t>10/9/2021</a:t>
+              <a:t>10/10/2021</a:t>
             </a:fld>
             <a:endParaRPr lang="en-US"/>
           </a:p>
@@ -1611,7 +1611,7 @@
           <a:p>
             <a:fld id="{9BE21AD2-8A51-4085-A30D-67A838FBC49A}" type="datetimeFigureOut">
               <a:rPr lang="en-US" smtClean="0"/>
-              <a:t>10/9/2021</a:t>
+              <a:t>10/10/2021</a:t>
             </a:fld>
             <a:endParaRPr lang="en-US"/>
           </a:p>
@@ -1729,7 +1729,7 @@
           <a:p>
             <a:fld id="{9BE21AD2-8A51-4085-A30D-67A838FBC49A}" type="datetimeFigureOut">
               <a:rPr lang="en-US" smtClean="0"/>
-              <a:t>10/9/2021</a:t>
+              <a:t>10/10/2021</a:t>
             </a:fld>
             <a:endParaRPr lang="en-US"/>
           </a:p>
@@ -1824,7 +1824,7 @@
           <a:p>
             <a:fld id="{9BE21AD2-8A51-4085-A30D-67A838FBC49A}" type="datetimeFigureOut">
               <a:rPr lang="en-US" smtClean="0"/>
-              <a:t>10/9/2021</a:t>
+              <a:t>10/10/2021</a:t>
             </a:fld>
             <a:endParaRPr lang="en-US"/>
           </a:p>
@@ -2101,7 +2101,7 @@
           <a:p>
             <a:fld id="{9BE21AD2-8A51-4085-A30D-67A838FBC49A}" type="datetimeFigureOut">
               <a:rPr lang="en-US" smtClean="0"/>
-              <a:t>10/9/2021</a:t>
+              <a:t>10/10/2021</a:t>
             </a:fld>
             <a:endParaRPr lang="en-US"/>
           </a:p>
@@ -2354,7 +2354,7 @@
           <a:p>
             <a:fld id="{9BE21AD2-8A51-4085-A30D-67A838FBC49A}" type="datetimeFigureOut">
               <a:rPr lang="en-US" smtClean="0"/>
-              <a:t>10/9/2021</a:t>
+              <a:t>10/10/2021</a:t>
             </a:fld>
             <a:endParaRPr lang="en-US"/>
           </a:p>
@@ -2567,7 +2567,7 @@
           <a:p>
             <a:fld id="{9BE21AD2-8A51-4085-A30D-67A838FBC49A}" type="datetimeFigureOut">
               <a:rPr lang="en-US" smtClean="0"/>
-              <a:t>10/9/2021</a:t>
+              <a:t>10/10/2021</a:t>
             </a:fld>
             <a:endParaRPr lang="en-US"/>
           </a:p>
@@ -4877,7 +4877,7 @@
             <a:pPr algn="ctr"/>
             <a:r>
               <a:rPr lang="en-US" dirty="0" err="1" smtClean="0"/>
-              <a:t>Ảnh</a:t>
+              <a:t>Kết</a:t>
             </a:r>
             <a:r>
               <a:rPr lang="en-US" dirty="0" smtClean="0"/>
@@ -4885,7 +4885,7 @@
             </a:r>
             <a:r>
               <a:rPr lang="en-US" dirty="0" err="1" smtClean="0"/>
-              <a:t>kết</a:t>
+              <a:t>quả</a:t>
             </a:r>
             <a:r>
               <a:rPr lang="en-US" dirty="0" smtClean="0"/>
@@ -4893,7 +4893,15 @@
             </a:r>
             <a:r>
               <a:rPr lang="en-US" dirty="0" err="1" smtClean="0"/>
-              <a:t>quả</a:t>
+              <a:t>đầu</a:t>
+            </a:r>
+            <a:r>
+              <a:rPr lang="en-US" dirty="0" smtClean="0"/>
+              <a:t> </a:t>
+            </a:r>
+            <a:r>
+              <a:rPr lang="en-US" dirty="0" err="1" smtClean="0"/>
+              <a:t>ra</a:t>
             </a:r>
             <a:endParaRPr lang="en-US" dirty="0"/>
           </a:p>
@@ -5117,14 +5125,14 @@
       </p:pic>
       <p:pic>
         <p:nvPicPr>
-          <p:cNvPr id="18" name="Picture 17"/>
+          <p:cNvPr id="19" name="Picture 18"/>
           <p:cNvPicPr>
             <a:picLocks noChangeAspect="1"/>
           </p:cNvPicPr>
           <p:nvPr/>
         </p:nvPicPr>
         <p:blipFill>
-          <a:blip r:embed="rId3">
+          <a:blip r:embed="rId3" cstate="print">
             <a:extLst>
               <a:ext uri="{28A0092B-C50C-407E-A947-70E740481C1C}">
                 <a14:useLocalDpi xmlns:a14="http://schemas.microsoft.com/office/drawing/2010/main" val="0"/>
@@ -5137,17 +5145,137 @@
         </p:blipFill>
         <p:spPr>
           <a:xfrm>
-            <a:off x="5265775" y="2602303"/>
-            <a:ext cx="865277" cy="849351"/>
+            <a:off x="6886832" y="2175045"/>
+            <a:ext cx="2647544" cy="1614103"/>
           </a:xfrm>
           <a:prstGeom prst="rect">
             <a:avLst/>
           </a:prstGeom>
         </p:spPr>
       </p:pic>
+      <p:sp>
+        <p:nvSpPr>
+          <p:cNvPr id="21" name="Right Arrow 20"/>
+          <p:cNvSpPr/>
+          <p:nvPr/>
+        </p:nvSpPr>
+        <p:spPr>
+          <a:xfrm>
+            <a:off x="4478294" y="1493708"/>
+            <a:ext cx="398507" cy="269178"/>
+          </a:xfrm>
+          <a:prstGeom prst="rightArrow">
+            <a:avLst/>
+          </a:prstGeom>
+        </p:spPr>
+        <p:style>
+          <a:lnRef idx="2">
+            <a:schemeClr val="accent1">
+              <a:shade val="50000"/>
+            </a:schemeClr>
+          </a:lnRef>
+          <a:fillRef idx="1">
+            <a:schemeClr val="accent1"/>
+          </a:fillRef>
+          <a:effectRef idx="0">
+            <a:schemeClr val="accent1"/>
+          </a:effectRef>
+          <a:fontRef idx="minor">
+            <a:schemeClr val="lt1"/>
+          </a:fontRef>
+        </p:style>
+        <p:txBody>
+          <a:bodyPr rtlCol="0" anchor="ctr"/>
+          <a:lstStyle/>
+          <a:p>
+            <a:pPr algn="ctr"/>
+            <a:endParaRPr lang="en-US"/>
+          </a:p>
+        </p:txBody>
+      </p:sp>
+      <p:sp>
+        <p:nvSpPr>
+          <p:cNvPr id="22" name="Right Arrow 21"/>
+          <p:cNvSpPr/>
+          <p:nvPr/>
+        </p:nvSpPr>
+        <p:spPr>
+          <a:xfrm>
+            <a:off x="6507893" y="1493708"/>
+            <a:ext cx="378939" cy="269178"/>
+          </a:xfrm>
+          <a:prstGeom prst="rightArrow">
+            <a:avLst/>
+          </a:prstGeom>
+        </p:spPr>
+        <p:style>
+          <a:lnRef idx="2">
+            <a:schemeClr val="accent1">
+              <a:shade val="50000"/>
+            </a:schemeClr>
+          </a:lnRef>
+          <a:fillRef idx="1">
+            <a:schemeClr val="accent1"/>
+          </a:fillRef>
+          <a:effectRef idx="0">
+            <a:schemeClr val="accent1"/>
+          </a:effectRef>
+          <a:fontRef idx="minor">
+            <a:schemeClr val="lt1"/>
+          </a:fontRef>
+        </p:style>
+        <p:txBody>
+          <a:bodyPr rtlCol="0" anchor="ctr"/>
+          <a:lstStyle/>
+          <a:p>
+            <a:pPr algn="ctr"/>
+            <a:endParaRPr lang="en-US"/>
+          </a:p>
+        </p:txBody>
+      </p:sp>
+      <p:sp>
+        <p:nvSpPr>
+          <p:cNvPr id="23" name="Right Arrow 22"/>
+          <p:cNvSpPr/>
+          <p:nvPr/>
+        </p:nvSpPr>
+        <p:spPr>
+          <a:xfrm>
+            <a:off x="9524849" y="1455314"/>
+            <a:ext cx="388468" cy="269178"/>
+          </a:xfrm>
+          <a:prstGeom prst="rightArrow">
+            <a:avLst/>
+          </a:prstGeom>
+        </p:spPr>
+        <p:style>
+          <a:lnRef idx="2">
+            <a:schemeClr val="accent1">
+              <a:shade val="50000"/>
+            </a:schemeClr>
+          </a:lnRef>
+          <a:fillRef idx="1">
+            <a:schemeClr val="accent1"/>
+          </a:fillRef>
+          <a:effectRef idx="0">
+            <a:schemeClr val="accent1"/>
+          </a:effectRef>
+          <a:fontRef idx="minor">
+            <a:schemeClr val="lt1"/>
+          </a:fontRef>
+        </p:style>
+        <p:txBody>
+          <a:bodyPr rtlCol="0" anchor="ctr"/>
+          <a:lstStyle/>
+          <a:p>
+            <a:pPr algn="ctr"/>
+            <a:endParaRPr lang="en-US"/>
+          </a:p>
+        </p:txBody>
+      </p:sp>
       <p:pic>
         <p:nvPicPr>
-          <p:cNvPr id="19" name="Picture 18"/>
+          <p:cNvPr id="24" name="Picture 23"/>
           <p:cNvPicPr>
             <a:picLocks noChangeAspect="1"/>
           </p:cNvPicPr>
@@ -5167,156 +5295,6 @@
         </p:blipFill>
         <p:spPr>
           <a:xfrm>
-            <a:off x="6886832" y="2175045"/>
-            <a:ext cx="2647544" cy="1614103"/>
-          </a:xfrm>
-          <a:prstGeom prst="rect">
-            <a:avLst/>
-          </a:prstGeom>
-        </p:spPr>
-      </p:pic>
-      <p:sp>
-        <p:nvSpPr>
-          <p:cNvPr id="21" name="Right Arrow 20"/>
-          <p:cNvSpPr/>
-          <p:nvPr/>
-        </p:nvSpPr>
-        <p:spPr>
-          <a:xfrm>
-            <a:off x="4478294" y="1493708"/>
-            <a:ext cx="398507" cy="269178"/>
-          </a:xfrm>
-          <a:prstGeom prst="rightArrow">
-            <a:avLst/>
-          </a:prstGeom>
-        </p:spPr>
-        <p:style>
-          <a:lnRef idx="2">
-            <a:schemeClr val="accent1">
-              <a:shade val="50000"/>
-            </a:schemeClr>
-          </a:lnRef>
-          <a:fillRef idx="1">
-            <a:schemeClr val="accent1"/>
-          </a:fillRef>
-          <a:effectRef idx="0">
-            <a:schemeClr val="accent1"/>
-          </a:effectRef>
-          <a:fontRef idx="minor">
-            <a:schemeClr val="lt1"/>
-          </a:fontRef>
-        </p:style>
-        <p:txBody>
-          <a:bodyPr rtlCol="0" anchor="ctr"/>
-          <a:lstStyle/>
-          <a:p>
-            <a:pPr algn="ctr"/>
-            <a:endParaRPr lang="en-US"/>
-          </a:p>
-        </p:txBody>
-      </p:sp>
-      <p:sp>
-        <p:nvSpPr>
-          <p:cNvPr id="22" name="Right Arrow 21"/>
-          <p:cNvSpPr/>
-          <p:nvPr/>
-        </p:nvSpPr>
-        <p:spPr>
-          <a:xfrm>
-            <a:off x="6507893" y="1493708"/>
-            <a:ext cx="378939" cy="269178"/>
-          </a:xfrm>
-          <a:prstGeom prst="rightArrow">
-            <a:avLst/>
-          </a:prstGeom>
-        </p:spPr>
-        <p:style>
-          <a:lnRef idx="2">
-            <a:schemeClr val="accent1">
-              <a:shade val="50000"/>
-            </a:schemeClr>
-          </a:lnRef>
-          <a:fillRef idx="1">
-            <a:schemeClr val="accent1"/>
-          </a:fillRef>
-          <a:effectRef idx="0">
-            <a:schemeClr val="accent1"/>
-          </a:effectRef>
-          <a:fontRef idx="minor">
-            <a:schemeClr val="lt1"/>
-          </a:fontRef>
-        </p:style>
-        <p:txBody>
-          <a:bodyPr rtlCol="0" anchor="ctr"/>
-          <a:lstStyle/>
-          <a:p>
-            <a:pPr algn="ctr"/>
-            <a:endParaRPr lang="en-US"/>
-          </a:p>
-        </p:txBody>
-      </p:sp>
-      <p:sp>
-        <p:nvSpPr>
-          <p:cNvPr id="23" name="Right Arrow 22"/>
-          <p:cNvSpPr/>
-          <p:nvPr/>
-        </p:nvSpPr>
-        <p:spPr>
-          <a:xfrm>
-            <a:off x="9524849" y="1455314"/>
-            <a:ext cx="388468" cy="269178"/>
-          </a:xfrm>
-          <a:prstGeom prst="rightArrow">
-            <a:avLst/>
-          </a:prstGeom>
-        </p:spPr>
-        <p:style>
-          <a:lnRef idx="2">
-            <a:schemeClr val="accent1">
-              <a:shade val="50000"/>
-            </a:schemeClr>
-          </a:lnRef>
-          <a:fillRef idx="1">
-            <a:schemeClr val="accent1"/>
-          </a:fillRef>
-          <a:effectRef idx="0">
-            <a:schemeClr val="accent1"/>
-          </a:effectRef>
-          <a:fontRef idx="minor">
-            <a:schemeClr val="lt1"/>
-          </a:fontRef>
-        </p:style>
-        <p:txBody>
-          <a:bodyPr rtlCol="0" anchor="ctr"/>
-          <a:lstStyle/>
-          <a:p>
-            <a:pPr algn="ctr"/>
-            <a:endParaRPr lang="en-US"/>
-          </a:p>
-        </p:txBody>
-      </p:sp>
-      <p:pic>
-        <p:nvPicPr>
-          <p:cNvPr id="24" name="Picture 23"/>
-          <p:cNvPicPr>
-            <a:picLocks noChangeAspect="1"/>
-          </p:cNvPicPr>
-          <p:nvPr/>
-        </p:nvPicPr>
-        <p:blipFill>
-          <a:blip r:embed="rId5" cstate="print">
-            <a:extLst>
-              <a:ext uri="{28A0092B-C50C-407E-A947-70E740481C1C}">
-                <a14:useLocalDpi xmlns:a14="http://schemas.microsoft.com/office/drawing/2010/main" val="0"/>
-              </a:ext>
-            </a:extLst>
-          </a:blip>
-          <a:stretch>
-            <a:fillRect/>
-          </a:stretch>
-        </p:blipFill>
-        <p:spPr>
-          <a:xfrm>
             <a:off x="2491684" y="2445784"/>
             <a:ext cx="1608266" cy="1203561"/>
           </a:xfrm>
@@ -5334,7 +5312,7 @@
           <p:nvPr/>
         </p:nvPicPr>
         <p:blipFill>
-          <a:blip r:embed="rId6"/>
+          <a:blip r:embed="rId5"/>
           <a:stretch>
             <a:fillRect/>
           </a:stretch>
@@ -5343,6 +5321,43 @@
           <a:xfrm>
             <a:off x="9733890" y="2470928"/>
             <a:ext cx="2123556" cy="1318220"/>
+          </a:xfrm>
+          <a:prstGeom prst="rect">
+            <a:avLst/>
+          </a:prstGeom>
+        </p:spPr>
+      </p:pic>
+      <p:pic>
+        <p:nvPicPr>
+          <p:cNvPr id="16" name="Picture 15"/>
+          <p:cNvPicPr/>
+          <p:nvPr/>
+        </p:nvPicPr>
+        <p:blipFill>
+          <a:blip r:embed="rId6" cstate="print">
+            <a:extLst>
+              <a:ext uri="{BEBA8EAE-BF5A-486C-A8C5-ECC9F3942E4B}">
+                <a14:imgProps xmlns:a14="http://schemas.microsoft.com/office/drawing/2010/main">
+                  <a14:imgLayer r:embed="rId7">
+                    <a14:imgEffect>
+                      <a14:brightnessContrast contrast="40000"/>
+                    </a14:imgEffect>
+                  </a14:imgLayer>
+                </a14:imgProps>
+              </a:ext>
+              <a:ext uri="{28A0092B-C50C-407E-A947-70E740481C1C}">
+                <a14:useLocalDpi xmlns:a14="http://schemas.microsoft.com/office/drawing/2010/main" val="0"/>
+              </a:ext>
+            </a:extLst>
+          </a:blip>
+          <a:stretch>
+            <a:fillRect/>
+          </a:stretch>
+        </p:blipFill>
+        <p:spPr>
+          <a:xfrm>
+            <a:off x="5379419" y="2838408"/>
+            <a:ext cx="625855" cy="583260"/>
           </a:xfrm>
           <a:prstGeom prst="rect">
             <a:avLst/>
@@ -5434,6 +5449,13 @@
   <p:clrMapOvr>
     <a:masterClrMapping/>
   </p:clrMapOvr>
+  <p:timing>
+    <p:tnLst>
+      <p:par>
+        <p:cTn id="1" dur="indefinite" restart="never" nodeType="tmRoot"/>
+      </p:par>
+    </p:tnLst>
+  </p:timing>
 </p:sld>
 </file>
 

--- a/Thư mục ảnh đi kèm/ve 2.pptx
+++ b/Thư mục ảnh đi kèm/ve 2.pptx
@@ -246,7 +246,7 @@
           <a:p>
             <a:fld id="{9BE21AD2-8A51-4085-A30D-67A838FBC49A}" type="datetimeFigureOut">
               <a:rPr lang="en-US" smtClean="0"/>
-              <a:t>10/10/2021</a:t>
+              <a:t>10/11/2021</a:t>
             </a:fld>
             <a:endParaRPr lang="en-US"/>
           </a:p>
@@ -416,7 +416,7 @@
           <a:p>
             <a:fld id="{9BE21AD2-8A51-4085-A30D-67A838FBC49A}" type="datetimeFigureOut">
               <a:rPr lang="en-US" smtClean="0"/>
-              <a:t>10/10/2021</a:t>
+              <a:t>10/11/2021</a:t>
             </a:fld>
             <a:endParaRPr lang="en-US"/>
           </a:p>
@@ -596,7 +596,7 @@
           <a:p>
             <a:fld id="{9BE21AD2-8A51-4085-A30D-67A838FBC49A}" type="datetimeFigureOut">
               <a:rPr lang="en-US" smtClean="0"/>
-              <a:t>10/10/2021</a:t>
+              <a:t>10/11/2021</a:t>
             </a:fld>
             <a:endParaRPr lang="en-US"/>
           </a:p>
@@ -766,7 +766,7 @@
           <a:p>
             <a:fld id="{9BE21AD2-8A51-4085-A30D-67A838FBC49A}" type="datetimeFigureOut">
               <a:rPr lang="en-US" smtClean="0"/>
-              <a:t>10/10/2021</a:t>
+              <a:t>10/11/2021</a:t>
             </a:fld>
             <a:endParaRPr lang="en-US"/>
           </a:p>
@@ -1012,7 +1012,7 @@
           <a:p>
             <a:fld id="{9BE21AD2-8A51-4085-A30D-67A838FBC49A}" type="datetimeFigureOut">
               <a:rPr lang="en-US" smtClean="0"/>
-              <a:t>10/10/2021</a:t>
+              <a:t>10/11/2021</a:t>
             </a:fld>
             <a:endParaRPr lang="en-US"/>
           </a:p>
@@ -1244,7 +1244,7 @@
           <a:p>
             <a:fld id="{9BE21AD2-8A51-4085-A30D-67A838FBC49A}" type="datetimeFigureOut">
               <a:rPr lang="en-US" smtClean="0"/>
-              <a:t>10/10/2021</a:t>
+              <a:t>10/11/2021</a:t>
             </a:fld>
             <a:endParaRPr lang="en-US"/>
           </a:p>
@@ -1611,7 +1611,7 @@
           <a:p>
             <a:fld id="{9BE21AD2-8A51-4085-A30D-67A838FBC49A}" type="datetimeFigureOut">
               <a:rPr lang="en-US" smtClean="0"/>
-              <a:t>10/10/2021</a:t>
+              <a:t>10/11/2021</a:t>
             </a:fld>
             <a:endParaRPr lang="en-US"/>
           </a:p>
@@ -1729,7 +1729,7 @@
           <a:p>
             <a:fld id="{9BE21AD2-8A51-4085-A30D-67A838FBC49A}" type="datetimeFigureOut">
               <a:rPr lang="en-US" smtClean="0"/>
-              <a:t>10/10/2021</a:t>
+              <a:t>10/11/2021</a:t>
             </a:fld>
             <a:endParaRPr lang="en-US"/>
           </a:p>
@@ -1824,7 +1824,7 @@
           <a:p>
             <a:fld id="{9BE21AD2-8A51-4085-A30D-67A838FBC49A}" type="datetimeFigureOut">
               <a:rPr lang="en-US" smtClean="0"/>
-              <a:t>10/10/2021</a:t>
+              <a:t>10/11/2021</a:t>
             </a:fld>
             <a:endParaRPr lang="en-US"/>
           </a:p>
@@ -2101,7 +2101,7 @@
           <a:p>
             <a:fld id="{9BE21AD2-8A51-4085-A30D-67A838FBC49A}" type="datetimeFigureOut">
               <a:rPr lang="en-US" smtClean="0"/>
-              <a:t>10/10/2021</a:t>
+              <a:t>10/11/2021</a:t>
             </a:fld>
             <a:endParaRPr lang="en-US"/>
           </a:p>
@@ -2354,7 +2354,7 @@
           <a:p>
             <a:fld id="{9BE21AD2-8A51-4085-A30D-67A838FBC49A}" type="datetimeFigureOut">
               <a:rPr lang="en-US" smtClean="0"/>
-              <a:t>10/10/2021</a:t>
+              <a:t>10/11/2021</a:t>
             </a:fld>
             <a:endParaRPr lang="en-US"/>
           </a:p>
@@ -2567,7 +2567,7 @@
           <a:p>
             <a:fld id="{9BE21AD2-8A51-4085-A30D-67A838FBC49A}" type="datetimeFigureOut">
               <a:rPr lang="en-US" smtClean="0"/>
-              <a:t>10/10/2021</a:t>
+              <a:t>10/11/2021</a:t>
             </a:fld>
             <a:endParaRPr lang="en-US"/>
           </a:p>
@@ -5305,40 +5305,16 @@
       </p:pic>
       <p:pic>
         <p:nvPicPr>
-          <p:cNvPr id="2" name="Picture 1"/>
-          <p:cNvPicPr>
-            <a:picLocks noChangeAspect="1"/>
-          </p:cNvPicPr>
-          <p:nvPr/>
-        </p:nvPicPr>
-        <p:blipFill>
-          <a:blip r:embed="rId5"/>
-          <a:stretch>
-            <a:fillRect/>
-          </a:stretch>
-        </p:blipFill>
-        <p:spPr>
-          <a:xfrm>
-            <a:off x="9733890" y="2470928"/>
-            <a:ext cx="2123556" cy="1318220"/>
-          </a:xfrm>
-          <a:prstGeom prst="rect">
-            <a:avLst/>
-          </a:prstGeom>
-        </p:spPr>
-      </p:pic>
-      <p:pic>
-        <p:nvPicPr>
           <p:cNvPr id="16" name="Picture 15"/>
           <p:cNvPicPr/>
           <p:nvPr/>
         </p:nvPicPr>
         <p:blipFill>
-          <a:blip r:embed="rId6" cstate="print">
+          <a:blip r:embed="rId5" cstate="print">
             <a:extLst>
               <a:ext uri="{BEBA8EAE-BF5A-486C-A8C5-ECC9F3942E4B}">
                 <a14:imgProps xmlns:a14="http://schemas.microsoft.com/office/drawing/2010/main">
-                  <a14:imgLayer r:embed="rId7">
+                  <a14:imgLayer r:embed="rId6">
                     <a14:imgEffect>
                       <a14:brightnessContrast contrast="40000"/>
                     </a14:imgEffect>
@@ -5358,6 +5334,36 @@
           <a:xfrm>
             <a:off x="5379419" y="2838408"/>
             <a:ext cx="625855" cy="583260"/>
+          </a:xfrm>
+          <a:prstGeom prst="rect">
+            <a:avLst/>
+          </a:prstGeom>
+        </p:spPr>
+      </p:pic>
+      <p:pic>
+        <p:nvPicPr>
+          <p:cNvPr id="9" name="Picture 8"/>
+          <p:cNvPicPr>
+            <a:picLocks noChangeAspect="1"/>
+          </p:cNvPicPr>
+          <p:nvPr/>
+        </p:nvPicPr>
+        <p:blipFill>
+          <a:blip r:embed="rId7" cstate="print">
+            <a:extLst>
+              <a:ext uri="{28A0092B-C50C-407E-A947-70E740481C1C}">
+                <a14:useLocalDpi xmlns:a14="http://schemas.microsoft.com/office/drawing/2010/main" val="0"/>
+              </a:ext>
+            </a:extLst>
+          </a:blip>
+          <a:stretch>
+            <a:fillRect/>
+          </a:stretch>
+        </p:blipFill>
+        <p:spPr>
+          <a:xfrm>
+            <a:off x="9942236" y="2188405"/>
+            <a:ext cx="1681353" cy="1684580"/>
           </a:xfrm>
           <a:prstGeom prst="rect">
             <a:avLst/>

--- a/Thư mục ảnh đi kèm/ve 2.pptx
+++ b/Thư mục ảnh đi kèm/ve 2.pptx
@@ -4958,15 +4958,7 @@
             </a:r>
             <a:r>
               <a:rPr lang="en-US" dirty="0" err="1" smtClean="0"/>
-              <a:t>dạng</a:t>
-            </a:r>
-            <a:r>
-              <a:rPr lang="en-US" dirty="0" smtClean="0"/>
-              <a:t> </a:t>
-            </a:r>
-            <a:r>
-              <a:rPr lang="en-US" dirty="0" err="1" smtClean="0"/>
-              <a:t>cảm</a:t>
+              <a:t>diệncảm</a:t>
             </a:r>
             <a:r>
               <a:rPr lang="en-US" dirty="0" smtClean="0"/>

--- a/Thư mục ảnh đi kèm/ve 2.pptx
+++ b/Thư mục ảnh đi kèm/ve 2.pptx
@@ -246,7 +246,7 @@
           <a:p>
             <a:fld id="{9BE21AD2-8A51-4085-A30D-67A838FBC49A}" type="datetimeFigureOut">
               <a:rPr lang="en-US" smtClean="0"/>
-              <a:t>10/11/2021</a:t>
+              <a:t>2/17/2022</a:t>
             </a:fld>
             <a:endParaRPr lang="en-US"/>
           </a:p>
@@ -416,7 +416,7 @@
           <a:p>
             <a:fld id="{9BE21AD2-8A51-4085-A30D-67A838FBC49A}" type="datetimeFigureOut">
               <a:rPr lang="en-US" smtClean="0"/>
-              <a:t>10/11/2021</a:t>
+              <a:t>2/17/2022</a:t>
             </a:fld>
             <a:endParaRPr lang="en-US"/>
           </a:p>
@@ -596,7 +596,7 @@
           <a:p>
             <a:fld id="{9BE21AD2-8A51-4085-A30D-67A838FBC49A}" type="datetimeFigureOut">
               <a:rPr lang="en-US" smtClean="0"/>
-              <a:t>10/11/2021</a:t>
+              <a:t>2/17/2022</a:t>
             </a:fld>
             <a:endParaRPr lang="en-US"/>
           </a:p>
@@ -766,7 +766,7 @@
           <a:p>
             <a:fld id="{9BE21AD2-8A51-4085-A30D-67A838FBC49A}" type="datetimeFigureOut">
               <a:rPr lang="en-US" smtClean="0"/>
-              <a:t>10/11/2021</a:t>
+              <a:t>2/17/2022</a:t>
             </a:fld>
             <a:endParaRPr lang="en-US"/>
           </a:p>
@@ -1012,7 +1012,7 @@
           <a:p>
             <a:fld id="{9BE21AD2-8A51-4085-A30D-67A838FBC49A}" type="datetimeFigureOut">
               <a:rPr lang="en-US" smtClean="0"/>
-              <a:t>10/11/2021</a:t>
+              <a:t>2/17/2022</a:t>
             </a:fld>
             <a:endParaRPr lang="en-US"/>
           </a:p>
@@ -1244,7 +1244,7 @@
           <a:p>
             <a:fld id="{9BE21AD2-8A51-4085-A30D-67A838FBC49A}" type="datetimeFigureOut">
               <a:rPr lang="en-US" smtClean="0"/>
-              <a:t>10/11/2021</a:t>
+              <a:t>2/17/2022</a:t>
             </a:fld>
             <a:endParaRPr lang="en-US"/>
           </a:p>
@@ -1611,7 +1611,7 @@
           <a:p>
             <a:fld id="{9BE21AD2-8A51-4085-A30D-67A838FBC49A}" type="datetimeFigureOut">
               <a:rPr lang="en-US" smtClean="0"/>
-              <a:t>10/11/2021</a:t>
+              <a:t>2/17/2022</a:t>
             </a:fld>
             <a:endParaRPr lang="en-US"/>
           </a:p>
@@ -1729,7 +1729,7 @@
           <a:p>
             <a:fld id="{9BE21AD2-8A51-4085-A30D-67A838FBC49A}" type="datetimeFigureOut">
               <a:rPr lang="en-US" smtClean="0"/>
-              <a:t>10/11/2021</a:t>
+              <a:t>2/17/2022</a:t>
             </a:fld>
             <a:endParaRPr lang="en-US"/>
           </a:p>
@@ -1824,7 +1824,7 @@
           <a:p>
             <a:fld id="{9BE21AD2-8A51-4085-A30D-67A838FBC49A}" type="datetimeFigureOut">
               <a:rPr lang="en-US" smtClean="0"/>
-              <a:t>10/11/2021</a:t>
+              <a:t>2/17/2022</a:t>
             </a:fld>
             <a:endParaRPr lang="en-US"/>
           </a:p>
@@ -2101,7 +2101,7 @@
           <a:p>
             <a:fld id="{9BE21AD2-8A51-4085-A30D-67A838FBC49A}" type="datetimeFigureOut">
               <a:rPr lang="en-US" smtClean="0"/>
-              <a:t>10/11/2021</a:t>
+              <a:t>2/17/2022</a:t>
             </a:fld>
             <a:endParaRPr lang="en-US"/>
           </a:p>
@@ -2354,7 +2354,7 @@
           <a:p>
             <a:fld id="{9BE21AD2-8A51-4085-A30D-67A838FBC49A}" type="datetimeFigureOut">
               <a:rPr lang="en-US" smtClean="0"/>
-              <a:t>10/11/2021</a:t>
+              <a:t>2/17/2022</a:t>
             </a:fld>
             <a:endParaRPr lang="en-US"/>
           </a:p>
@@ -2567,7 +2567,7 @@
           <a:p>
             <a:fld id="{9BE21AD2-8A51-4085-A30D-67A838FBC49A}" type="datetimeFigureOut">
               <a:rPr lang="en-US" smtClean="0"/>
-              <a:t>10/11/2021</a:t>
+              <a:t>2/17/2022</a:t>
             </a:fld>
             <a:endParaRPr lang="en-US"/>
           </a:p>
@@ -3493,9 +3493,100 @@
           </a:p>
         </p:txBody>
       </p:sp>
+      <p:sp>
+        <p:nvSpPr>
+          <p:cNvPr id="16" name="Right Arrow 15"/>
+          <p:cNvSpPr/>
+          <p:nvPr/>
+        </p:nvSpPr>
+        <p:spPr>
+          <a:xfrm>
+            <a:off x="10071704" y="2725851"/>
+            <a:ext cx="318766" cy="235095"/>
+          </a:xfrm>
+          <a:prstGeom prst="rightArrow">
+            <a:avLst/>
+          </a:prstGeom>
+        </p:spPr>
+        <p:style>
+          <a:lnRef idx="2">
+            <a:schemeClr val="dk1">
+              <a:shade val="50000"/>
+            </a:schemeClr>
+          </a:lnRef>
+          <a:fillRef idx="1">
+            <a:schemeClr val="dk1"/>
+          </a:fillRef>
+          <a:effectRef idx="0">
+            <a:schemeClr val="dk1"/>
+          </a:effectRef>
+          <a:fontRef idx="minor">
+            <a:schemeClr val="lt1"/>
+          </a:fontRef>
+        </p:style>
+        <p:txBody>
+          <a:bodyPr rtlCol="0" anchor="ctr"/>
+          <a:lstStyle/>
+          <a:p>
+            <a:pPr algn="ctr"/>
+            <a:endParaRPr lang="en-US"/>
+          </a:p>
+        </p:txBody>
+      </p:sp>
+      <p:sp>
+        <p:nvSpPr>
+          <p:cNvPr id="17" name="TextBox 16"/>
+          <p:cNvSpPr txBox="1"/>
+          <p:nvPr/>
+        </p:nvSpPr>
+        <p:spPr>
+          <a:xfrm>
+            <a:off x="10557565" y="2657527"/>
+            <a:ext cx="934219" cy="369332"/>
+          </a:xfrm>
+          <a:prstGeom prst="rect">
+            <a:avLst/>
+          </a:prstGeom>
+        </p:spPr>
+        <p:style>
+          <a:lnRef idx="2">
+            <a:schemeClr val="dk1"/>
+          </a:lnRef>
+          <a:fillRef idx="1">
+            <a:schemeClr val="lt1"/>
+          </a:fillRef>
+          <a:effectRef idx="0">
+            <a:schemeClr val="dk1"/>
+          </a:effectRef>
+          <a:fontRef idx="minor">
+            <a:schemeClr val="dk1"/>
+          </a:fontRef>
+        </p:style>
+        <p:txBody>
+          <a:bodyPr wrap="square" rtlCol="0">
+            <a:spAutoFit/>
+          </a:bodyPr>
+          <a:lstStyle/>
+          <a:p>
+            <a:r>
+              <a:rPr lang="en-US" dirty="0" err="1" smtClean="0"/>
+              <a:t>Kết</a:t>
+            </a:r>
+            <a:r>
+              <a:rPr lang="en-US" dirty="0" smtClean="0"/>
+              <a:t> </a:t>
+            </a:r>
+            <a:r>
+              <a:rPr lang="en-US" dirty="0" err="1" smtClean="0"/>
+              <a:t>quả</a:t>
+            </a:r>
+            <a:endParaRPr lang="en-US" dirty="0"/>
+          </a:p>
+        </p:txBody>
+      </p:sp>
       <p:pic>
         <p:nvPicPr>
-          <p:cNvPr id="15" name="Picture 14"/>
+          <p:cNvPr id="18" name="Picture 17"/>
           <p:cNvPicPr>
             <a:picLocks noChangeAspect="1"/>
           </p:cNvPicPr>
@@ -3515,105 +3606,14 @@
         </p:blipFill>
         <p:spPr>
           <a:xfrm>
-            <a:off x="6546679" y="1719332"/>
-            <a:ext cx="3491527" cy="2128647"/>
+            <a:off x="6729087" y="2120120"/>
+            <a:ext cx="3226023" cy="1407302"/>
           </a:xfrm>
           <a:prstGeom prst="rect">
             <a:avLst/>
           </a:prstGeom>
         </p:spPr>
       </p:pic>
-      <p:sp>
-        <p:nvSpPr>
-          <p:cNvPr id="16" name="Right Arrow 15"/>
-          <p:cNvSpPr/>
-          <p:nvPr/>
-        </p:nvSpPr>
-        <p:spPr>
-          <a:xfrm>
-            <a:off x="10071704" y="2725851"/>
-            <a:ext cx="318766" cy="235095"/>
-          </a:xfrm>
-          <a:prstGeom prst="rightArrow">
-            <a:avLst/>
-          </a:prstGeom>
-        </p:spPr>
-        <p:style>
-          <a:lnRef idx="2">
-            <a:schemeClr val="dk1">
-              <a:shade val="50000"/>
-            </a:schemeClr>
-          </a:lnRef>
-          <a:fillRef idx="1">
-            <a:schemeClr val="dk1"/>
-          </a:fillRef>
-          <a:effectRef idx="0">
-            <a:schemeClr val="dk1"/>
-          </a:effectRef>
-          <a:fontRef idx="minor">
-            <a:schemeClr val="lt1"/>
-          </a:fontRef>
-        </p:style>
-        <p:txBody>
-          <a:bodyPr rtlCol="0" anchor="ctr"/>
-          <a:lstStyle/>
-          <a:p>
-            <a:pPr algn="ctr"/>
-            <a:endParaRPr lang="en-US"/>
-          </a:p>
-        </p:txBody>
-      </p:sp>
-      <p:sp>
-        <p:nvSpPr>
-          <p:cNvPr id="17" name="TextBox 16"/>
-          <p:cNvSpPr txBox="1"/>
-          <p:nvPr/>
-        </p:nvSpPr>
-        <p:spPr>
-          <a:xfrm>
-            <a:off x="10557565" y="2657527"/>
-            <a:ext cx="934219" cy="369332"/>
-          </a:xfrm>
-          <a:prstGeom prst="rect">
-            <a:avLst/>
-          </a:prstGeom>
-        </p:spPr>
-        <p:style>
-          <a:lnRef idx="2">
-            <a:schemeClr val="dk1"/>
-          </a:lnRef>
-          <a:fillRef idx="1">
-            <a:schemeClr val="lt1"/>
-          </a:fillRef>
-          <a:effectRef idx="0">
-            <a:schemeClr val="dk1"/>
-          </a:effectRef>
-          <a:fontRef idx="minor">
-            <a:schemeClr val="dk1"/>
-          </a:fontRef>
-        </p:style>
-        <p:txBody>
-          <a:bodyPr wrap="square" rtlCol="0">
-            <a:spAutoFit/>
-          </a:bodyPr>
-          <a:lstStyle/>
-          <a:p>
-            <a:r>
-              <a:rPr lang="en-US" dirty="0" err="1" smtClean="0"/>
-              <a:t>Kết</a:t>
-            </a:r>
-            <a:r>
-              <a:rPr lang="en-US" dirty="0" smtClean="0"/>
-              <a:t> </a:t>
-            </a:r>
-            <a:r>
-              <a:rPr lang="en-US" dirty="0" err="1" smtClean="0"/>
-              <a:t>quả</a:t>
-            </a:r>
-            <a:endParaRPr lang="en-US" dirty="0"/>
-          </a:p>
-        </p:txBody>
-      </p:sp>
     </p:spTree>
     <p:extLst>
       <p:ext uri="{BB962C8B-B14F-4D97-AF65-F5344CB8AC3E}">
@@ -5115,9 +5115,129 @@
           </a:prstGeom>
         </p:spPr>
       </p:pic>
+      <p:sp>
+        <p:nvSpPr>
+          <p:cNvPr id="21" name="Right Arrow 20"/>
+          <p:cNvSpPr/>
+          <p:nvPr/>
+        </p:nvSpPr>
+        <p:spPr>
+          <a:xfrm>
+            <a:off x="4478294" y="1493708"/>
+            <a:ext cx="398507" cy="269178"/>
+          </a:xfrm>
+          <a:prstGeom prst="rightArrow">
+            <a:avLst/>
+          </a:prstGeom>
+        </p:spPr>
+        <p:style>
+          <a:lnRef idx="2">
+            <a:schemeClr val="accent1">
+              <a:shade val="50000"/>
+            </a:schemeClr>
+          </a:lnRef>
+          <a:fillRef idx="1">
+            <a:schemeClr val="accent1"/>
+          </a:fillRef>
+          <a:effectRef idx="0">
+            <a:schemeClr val="accent1"/>
+          </a:effectRef>
+          <a:fontRef idx="minor">
+            <a:schemeClr val="lt1"/>
+          </a:fontRef>
+        </p:style>
+        <p:txBody>
+          <a:bodyPr rtlCol="0" anchor="ctr"/>
+          <a:lstStyle/>
+          <a:p>
+            <a:pPr algn="ctr"/>
+            <a:endParaRPr lang="en-US"/>
+          </a:p>
+        </p:txBody>
+      </p:sp>
+      <p:sp>
+        <p:nvSpPr>
+          <p:cNvPr id="22" name="Right Arrow 21"/>
+          <p:cNvSpPr/>
+          <p:nvPr/>
+        </p:nvSpPr>
+        <p:spPr>
+          <a:xfrm>
+            <a:off x="6507893" y="1493708"/>
+            <a:ext cx="378939" cy="269178"/>
+          </a:xfrm>
+          <a:prstGeom prst="rightArrow">
+            <a:avLst/>
+          </a:prstGeom>
+        </p:spPr>
+        <p:style>
+          <a:lnRef idx="2">
+            <a:schemeClr val="accent1">
+              <a:shade val="50000"/>
+            </a:schemeClr>
+          </a:lnRef>
+          <a:fillRef idx="1">
+            <a:schemeClr val="accent1"/>
+          </a:fillRef>
+          <a:effectRef idx="0">
+            <a:schemeClr val="accent1"/>
+          </a:effectRef>
+          <a:fontRef idx="minor">
+            <a:schemeClr val="lt1"/>
+          </a:fontRef>
+        </p:style>
+        <p:txBody>
+          <a:bodyPr rtlCol="0" anchor="ctr"/>
+          <a:lstStyle/>
+          <a:p>
+            <a:pPr algn="ctr"/>
+            <a:endParaRPr lang="en-US"/>
+          </a:p>
+        </p:txBody>
+      </p:sp>
+      <p:sp>
+        <p:nvSpPr>
+          <p:cNvPr id="23" name="Right Arrow 22"/>
+          <p:cNvSpPr/>
+          <p:nvPr/>
+        </p:nvSpPr>
+        <p:spPr>
+          <a:xfrm>
+            <a:off x="9524849" y="1455314"/>
+            <a:ext cx="388468" cy="269178"/>
+          </a:xfrm>
+          <a:prstGeom prst="rightArrow">
+            <a:avLst/>
+          </a:prstGeom>
+        </p:spPr>
+        <p:style>
+          <a:lnRef idx="2">
+            <a:schemeClr val="accent1">
+              <a:shade val="50000"/>
+            </a:schemeClr>
+          </a:lnRef>
+          <a:fillRef idx="1">
+            <a:schemeClr val="accent1"/>
+          </a:fillRef>
+          <a:effectRef idx="0">
+            <a:schemeClr val="accent1"/>
+          </a:effectRef>
+          <a:fontRef idx="minor">
+            <a:schemeClr val="lt1"/>
+          </a:fontRef>
+        </p:style>
+        <p:txBody>
+          <a:bodyPr rtlCol="0" anchor="ctr"/>
+          <a:lstStyle/>
+          <a:p>
+            <a:pPr algn="ctr"/>
+            <a:endParaRPr lang="en-US"/>
+          </a:p>
+        </p:txBody>
+      </p:sp>
       <p:pic>
         <p:nvPicPr>
-          <p:cNvPr id="19" name="Picture 18"/>
+          <p:cNvPr id="24" name="Picture 23"/>
           <p:cNvPicPr>
             <a:picLocks noChangeAspect="1"/>
           </p:cNvPicPr>
@@ -5137,156 +5257,6 @@
         </p:blipFill>
         <p:spPr>
           <a:xfrm>
-            <a:off x="6886832" y="2175045"/>
-            <a:ext cx="2647544" cy="1614103"/>
-          </a:xfrm>
-          <a:prstGeom prst="rect">
-            <a:avLst/>
-          </a:prstGeom>
-        </p:spPr>
-      </p:pic>
-      <p:sp>
-        <p:nvSpPr>
-          <p:cNvPr id="21" name="Right Arrow 20"/>
-          <p:cNvSpPr/>
-          <p:nvPr/>
-        </p:nvSpPr>
-        <p:spPr>
-          <a:xfrm>
-            <a:off x="4478294" y="1493708"/>
-            <a:ext cx="398507" cy="269178"/>
-          </a:xfrm>
-          <a:prstGeom prst="rightArrow">
-            <a:avLst/>
-          </a:prstGeom>
-        </p:spPr>
-        <p:style>
-          <a:lnRef idx="2">
-            <a:schemeClr val="accent1">
-              <a:shade val="50000"/>
-            </a:schemeClr>
-          </a:lnRef>
-          <a:fillRef idx="1">
-            <a:schemeClr val="accent1"/>
-          </a:fillRef>
-          <a:effectRef idx="0">
-            <a:schemeClr val="accent1"/>
-          </a:effectRef>
-          <a:fontRef idx="minor">
-            <a:schemeClr val="lt1"/>
-          </a:fontRef>
-        </p:style>
-        <p:txBody>
-          <a:bodyPr rtlCol="0" anchor="ctr"/>
-          <a:lstStyle/>
-          <a:p>
-            <a:pPr algn="ctr"/>
-            <a:endParaRPr lang="en-US"/>
-          </a:p>
-        </p:txBody>
-      </p:sp>
-      <p:sp>
-        <p:nvSpPr>
-          <p:cNvPr id="22" name="Right Arrow 21"/>
-          <p:cNvSpPr/>
-          <p:nvPr/>
-        </p:nvSpPr>
-        <p:spPr>
-          <a:xfrm>
-            <a:off x="6507893" y="1493708"/>
-            <a:ext cx="378939" cy="269178"/>
-          </a:xfrm>
-          <a:prstGeom prst="rightArrow">
-            <a:avLst/>
-          </a:prstGeom>
-        </p:spPr>
-        <p:style>
-          <a:lnRef idx="2">
-            <a:schemeClr val="accent1">
-              <a:shade val="50000"/>
-            </a:schemeClr>
-          </a:lnRef>
-          <a:fillRef idx="1">
-            <a:schemeClr val="accent1"/>
-          </a:fillRef>
-          <a:effectRef idx="0">
-            <a:schemeClr val="accent1"/>
-          </a:effectRef>
-          <a:fontRef idx="minor">
-            <a:schemeClr val="lt1"/>
-          </a:fontRef>
-        </p:style>
-        <p:txBody>
-          <a:bodyPr rtlCol="0" anchor="ctr"/>
-          <a:lstStyle/>
-          <a:p>
-            <a:pPr algn="ctr"/>
-            <a:endParaRPr lang="en-US"/>
-          </a:p>
-        </p:txBody>
-      </p:sp>
-      <p:sp>
-        <p:nvSpPr>
-          <p:cNvPr id="23" name="Right Arrow 22"/>
-          <p:cNvSpPr/>
-          <p:nvPr/>
-        </p:nvSpPr>
-        <p:spPr>
-          <a:xfrm>
-            <a:off x="9524849" y="1455314"/>
-            <a:ext cx="388468" cy="269178"/>
-          </a:xfrm>
-          <a:prstGeom prst="rightArrow">
-            <a:avLst/>
-          </a:prstGeom>
-        </p:spPr>
-        <p:style>
-          <a:lnRef idx="2">
-            <a:schemeClr val="accent1">
-              <a:shade val="50000"/>
-            </a:schemeClr>
-          </a:lnRef>
-          <a:fillRef idx="1">
-            <a:schemeClr val="accent1"/>
-          </a:fillRef>
-          <a:effectRef idx="0">
-            <a:schemeClr val="accent1"/>
-          </a:effectRef>
-          <a:fontRef idx="minor">
-            <a:schemeClr val="lt1"/>
-          </a:fontRef>
-        </p:style>
-        <p:txBody>
-          <a:bodyPr rtlCol="0" anchor="ctr"/>
-          <a:lstStyle/>
-          <a:p>
-            <a:pPr algn="ctr"/>
-            <a:endParaRPr lang="en-US"/>
-          </a:p>
-        </p:txBody>
-      </p:sp>
-      <p:pic>
-        <p:nvPicPr>
-          <p:cNvPr id="24" name="Picture 23"/>
-          <p:cNvPicPr>
-            <a:picLocks noChangeAspect="1"/>
-          </p:cNvPicPr>
-          <p:nvPr/>
-        </p:nvPicPr>
-        <p:blipFill>
-          <a:blip r:embed="rId4" cstate="print">
-            <a:extLst>
-              <a:ext uri="{28A0092B-C50C-407E-A947-70E740481C1C}">
-                <a14:useLocalDpi xmlns:a14="http://schemas.microsoft.com/office/drawing/2010/main" val="0"/>
-              </a:ext>
-            </a:extLst>
-          </a:blip>
-          <a:stretch>
-            <a:fillRect/>
-          </a:stretch>
-        </p:blipFill>
-        <p:spPr>
-          <a:xfrm>
             <a:off x="2491684" y="2445784"/>
             <a:ext cx="1608266" cy="1203561"/>
           </a:xfrm>
@@ -5302,11 +5272,11 @@
           <p:nvPr/>
         </p:nvPicPr>
         <p:blipFill>
-          <a:blip r:embed="rId5" cstate="print">
+          <a:blip r:embed="rId4" cstate="print">
             <a:extLst>
               <a:ext uri="{BEBA8EAE-BF5A-486C-A8C5-ECC9F3942E4B}">
                 <a14:imgProps xmlns:a14="http://schemas.microsoft.com/office/drawing/2010/main">
-                  <a14:imgLayer r:embed="rId6">
+                  <a14:imgLayer r:embed="rId5">
                     <a14:imgEffect>
                       <a14:brightnessContrast contrast="40000"/>
                     </a14:imgEffect>
@@ -5335,6 +5305,36 @@
       <p:pic>
         <p:nvPicPr>
           <p:cNvPr id="9" name="Picture 8"/>
+          <p:cNvPicPr>
+            <a:picLocks noChangeAspect="1"/>
+          </p:cNvPicPr>
+          <p:nvPr/>
+        </p:nvPicPr>
+        <p:blipFill>
+          <a:blip r:embed="rId6" cstate="print">
+            <a:extLst>
+              <a:ext uri="{28A0092B-C50C-407E-A947-70E740481C1C}">
+                <a14:useLocalDpi xmlns:a14="http://schemas.microsoft.com/office/drawing/2010/main" val="0"/>
+              </a:ext>
+            </a:extLst>
+          </a:blip>
+          <a:stretch>
+            <a:fillRect/>
+          </a:stretch>
+        </p:blipFill>
+        <p:spPr>
+          <a:xfrm>
+            <a:off x="9942236" y="2188405"/>
+            <a:ext cx="1681353" cy="1684580"/>
+          </a:xfrm>
+          <a:prstGeom prst="rect">
+            <a:avLst/>
+          </a:prstGeom>
+        </p:spPr>
+      </p:pic>
+      <p:pic>
+        <p:nvPicPr>
+          <p:cNvPr id="11" name="Picture 10"/>
           <p:cNvPicPr>
             <a:picLocks noChangeAspect="1"/>
           </p:cNvPicPr>
@@ -5354,8 +5354,8 @@
         </p:blipFill>
         <p:spPr>
           <a:xfrm>
-            <a:off x="9942236" y="2188405"/>
-            <a:ext cx="1681353" cy="1684580"/>
+            <a:off x="6787978" y="2498724"/>
+            <a:ext cx="2920066" cy="1273833"/>
           </a:xfrm>
           <a:prstGeom prst="rect">
             <a:avLst/>

--- a/Thư mục ảnh đi kèm/ve 2.pptx
+++ b/Thư mục ảnh đi kèm/ve 2.pptx
@@ -9,6 +9,7 @@
     <p:sldId id="257" r:id="rId3"/>
     <p:sldId id="259" r:id="rId4"/>
     <p:sldId id="258" r:id="rId5"/>
+    <p:sldId id="260" r:id="rId6"/>
   </p:sldIdLst>
   <p:sldSz cx="12192000" cy="6858000"/>
   <p:notesSz cx="6858000" cy="9144000"/>
@@ -246,7 +247,7 @@
           <a:p>
             <a:fld id="{9BE21AD2-8A51-4085-A30D-67A838FBC49A}" type="datetimeFigureOut">
               <a:rPr lang="en-US" smtClean="0"/>
-              <a:t>2/17/2022</a:t>
+              <a:t>3/24/2022</a:t>
             </a:fld>
             <a:endParaRPr lang="en-US"/>
           </a:p>
@@ -416,7 +417,7 @@
           <a:p>
             <a:fld id="{9BE21AD2-8A51-4085-A30D-67A838FBC49A}" type="datetimeFigureOut">
               <a:rPr lang="en-US" smtClean="0"/>
-              <a:t>2/17/2022</a:t>
+              <a:t>3/24/2022</a:t>
             </a:fld>
             <a:endParaRPr lang="en-US"/>
           </a:p>
@@ -596,7 +597,7 @@
           <a:p>
             <a:fld id="{9BE21AD2-8A51-4085-A30D-67A838FBC49A}" type="datetimeFigureOut">
               <a:rPr lang="en-US" smtClean="0"/>
-              <a:t>2/17/2022</a:t>
+              <a:t>3/24/2022</a:t>
             </a:fld>
             <a:endParaRPr lang="en-US"/>
           </a:p>
@@ -766,7 +767,7 @@
           <a:p>
             <a:fld id="{9BE21AD2-8A51-4085-A30D-67A838FBC49A}" type="datetimeFigureOut">
               <a:rPr lang="en-US" smtClean="0"/>
-              <a:t>2/17/2022</a:t>
+              <a:t>3/24/2022</a:t>
             </a:fld>
             <a:endParaRPr lang="en-US"/>
           </a:p>
@@ -1012,7 +1013,7 @@
           <a:p>
             <a:fld id="{9BE21AD2-8A51-4085-A30D-67A838FBC49A}" type="datetimeFigureOut">
               <a:rPr lang="en-US" smtClean="0"/>
-              <a:t>2/17/2022</a:t>
+              <a:t>3/24/2022</a:t>
             </a:fld>
             <a:endParaRPr lang="en-US"/>
           </a:p>
@@ -1244,7 +1245,7 @@
           <a:p>
             <a:fld id="{9BE21AD2-8A51-4085-A30D-67A838FBC49A}" type="datetimeFigureOut">
               <a:rPr lang="en-US" smtClean="0"/>
-              <a:t>2/17/2022</a:t>
+              <a:t>3/24/2022</a:t>
             </a:fld>
             <a:endParaRPr lang="en-US"/>
           </a:p>
@@ -1611,7 +1612,7 @@
           <a:p>
             <a:fld id="{9BE21AD2-8A51-4085-A30D-67A838FBC49A}" type="datetimeFigureOut">
               <a:rPr lang="en-US" smtClean="0"/>
-              <a:t>2/17/2022</a:t>
+              <a:t>3/24/2022</a:t>
             </a:fld>
             <a:endParaRPr lang="en-US"/>
           </a:p>
@@ -1729,7 +1730,7 @@
           <a:p>
             <a:fld id="{9BE21AD2-8A51-4085-A30D-67A838FBC49A}" type="datetimeFigureOut">
               <a:rPr lang="en-US" smtClean="0"/>
-              <a:t>2/17/2022</a:t>
+              <a:t>3/24/2022</a:t>
             </a:fld>
             <a:endParaRPr lang="en-US"/>
           </a:p>
@@ -1824,7 +1825,7 @@
           <a:p>
             <a:fld id="{9BE21AD2-8A51-4085-A30D-67A838FBC49A}" type="datetimeFigureOut">
               <a:rPr lang="en-US" smtClean="0"/>
-              <a:t>2/17/2022</a:t>
+              <a:t>3/24/2022</a:t>
             </a:fld>
             <a:endParaRPr lang="en-US"/>
           </a:p>
@@ -2101,7 +2102,7 @@
           <a:p>
             <a:fld id="{9BE21AD2-8A51-4085-A30D-67A838FBC49A}" type="datetimeFigureOut">
               <a:rPr lang="en-US" smtClean="0"/>
-              <a:t>2/17/2022</a:t>
+              <a:t>3/24/2022</a:t>
             </a:fld>
             <a:endParaRPr lang="en-US"/>
           </a:p>
@@ -2354,7 +2355,7 @@
           <a:p>
             <a:fld id="{9BE21AD2-8A51-4085-A30D-67A838FBC49A}" type="datetimeFigureOut">
               <a:rPr lang="en-US" smtClean="0"/>
-              <a:t>2/17/2022</a:t>
+              <a:t>3/24/2022</a:t>
             </a:fld>
             <a:endParaRPr lang="en-US"/>
           </a:p>
@@ -2567,7 +2568,7 @@
           <a:p>
             <a:fld id="{9BE21AD2-8A51-4085-A30D-67A838FBC49A}" type="datetimeFigureOut">
               <a:rPr lang="en-US" smtClean="0"/>
-              <a:t>2/17/2022</a:t>
+              <a:t>3/24/2022</a:t>
             </a:fld>
             <a:endParaRPr lang="en-US"/>
           </a:p>
@@ -4958,7 +4959,11 @@
             </a:r>
             <a:r>
               <a:rPr lang="en-US" dirty="0" err="1" smtClean="0"/>
-              <a:t>diệncảm</a:t>
+              <a:t>diện</a:t>
+            </a:r>
+            <a:r>
+              <a:rPr lang="en-US" smtClean="0"/>
+              <a:t> cảm</a:t>
             </a:r>
             <a:r>
               <a:rPr lang="en-US" dirty="0" smtClean="0"/>
@@ -5334,7 +5339,7 @@
       </p:pic>
       <p:pic>
         <p:nvPicPr>
-          <p:cNvPr id="11" name="Picture 10"/>
+          <p:cNvPr id="2" name="Picture 1"/>
           <p:cNvPicPr>
             <a:picLocks noChangeAspect="1"/>
           </p:cNvPicPr>
@@ -5354,8 +5359,8 @@
         </p:blipFill>
         <p:spPr>
           <a:xfrm>
-            <a:off x="6787978" y="2498724"/>
-            <a:ext cx="2920066" cy="1273833"/>
+            <a:off x="6620382" y="2260276"/>
+            <a:ext cx="3180446" cy="1739524"/>
           </a:xfrm>
           <a:prstGeom prst="rect">
             <a:avLst/>
@@ -5401,39 +5406,609 @@
       </p:grpSpPr>
       <p:sp>
         <p:nvSpPr>
-          <p:cNvPr id="2" name="Title 1"/>
-          <p:cNvSpPr>
-            <a:spLocks noGrp="1"/>
-          </p:cNvSpPr>
-          <p:nvPr>
-            <p:ph type="title"/>
-          </p:nvPr>
-        </p:nvSpPr>
-        <p:spPr/>
-        <p:txBody>
-          <a:bodyPr/>
-          <a:lstStyle/>
-          <a:p>
-            <a:endParaRPr lang="en-US"/>
-          </a:p>
-        </p:txBody>
-      </p:sp>
-      <p:sp>
-        <p:nvSpPr>
-          <p:cNvPr id="3" name="Content Placeholder 2"/>
-          <p:cNvSpPr>
-            <a:spLocks noGrp="1"/>
-          </p:cNvSpPr>
-          <p:nvPr>
-            <p:ph idx="1"/>
-          </p:nvPr>
-        </p:nvSpPr>
-        <p:spPr/>
-        <p:txBody>
-          <a:bodyPr/>
-          <a:lstStyle/>
-          <a:p>
-            <a:endParaRPr lang="en-US"/>
+          <p:cNvPr id="5" name="Rectangle 4"/>
+          <p:cNvSpPr/>
+          <p:nvPr/>
+        </p:nvSpPr>
+        <p:spPr>
+          <a:xfrm>
+            <a:off x="2839735" y="2588519"/>
+            <a:ext cx="614809" cy="361158"/>
+          </a:xfrm>
+          <a:prstGeom prst="rect">
+            <a:avLst/>
+          </a:prstGeom>
+          <a:noFill/>
+          <a:ln w="57150">
+            <a:solidFill>
+              <a:schemeClr val="tx1"/>
+            </a:solidFill>
+          </a:ln>
+        </p:spPr>
+        <p:style>
+          <a:lnRef idx="2">
+            <a:schemeClr val="accent1">
+              <a:shade val="50000"/>
+            </a:schemeClr>
+          </a:lnRef>
+          <a:fillRef idx="1">
+            <a:schemeClr val="accent1"/>
+          </a:fillRef>
+          <a:effectRef idx="0">
+            <a:schemeClr val="accent1"/>
+          </a:effectRef>
+          <a:fontRef idx="minor">
+            <a:schemeClr val="lt1"/>
+          </a:fontRef>
+        </p:style>
+        <p:txBody>
+          <a:bodyPr rtlCol="0" anchor="ctr"/>
+          <a:lstStyle/>
+          <a:p>
+            <a:pPr algn="ctr"/>
+            <a:endParaRPr lang="en-US"/>
+          </a:p>
+        </p:txBody>
+      </p:sp>
+      <p:sp>
+        <p:nvSpPr>
+          <p:cNvPr id="7" name="Rectangle 6"/>
+          <p:cNvSpPr/>
+          <p:nvPr/>
+        </p:nvSpPr>
+        <p:spPr>
+          <a:xfrm>
+            <a:off x="2835277" y="2769098"/>
+            <a:ext cx="614809" cy="165903"/>
+          </a:xfrm>
+          <a:prstGeom prst="rect">
+            <a:avLst/>
+          </a:prstGeom>
+          <a:solidFill>
+            <a:schemeClr val="tx1"/>
+          </a:solidFill>
+          <a:ln>
+            <a:solidFill>
+              <a:schemeClr val="tx1"/>
+            </a:solidFill>
+          </a:ln>
+        </p:spPr>
+        <p:style>
+          <a:lnRef idx="2">
+            <a:schemeClr val="accent1">
+              <a:shade val="50000"/>
+            </a:schemeClr>
+          </a:lnRef>
+          <a:fillRef idx="1">
+            <a:schemeClr val="accent1"/>
+          </a:fillRef>
+          <a:effectRef idx="0">
+            <a:schemeClr val="accent1"/>
+          </a:effectRef>
+          <a:fontRef idx="minor">
+            <a:schemeClr val="lt1"/>
+          </a:fontRef>
+        </p:style>
+        <p:txBody>
+          <a:bodyPr rtlCol="0" anchor="ctr"/>
+          <a:lstStyle/>
+          <a:p>
+            <a:pPr algn="ctr"/>
+            <a:endParaRPr lang="en-US"/>
+          </a:p>
+        </p:txBody>
+      </p:sp>
+      <p:sp>
+        <p:nvSpPr>
+          <p:cNvPr id="8" name="Rectangle 7"/>
+          <p:cNvSpPr/>
+          <p:nvPr/>
+        </p:nvSpPr>
+        <p:spPr>
+          <a:xfrm>
+            <a:off x="3884412" y="2588519"/>
+            <a:ext cx="614809" cy="361158"/>
+          </a:xfrm>
+          <a:prstGeom prst="rect">
+            <a:avLst/>
+          </a:prstGeom>
+          <a:noFill/>
+          <a:ln w="57150">
+            <a:solidFill>
+              <a:schemeClr val="tx1"/>
+            </a:solidFill>
+          </a:ln>
+        </p:spPr>
+        <p:style>
+          <a:lnRef idx="2">
+            <a:schemeClr val="accent1">
+              <a:shade val="50000"/>
+            </a:schemeClr>
+          </a:lnRef>
+          <a:fillRef idx="1">
+            <a:schemeClr val="accent1"/>
+          </a:fillRef>
+          <a:effectRef idx="0">
+            <a:schemeClr val="accent1"/>
+          </a:effectRef>
+          <a:fontRef idx="minor">
+            <a:schemeClr val="lt1"/>
+          </a:fontRef>
+        </p:style>
+        <p:txBody>
+          <a:bodyPr rtlCol="0" anchor="ctr"/>
+          <a:lstStyle/>
+          <a:p>
+            <a:pPr algn="ctr"/>
+            <a:endParaRPr lang="en-US"/>
+          </a:p>
+        </p:txBody>
+      </p:sp>
+      <p:sp>
+        <p:nvSpPr>
+          <p:cNvPr id="11" name="Rectangle 10"/>
+          <p:cNvSpPr/>
+          <p:nvPr/>
+        </p:nvSpPr>
+        <p:spPr>
+          <a:xfrm>
+            <a:off x="4191816" y="2597385"/>
+            <a:ext cx="307405" cy="337616"/>
+          </a:xfrm>
+          <a:prstGeom prst="rect">
+            <a:avLst/>
+          </a:prstGeom>
+          <a:solidFill>
+            <a:schemeClr val="tx1"/>
+          </a:solidFill>
+          <a:ln>
+            <a:solidFill>
+              <a:schemeClr val="tx1"/>
+            </a:solidFill>
+          </a:ln>
+        </p:spPr>
+        <p:style>
+          <a:lnRef idx="2">
+            <a:schemeClr val="accent1">
+              <a:shade val="50000"/>
+            </a:schemeClr>
+          </a:lnRef>
+          <a:fillRef idx="1">
+            <a:schemeClr val="accent1"/>
+          </a:fillRef>
+          <a:effectRef idx="0">
+            <a:schemeClr val="accent1"/>
+          </a:effectRef>
+          <a:fontRef idx="minor">
+            <a:schemeClr val="lt1"/>
+          </a:fontRef>
+        </p:style>
+        <p:txBody>
+          <a:bodyPr rtlCol="0" anchor="ctr"/>
+          <a:lstStyle/>
+          <a:p>
+            <a:pPr algn="ctr"/>
+            <a:endParaRPr lang="en-US"/>
+          </a:p>
+        </p:txBody>
+      </p:sp>
+      <p:sp>
+        <p:nvSpPr>
+          <p:cNvPr id="12" name="Rectangle 11"/>
+          <p:cNvSpPr/>
+          <p:nvPr/>
+        </p:nvSpPr>
+        <p:spPr>
+          <a:xfrm>
+            <a:off x="2835277" y="3426719"/>
+            <a:ext cx="614809" cy="361158"/>
+          </a:xfrm>
+          <a:prstGeom prst="rect">
+            <a:avLst/>
+          </a:prstGeom>
+          <a:noFill/>
+          <a:ln w="57150">
+            <a:solidFill>
+              <a:schemeClr val="tx1"/>
+            </a:solidFill>
+          </a:ln>
+        </p:spPr>
+        <p:style>
+          <a:lnRef idx="2">
+            <a:schemeClr val="accent1">
+              <a:shade val="50000"/>
+            </a:schemeClr>
+          </a:lnRef>
+          <a:fillRef idx="1">
+            <a:schemeClr val="accent1"/>
+          </a:fillRef>
+          <a:effectRef idx="0">
+            <a:schemeClr val="accent1"/>
+          </a:effectRef>
+          <a:fontRef idx="minor">
+            <a:schemeClr val="lt1"/>
+          </a:fontRef>
+        </p:style>
+        <p:txBody>
+          <a:bodyPr rtlCol="0" anchor="ctr"/>
+          <a:lstStyle/>
+          <a:p>
+            <a:pPr algn="ctr"/>
+            <a:endParaRPr lang="en-US"/>
+          </a:p>
+        </p:txBody>
+      </p:sp>
+      <p:sp>
+        <p:nvSpPr>
+          <p:cNvPr id="13" name="Rectangle 12"/>
+          <p:cNvSpPr/>
+          <p:nvPr/>
+        </p:nvSpPr>
+        <p:spPr>
+          <a:xfrm>
+            <a:off x="3060677" y="3438490"/>
+            <a:ext cx="164008" cy="337616"/>
+          </a:xfrm>
+          <a:prstGeom prst="rect">
+            <a:avLst/>
+          </a:prstGeom>
+          <a:solidFill>
+            <a:schemeClr val="tx1"/>
+          </a:solidFill>
+          <a:ln>
+            <a:solidFill>
+              <a:schemeClr val="tx1"/>
+            </a:solidFill>
+          </a:ln>
+        </p:spPr>
+        <p:style>
+          <a:lnRef idx="2">
+            <a:schemeClr val="accent1">
+              <a:shade val="50000"/>
+            </a:schemeClr>
+          </a:lnRef>
+          <a:fillRef idx="1">
+            <a:schemeClr val="accent1"/>
+          </a:fillRef>
+          <a:effectRef idx="0">
+            <a:schemeClr val="accent1"/>
+          </a:effectRef>
+          <a:fontRef idx="minor">
+            <a:schemeClr val="lt1"/>
+          </a:fontRef>
+        </p:style>
+        <p:txBody>
+          <a:bodyPr rtlCol="0" anchor="ctr"/>
+          <a:lstStyle/>
+          <a:p>
+            <a:pPr algn="ctr"/>
+            <a:endParaRPr lang="en-US"/>
+          </a:p>
+        </p:txBody>
+      </p:sp>
+      <p:sp>
+        <p:nvSpPr>
+          <p:cNvPr id="14" name="Rectangle 13"/>
+          <p:cNvSpPr/>
+          <p:nvPr/>
+        </p:nvSpPr>
+        <p:spPr>
+          <a:xfrm>
+            <a:off x="3892749" y="3417852"/>
+            <a:ext cx="614809" cy="564211"/>
+          </a:xfrm>
+          <a:prstGeom prst="rect">
+            <a:avLst/>
+          </a:prstGeom>
+          <a:noFill/>
+          <a:ln w="57150">
+            <a:solidFill>
+              <a:schemeClr val="tx1"/>
+            </a:solidFill>
+          </a:ln>
+        </p:spPr>
+        <p:style>
+          <a:lnRef idx="2">
+            <a:schemeClr val="accent1">
+              <a:shade val="50000"/>
+            </a:schemeClr>
+          </a:lnRef>
+          <a:fillRef idx="1">
+            <a:schemeClr val="accent1"/>
+          </a:fillRef>
+          <a:effectRef idx="0">
+            <a:schemeClr val="accent1"/>
+          </a:effectRef>
+          <a:fontRef idx="minor">
+            <a:schemeClr val="lt1"/>
+          </a:fontRef>
+        </p:style>
+        <p:txBody>
+          <a:bodyPr rtlCol="0" anchor="ctr"/>
+          <a:lstStyle/>
+          <a:p>
+            <a:pPr algn="ctr"/>
+            <a:endParaRPr lang="en-US"/>
+          </a:p>
+        </p:txBody>
+      </p:sp>
+      <p:sp>
+        <p:nvSpPr>
+          <p:cNvPr id="15" name="Rectangle 14"/>
+          <p:cNvSpPr/>
+          <p:nvPr/>
+        </p:nvSpPr>
+        <p:spPr>
+          <a:xfrm>
+            <a:off x="3892749" y="3619069"/>
+            <a:ext cx="606472" cy="168808"/>
+          </a:xfrm>
+          <a:prstGeom prst="rect">
+            <a:avLst/>
+          </a:prstGeom>
+          <a:solidFill>
+            <a:schemeClr val="tx1"/>
+          </a:solidFill>
+          <a:ln>
+            <a:solidFill>
+              <a:schemeClr val="tx1"/>
+            </a:solidFill>
+          </a:ln>
+        </p:spPr>
+        <p:style>
+          <a:lnRef idx="2">
+            <a:schemeClr val="accent1">
+              <a:shade val="50000"/>
+            </a:schemeClr>
+          </a:lnRef>
+          <a:fillRef idx="1">
+            <a:schemeClr val="accent1"/>
+          </a:fillRef>
+          <a:effectRef idx="0">
+            <a:schemeClr val="accent1"/>
+          </a:effectRef>
+          <a:fontRef idx="minor">
+            <a:schemeClr val="lt1"/>
+          </a:fontRef>
+        </p:style>
+        <p:txBody>
+          <a:bodyPr rtlCol="0" anchor="ctr"/>
+          <a:lstStyle/>
+          <a:p>
+            <a:pPr algn="ctr"/>
+            <a:endParaRPr lang="en-US"/>
+          </a:p>
+        </p:txBody>
+      </p:sp>
+      <p:sp>
+        <p:nvSpPr>
+          <p:cNvPr id="22" name="Rectangle 21"/>
+          <p:cNvSpPr/>
+          <p:nvPr/>
+        </p:nvSpPr>
+        <p:spPr>
+          <a:xfrm>
+            <a:off x="2835277" y="4289604"/>
+            <a:ext cx="614809" cy="537856"/>
+          </a:xfrm>
+          <a:prstGeom prst="rect">
+            <a:avLst/>
+          </a:prstGeom>
+          <a:noFill/>
+          <a:ln w="57150">
+            <a:solidFill>
+              <a:schemeClr val="tx1"/>
+            </a:solidFill>
+          </a:ln>
+        </p:spPr>
+        <p:style>
+          <a:lnRef idx="2">
+            <a:schemeClr val="accent1">
+              <a:shade val="50000"/>
+            </a:schemeClr>
+          </a:lnRef>
+          <a:fillRef idx="1">
+            <a:schemeClr val="accent1"/>
+          </a:fillRef>
+          <a:effectRef idx="0">
+            <a:schemeClr val="accent1"/>
+          </a:effectRef>
+          <a:fontRef idx="minor">
+            <a:schemeClr val="lt1"/>
+          </a:fontRef>
+        </p:style>
+        <p:txBody>
+          <a:bodyPr rtlCol="0" anchor="ctr"/>
+          <a:lstStyle/>
+          <a:p>
+            <a:pPr algn="ctr"/>
+            <a:endParaRPr lang="en-US"/>
+          </a:p>
+        </p:txBody>
+      </p:sp>
+      <p:sp>
+        <p:nvSpPr>
+          <p:cNvPr id="24" name="Rectangle 23"/>
+          <p:cNvSpPr/>
+          <p:nvPr/>
+        </p:nvSpPr>
+        <p:spPr>
+          <a:xfrm>
+            <a:off x="2824142" y="4571998"/>
+            <a:ext cx="295142" cy="255462"/>
+          </a:xfrm>
+          <a:prstGeom prst="rect">
+            <a:avLst/>
+          </a:prstGeom>
+          <a:solidFill>
+            <a:schemeClr val="tx1"/>
+          </a:solidFill>
+          <a:ln>
+            <a:solidFill>
+              <a:schemeClr val="tx1"/>
+            </a:solidFill>
+          </a:ln>
+        </p:spPr>
+        <p:style>
+          <a:lnRef idx="2">
+            <a:schemeClr val="accent1">
+              <a:shade val="50000"/>
+            </a:schemeClr>
+          </a:lnRef>
+          <a:fillRef idx="1">
+            <a:schemeClr val="accent1"/>
+          </a:fillRef>
+          <a:effectRef idx="0">
+            <a:schemeClr val="accent1"/>
+          </a:effectRef>
+          <a:fontRef idx="minor">
+            <a:schemeClr val="lt1"/>
+          </a:fontRef>
+        </p:style>
+        <p:txBody>
+          <a:bodyPr rtlCol="0" anchor="ctr"/>
+          <a:lstStyle/>
+          <a:p>
+            <a:pPr algn="ctr"/>
+            <a:endParaRPr lang="en-US"/>
+          </a:p>
+        </p:txBody>
+      </p:sp>
+      <p:sp>
+        <p:nvSpPr>
+          <p:cNvPr id="25" name="Rectangle 24"/>
+          <p:cNvSpPr/>
+          <p:nvPr/>
+        </p:nvSpPr>
+        <p:spPr>
+          <a:xfrm>
+            <a:off x="3136106" y="4316273"/>
+            <a:ext cx="295142" cy="255462"/>
+          </a:xfrm>
+          <a:prstGeom prst="rect">
+            <a:avLst/>
+          </a:prstGeom>
+          <a:solidFill>
+            <a:schemeClr val="tx1"/>
+          </a:solidFill>
+          <a:ln>
+            <a:solidFill>
+              <a:schemeClr val="tx1"/>
+            </a:solidFill>
+          </a:ln>
+        </p:spPr>
+        <p:style>
+          <a:lnRef idx="2">
+            <a:schemeClr val="accent1">
+              <a:shade val="50000"/>
+            </a:schemeClr>
+          </a:lnRef>
+          <a:fillRef idx="1">
+            <a:schemeClr val="accent1"/>
+          </a:fillRef>
+          <a:effectRef idx="0">
+            <a:schemeClr val="accent1"/>
+          </a:effectRef>
+          <a:fontRef idx="minor">
+            <a:schemeClr val="lt1"/>
+          </a:fontRef>
+        </p:style>
+        <p:txBody>
+          <a:bodyPr rtlCol="0" anchor="ctr"/>
+          <a:lstStyle/>
+          <a:p>
+            <a:pPr algn="ctr"/>
+            <a:endParaRPr lang="en-US"/>
+          </a:p>
+        </p:txBody>
+      </p:sp>
+      <p:sp>
+        <p:nvSpPr>
+          <p:cNvPr id="26" name="TextBox 25"/>
+          <p:cNvSpPr txBox="1"/>
+          <p:nvPr/>
+        </p:nvSpPr>
+        <p:spPr>
+          <a:xfrm>
+            <a:off x="4748980" y="2565669"/>
+            <a:ext cx="1802673" cy="369332"/>
+          </a:xfrm>
+          <a:prstGeom prst="rect">
+            <a:avLst/>
+          </a:prstGeom>
+          <a:noFill/>
+        </p:spPr>
+        <p:txBody>
+          <a:bodyPr wrap="none" rtlCol="0">
+            <a:spAutoFit/>
+          </a:bodyPr>
+          <a:lstStyle/>
+          <a:p>
+            <a:r>
+              <a:rPr lang="en-US" dirty="0" smtClean="0"/>
+              <a:t>(a) Edge Features</a:t>
+            </a:r>
+            <a:endParaRPr lang="en-US" dirty="0"/>
+          </a:p>
+        </p:txBody>
+      </p:sp>
+      <p:sp>
+        <p:nvSpPr>
+          <p:cNvPr id="27" name="TextBox 26"/>
+          <p:cNvSpPr txBox="1"/>
+          <p:nvPr/>
+        </p:nvSpPr>
+        <p:spPr>
+          <a:xfrm>
+            <a:off x="4748980" y="3438490"/>
+            <a:ext cx="1748684" cy="369332"/>
+          </a:xfrm>
+          <a:prstGeom prst="rect">
+            <a:avLst/>
+          </a:prstGeom>
+          <a:noFill/>
+        </p:spPr>
+        <p:txBody>
+          <a:bodyPr wrap="none" rtlCol="0">
+            <a:spAutoFit/>
+          </a:bodyPr>
+          <a:lstStyle/>
+          <a:p>
+            <a:r>
+              <a:rPr lang="en-US" dirty="0" smtClean="0"/>
+              <a:t>(b) Line Features</a:t>
+            </a:r>
+            <a:endParaRPr lang="en-US" dirty="0"/>
+          </a:p>
+        </p:txBody>
+      </p:sp>
+      <p:sp>
+        <p:nvSpPr>
+          <p:cNvPr id="28" name="TextBox 27"/>
+          <p:cNvSpPr txBox="1"/>
+          <p:nvPr/>
+        </p:nvSpPr>
+        <p:spPr>
+          <a:xfrm>
+            <a:off x="4748980" y="4373866"/>
+            <a:ext cx="2707921" cy="369332"/>
+          </a:xfrm>
+          <a:prstGeom prst="rect">
+            <a:avLst/>
+          </a:prstGeom>
+          <a:noFill/>
+        </p:spPr>
+        <p:txBody>
+          <a:bodyPr wrap="none" rtlCol="0">
+            <a:spAutoFit/>
+          </a:bodyPr>
+          <a:lstStyle/>
+          <a:p>
+            <a:r>
+              <a:rPr lang="en-US" dirty="0" smtClean="0"/>
+              <a:t>(c) Four-rectangle Features</a:t>
+            </a:r>
+            <a:endParaRPr lang="en-US" dirty="0"/>
           </a:p>
         </p:txBody>
       </p:sp>
@@ -5454,6 +6029,1870 @@
       </p:par>
     </p:tnLst>
   </p:timing>
+</p:sld>
+</file>
+
+<file path=ppt/slides/slide5.xml><?xml version="1.0" encoding="utf-8"?>
+<p:sld xmlns:a="http://schemas.openxmlformats.org/drawingml/2006/main" xmlns:r="http://schemas.openxmlformats.org/officeDocument/2006/relationships" xmlns:p="http://schemas.openxmlformats.org/presentationml/2006/main">
+  <p:cSld>
+    <p:spTree>
+      <p:nvGrpSpPr>
+        <p:cNvPr id="1" name=""/>
+        <p:cNvGrpSpPr/>
+        <p:nvPr/>
+      </p:nvGrpSpPr>
+      <p:grpSpPr>
+        <a:xfrm>
+          <a:off x="0" y="0"/>
+          <a:ext cx="0" cy="0"/>
+          <a:chOff x="0" y="0"/>
+          <a:chExt cx="0" cy="0"/>
+        </a:xfrm>
+      </p:grpSpPr>
+      <p:sp>
+        <p:nvSpPr>
+          <p:cNvPr id="4" name="Rectangle 3"/>
+          <p:cNvSpPr/>
+          <p:nvPr/>
+        </p:nvSpPr>
+        <p:spPr>
+          <a:xfrm>
+            <a:off x="915071" y="2079701"/>
+            <a:ext cx="614809" cy="361158"/>
+          </a:xfrm>
+          <a:prstGeom prst="rect">
+            <a:avLst/>
+          </a:prstGeom>
+          <a:noFill/>
+          <a:ln w="57150">
+            <a:solidFill>
+              <a:schemeClr val="tx1"/>
+            </a:solidFill>
+          </a:ln>
+        </p:spPr>
+        <p:style>
+          <a:lnRef idx="2">
+            <a:schemeClr val="accent1">
+              <a:shade val="50000"/>
+            </a:schemeClr>
+          </a:lnRef>
+          <a:fillRef idx="1">
+            <a:schemeClr val="accent1"/>
+          </a:fillRef>
+          <a:effectRef idx="0">
+            <a:schemeClr val="accent1"/>
+          </a:effectRef>
+          <a:fontRef idx="minor">
+            <a:schemeClr val="lt1"/>
+          </a:fontRef>
+        </p:style>
+        <p:txBody>
+          <a:bodyPr rtlCol="0" anchor="ctr"/>
+          <a:lstStyle/>
+          <a:p>
+            <a:pPr algn="ctr"/>
+            <a:endParaRPr lang="en-US"/>
+          </a:p>
+        </p:txBody>
+      </p:sp>
+      <p:sp>
+        <p:nvSpPr>
+          <p:cNvPr id="5" name="Rectangle 4"/>
+          <p:cNvSpPr/>
+          <p:nvPr/>
+        </p:nvSpPr>
+        <p:spPr>
+          <a:xfrm>
+            <a:off x="910613" y="2260280"/>
+            <a:ext cx="614809" cy="165903"/>
+          </a:xfrm>
+          <a:prstGeom prst="rect">
+            <a:avLst/>
+          </a:prstGeom>
+          <a:solidFill>
+            <a:schemeClr val="tx1"/>
+          </a:solidFill>
+          <a:ln>
+            <a:solidFill>
+              <a:schemeClr val="tx1"/>
+            </a:solidFill>
+          </a:ln>
+        </p:spPr>
+        <p:style>
+          <a:lnRef idx="2">
+            <a:schemeClr val="accent1">
+              <a:shade val="50000"/>
+            </a:schemeClr>
+          </a:lnRef>
+          <a:fillRef idx="1">
+            <a:schemeClr val="accent1"/>
+          </a:fillRef>
+          <a:effectRef idx="0">
+            <a:schemeClr val="accent1"/>
+          </a:effectRef>
+          <a:fontRef idx="minor">
+            <a:schemeClr val="lt1"/>
+          </a:fontRef>
+        </p:style>
+        <p:txBody>
+          <a:bodyPr rtlCol="0" anchor="ctr"/>
+          <a:lstStyle/>
+          <a:p>
+            <a:pPr algn="ctr"/>
+            <a:endParaRPr lang="en-US"/>
+          </a:p>
+        </p:txBody>
+      </p:sp>
+      <p:sp>
+        <p:nvSpPr>
+          <p:cNvPr id="6" name="Rectangle 5"/>
+          <p:cNvSpPr/>
+          <p:nvPr/>
+        </p:nvSpPr>
+        <p:spPr>
+          <a:xfrm>
+            <a:off x="1731148" y="2079701"/>
+            <a:ext cx="614809" cy="361158"/>
+          </a:xfrm>
+          <a:prstGeom prst="rect">
+            <a:avLst/>
+          </a:prstGeom>
+          <a:noFill/>
+          <a:ln w="57150">
+            <a:solidFill>
+              <a:schemeClr val="tx1"/>
+            </a:solidFill>
+          </a:ln>
+        </p:spPr>
+        <p:style>
+          <a:lnRef idx="2">
+            <a:schemeClr val="accent1">
+              <a:shade val="50000"/>
+            </a:schemeClr>
+          </a:lnRef>
+          <a:fillRef idx="1">
+            <a:schemeClr val="accent1"/>
+          </a:fillRef>
+          <a:effectRef idx="0">
+            <a:schemeClr val="accent1"/>
+          </a:effectRef>
+          <a:fontRef idx="minor">
+            <a:schemeClr val="lt1"/>
+          </a:fontRef>
+        </p:style>
+        <p:txBody>
+          <a:bodyPr rtlCol="0" anchor="ctr"/>
+          <a:lstStyle/>
+          <a:p>
+            <a:pPr algn="ctr"/>
+            <a:endParaRPr lang="en-US"/>
+          </a:p>
+        </p:txBody>
+      </p:sp>
+      <p:sp>
+        <p:nvSpPr>
+          <p:cNvPr id="7" name="Rectangle 6"/>
+          <p:cNvSpPr/>
+          <p:nvPr/>
+        </p:nvSpPr>
+        <p:spPr>
+          <a:xfrm>
+            <a:off x="1726690" y="2094377"/>
+            <a:ext cx="614809" cy="165903"/>
+          </a:xfrm>
+          <a:prstGeom prst="rect">
+            <a:avLst/>
+          </a:prstGeom>
+          <a:solidFill>
+            <a:schemeClr val="tx1"/>
+          </a:solidFill>
+          <a:ln>
+            <a:solidFill>
+              <a:schemeClr val="tx1"/>
+            </a:solidFill>
+          </a:ln>
+        </p:spPr>
+        <p:style>
+          <a:lnRef idx="2">
+            <a:schemeClr val="accent1">
+              <a:shade val="50000"/>
+            </a:schemeClr>
+          </a:lnRef>
+          <a:fillRef idx="1">
+            <a:schemeClr val="accent1"/>
+          </a:fillRef>
+          <a:effectRef idx="0">
+            <a:schemeClr val="accent1"/>
+          </a:effectRef>
+          <a:fontRef idx="minor">
+            <a:schemeClr val="lt1"/>
+          </a:fontRef>
+        </p:style>
+        <p:txBody>
+          <a:bodyPr rtlCol="0" anchor="ctr"/>
+          <a:lstStyle/>
+          <a:p>
+            <a:pPr algn="ctr"/>
+            <a:endParaRPr lang="en-US"/>
+          </a:p>
+        </p:txBody>
+      </p:sp>
+      <p:sp>
+        <p:nvSpPr>
+          <p:cNvPr id="8" name="Rectangle 7"/>
+          <p:cNvSpPr/>
+          <p:nvPr/>
+        </p:nvSpPr>
+        <p:spPr>
+          <a:xfrm rot="8297272">
+            <a:off x="2551683" y="2064953"/>
+            <a:ext cx="614809" cy="361158"/>
+          </a:xfrm>
+          <a:prstGeom prst="rect">
+            <a:avLst/>
+          </a:prstGeom>
+          <a:noFill/>
+          <a:ln w="57150">
+            <a:solidFill>
+              <a:schemeClr val="tx1"/>
+            </a:solidFill>
+          </a:ln>
+        </p:spPr>
+        <p:style>
+          <a:lnRef idx="2">
+            <a:schemeClr val="accent1">
+              <a:shade val="50000"/>
+            </a:schemeClr>
+          </a:lnRef>
+          <a:fillRef idx="1">
+            <a:schemeClr val="accent1"/>
+          </a:fillRef>
+          <a:effectRef idx="0">
+            <a:schemeClr val="accent1"/>
+          </a:effectRef>
+          <a:fontRef idx="minor">
+            <a:schemeClr val="lt1"/>
+          </a:fontRef>
+        </p:style>
+        <p:txBody>
+          <a:bodyPr rtlCol="0" anchor="ctr"/>
+          <a:lstStyle/>
+          <a:p>
+            <a:pPr algn="ctr"/>
+            <a:endParaRPr lang="en-US"/>
+          </a:p>
+        </p:txBody>
+      </p:sp>
+      <p:sp>
+        <p:nvSpPr>
+          <p:cNvPr id="9" name="Rectangle 8"/>
+          <p:cNvSpPr/>
+          <p:nvPr/>
+        </p:nvSpPr>
+        <p:spPr>
+          <a:xfrm rot="8297272">
+            <a:off x="2616643" y="2248468"/>
+            <a:ext cx="614809" cy="165903"/>
+          </a:xfrm>
+          <a:prstGeom prst="rect">
+            <a:avLst/>
+          </a:prstGeom>
+          <a:solidFill>
+            <a:schemeClr val="tx1"/>
+          </a:solidFill>
+          <a:ln>
+            <a:solidFill>
+              <a:schemeClr val="tx1"/>
+            </a:solidFill>
+          </a:ln>
+        </p:spPr>
+        <p:style>
+          <a:lnRef idx="2">
+            <a:schemeClr val="accent1">
+              <a:shade val="50000"/>
+            </a:schemeClr>
+          </a:lnRef>
+          <a:fillRef idx="1">
+            <a:schemeClr val="accent1"/>
+          </a:fillRef>
+          <a:effectRef idx="0">
+            <a:schemeClr val="accent1"/>
+          </a:effectRef>
+          <a:fontRef idx="minor">
+            <a:schemeClr val="lt1"/>
+          </a:fontRef>
+        </p:style>
+        <p:txBody>
+          <a:bodyPr rtlCol="0" anchor="ctr"/>
+          <a:lstStyle/>
+          <a:p>
+            <a:pPr algn="ctr"/>
+            <a:endParaRPr lang="en-US"/>
+          </a:p>
+        </p:txBody>
+      </p:sp>
+      <p:sp>
+        <p:nvSpPr>
+          <p:cNvPr id="10" name="Rectangle 9"/>
+          <p:cNvSpPr/>
+          <p:nvPr/>
+        </p:nvSpPr>
+        <p:spPr>
+          <a:xfrm rot="3187248">
+            <a:off x="3414446" y="2051946"/>
+            <a:ext cx="614809" cy="361158"/>
+          </a:xfrm>
+          <a:prstGeom prst="rect">
+            <a:avLst/>
+          </a:prstGeom>
+          <a:noFill/>
+          <a:ln w="57150">
+            <a:solidFill>
+              <a:schemeClr val="tx1"/>
+            </a:solidFill>
+          </a:ln>
+        </p:spPr>
+        <p:style>
+          <a:lnRef idx="2">
+            <a:schemeClr val="accent1">
+              <a:shade val="50000"/>
+            </a:schemeClr>
+          </a:lnRef>
+          <a:fillRef idx="1">
+            <a:schemeClr val="accent1"/>
+          </a:fillRef>
+          <a:effectRef idx="0">
+            <a:schemeClr val="accent1"/>
+          </a:effectRef>
+          <a:fontRef idx="minor">
+            <a:schemeClr val="lt1"/>
+          </a:fontRef>
+        </p:style>
+        <p:txBody>
+          <a:bodyPr rtlCol="0" anchor="ctr"/>
+          <a:lstStyle/>
+          <a:p>
+            <a:pPr algn="ctr"/>
+            <a:endParaRPr lang="en-US"/>
+          </a:p>
+        </p:txBody>
+      </p:sp>
+      <p:sp>
+        <p:nvSpPr>
+          <p:cNvPr id="11" name="Rectangle 10"/>
+          <p:cNvSpPr/>
+          <p:nvPr/>
+        </p:nvSpPr>
+        <p:spPr>
+          <a:xfrm rot="3187248">
+            <a:off x="3492538" y="2118909"/>
+            <a:ext cx="614809" cy="165903"/>
+          </a:xfrm>
+          <a:prstGeom prst="rect">
+            <a:avLst/>
+          </a:prstGeom>
+          <a:solidFill>
+            <a:schemeClr val="tx1"/>
+          </a:solidFill>
+          <a:ln>
+            <a:solidFill>
+              <a:schemeClr val="tx1"/>
+            </a:solidFill>
+          </a:ln>
+        </p:spPr>
+        <p:style>
+          <a:lnRef idx="2">
+            <a:schemeClr val="accent1">
+              <a:shade val="50000"/>
+            </a:schemeClr>
+          </a:lnRef>
+          <a:fillRef idx="1">
+            <a:schemeClr val="accent1"/>
+          </a:fillRef>
+          <a:effectRef idx="0">
+            <a:schemeClr val="accent1"/>
+          </a:effectRef>
+          <a:fontRef idx="minor">
+            <a:schemeClr val="lt1"/>
+          </a:fontRef>
+        </p:style>
+        <p:txBody>
+          <a:bodyPr rtlCol="0" anchor="ctr"/>
+          <a:lstStyle/>
+          <a:p>
+            <a:pPr algn="ctr"/>
+            <a:endParaRPr lang="en-US"/>
+          </a:p>
+        </p:txBody>
+      </p:sp>
+      <p:sp>
+        <p:nvSpPr>
+          <p:cNvPr id="13" name="TextBox 12"/>
+          <p:cNvSpPr txBox="1"/>
+          <p:nvPr/>
+        </p:nvSpPr>
+        <p:spPr>
+          <a:xfrm>
+            <a:off x="877529" y="1393721"/>
+            <a:ext cx="1725729" cy="369332"/>
+          </a:xfrm>
+          <a:prstGeom prst="rect">
+            <a:avLst/>
+          </a:prstGeom>
+          <a:noFill/>
+        </p:spPr>
+        <p:txBody>
+          <a:bodyPr wrap="none" rtlCol="0">
+            <a:spAutoFit/>
+          </a:bodyPr>
+          <a:lstStyle/>
+          <a:p>
+            <a:r>
+              <a:rPr lang="en-US" dirty="0" smtClean="0"/>
+              <a:t>1. Edge Features</a:t>
+            </a:r>
+            <a:endParaRPr lang="en-US" dirty="0"/>
+          </a:p>
+        </p:txBody>
+      </p:sp>
+      <p:sp>
+        <p:nvSpPr>
+          <p:cNvPr id="14" name="TextBox 13"/>
+          <p:cNvSpPr txBox="1"/>
+          <p:nvPr/>
+        </p:nvSpPr>
+        <p:spPr>
+          <a:xfrm>
+            <a:off x="999848" y="2594963"/>
+            <a:ext cx="436338" cy="369332"/>
+          </a:xfrm>
+          <a:prstGeom prst="rect">
+            <a:avLst/>
+          </a:prstGeom>
+          <a:noFill/>
+        </p:spPr>
+        <p:txBody>
+          <a:bodyPr wrap="none" rtlCol="0">
+            <a:spAutoFit/>
+          </a:bodyPr>
+          <a:lstStyle/>
+          <a:p>
+            <a:r>
+              <a:rPr lang="en-US" dirty="0" smtClean="0"/>
+              <a:t>(a)</a:t>
+            </a:r>
+            <a:endParaRPr lang="en-US" dirty="0"/>
+          </a:p>
+        </p:txBody>
+      </p:sp>
+      <p:sp>
+        <p:nvSpPr>
+          <p:cNvPr id="15" name="TextBox 14"/>
+          <p:cNvSpPr txBox="1"/>
+          <p:nvPr/>
+        </p:nvSpPr>
+        <p:spPr>
+          <a:xfrm>
+            <a:off x="1810315" y="2613726"/>
+            <a:ext cx="447558" cy="369332"/>
+          </a:xfrm>
+          <a:prstGeom prst="rect">
+            <a:avLst/>
+          </a:prstGeom>
+          <a:noFill/>
+        </p:spPr>
+        <p:txBody>
+          <a:bodyPr wrap="none" rtlCol="0">
+            <a:spAutoFit/>
+          </a:bodyPr>
+          <a:lstStyle/>
+          <a:p>
+            <a:r>
+              <a:rPr lang="en-US" dirty="0" smtClean="0"/>
+              <a:t>(b)</a:t>
+            </a:r>
+            <a:endParaRPr lang="en-US" dirty="0"/>
+          </a:p>
+        </p:txBody>
+      </p:sp>
+      <p:sp>
+        <p:nvSpPr>
+          <p:cNvPr id="16" name="TextBox 15"/>
+          <p:cNvSpPr txBox="1"/>
+          <p:nvPr/>
+        </p:nvSpPr>
+        <p:spPr>
+          <a:xfrm>
+            <a:off x="2629902" y="2613726"/>
+            <a:ext cx="423514" cy="369332"/>
+          </a:xfrm>
+          <a:prstGeom prst="rect">
+            <a:avLst/>
+          </a:prstGeom>
+          <a:noFill/>
+        </p:spPr>
+        <p:txBody>
+          <a:bodyPr wrap="none" rtlCol="0">
+            <a:spAutoFit/>
+          </a:bodyPr>
+          <a:lstStyle/>
+          <a:p>
+            <a:r>
+              <a:rPr lang="en-US" dirty="0" smtClean="0"/>
+              <a:t>(c)</a:t>
+            </a:r>
+            <a:endParaRPr lang="en-US" dirty="0"/>
+          </a:p>
+        </p:txBody>
+      </p:sp>
+      <p:sp>
+        <p:nvSpPr>
+          <p:cNvPr id="17" name="TextBox 16"/>
+          <p:cNvSpPr txBox="1"/>
+          <p:nvPr/>
+        </p:nvSpPr>
+        <p:spPr>
+          <a:xfrm>
+            <a:off x="3425445" y="2594963"/>
+            <a:ext cx="447558" cy="369332"/>
+          </a:xfrm>
+          <a:prstGeom prst="rect">
+            <a:avLst/>
+          </a:prstGeom>
+          <a:noFill/>
+        </p:spPr>
+        <p:txBody>
+          <a:bodyPr wrap="none" rtlCol="0">
+            <a:spAutoFit/>
+          </a:bodyPr>
+          <a:lstStyle/>
+          <a:p>
+            <a:r>
+              <a:rPr lang="en-US" dirty="0" smtClean="0"/>
+              <a:t>(d)</a:t>
+            </a:r>
+            <a:endParaRPr lang="en-US" dirty="0"/>
+          </a:p>
+        </p:txBody>
+      </p:sp>
+      <p:sp>
+        <p:nvSpPr>
+          <p:cNvPr id="18" name="Rectangle 17"/>
+          <p:cNvSpPr/>
+          <p:nvPr/>
+        </p:nvSpPr>
+        <p:spPr>
+          <a:xfrm>
+            <a:off x="915071" y="3751183"/>
+            <a:ext cx="614809" cy="361158"/>
+          </a:xfrm>
+          <a:prstGeom prst="rect">
+            <a:avLst/>
+          </a:prstGeom>
+          <a:noFill/>
+          <a:ln w="57150">
+            <a:solidFill>
+              <a:schemeClr val="tx1"/>
+            </a:solidFill>
+          </a:ln>
+        </p:spPr>
+        <p:style>
+          <a:lnRef idx="2">
+            <a:schemeClr val="accent1">
+              <a:shade val="50000"/>
+            </a:schemeClr>
+          </a:lnRef>
+          <a:fillRef idx="1">
+            <a:schemeClr val="accent1"/>
+          </a:fillRef>
+          <a:effectRef idx="0">
+            <a:schemeClr val="accent1"/>
+          </a:effectRef>
+          <a:fontRef idx="minor">
+            <a:schemeClr val="lt1"/>
+          </a:fontRef>
+        </p:style>
+        <p:txBody>
+          <a:bodyPr rtlCol="0" anchor="ctr"/>
+          <a:lstStyle/>
+          <a:p>
+            <a:pPr algn="ctr"/>
+            <a:endParaRPr lang="en-US"/>
+          </a:p>
+        </p:txBody>
+      </p:sp>
+      <p:sp>
+        <p:nvSpPr>
+          <p:cNvPr id="19" name="Rectangle 18"/>
+          <p:cNvSpPr/>
+          <p:nvPr/>
+        </p:nvSpPr>
+        <p:spPr>
+          <a:xfrm>
+            <a:off x="1138694" y="3751183"/>
+            <a:ext cx="158645" cy="346482"/>
+          </a:xfrm>
+          <a:prstGeom prst="rect">
+            <a:avLst/>
+          </a:prstGeom>
+          <a:solidFill>
+            <a:schemeClr val="tx1"/>
+          </a:solidFill>
+          <a:ln>
+            <a:solidFill>
+              <a:schemeClr val="tx1"/>
+            </a:solidFill>
+          </a:ln>
+        </p:spPr>
+        <p:style>
+          <a:lnRef idx="2">
+            <a:schemeClr val="accent1">
+              <a:shade val="50000"/>
+            </a:schemeClr>
+          </a:lnRef>
+          <a:fillRef idx="1">
+            <a:schemeClr val="accent1"/>
+          </a:fillRef>
+          <a:effectRef idx="0">
+            <a:schemeClr val="accent1"/>
+          </a:effectRef>
+          <a:fontRef idx="minor">
+            <a:schemeClr val="lt1"/>
+          </a:fontRef>
+        </p:style>
+        <p:txBody>
+          <a:bodyPr rtlCol="0" anchor="ctr"/>
+          <a:lstStyle/>
+          <a:p>
+            <a:pPr algn="ctr"/>
+            <a:endParaRPr lang="en-US"/>
+          </a:p>
+        </p:txBody>
+      </p:sp>
+      <p:sp>
+        <p:nvSpPr>
+          <p:cNvPr id="20" name="TextBox 19"/>
+          <p:cNvSpPr txBox="1"/>
+          <p:nvPr/>
+        </p:nvSpPr>
+        <p:spPr>
+          <a:xfrm>
+            <a:off x="999848" y="4266445"/>
+            <a:ext cx="436338" cy="369332"/>
+          </a:xfrm>
+          <a:prstGeom prst="rect">
+            <a:avLst/>
+          </a:prstGeom>
+          <a:noFill/>
+        </p:spPr>
+        <p:txBody>
+          <a:bodyPr wrap="none" rtlCol="0">
+            <a:spAutoFit/>
+          </a:bodyPr>
+          <a:lstStyle/>
+          <a:p>
+            <a:r>
+              <a:rPr lang="en-US" dirty="0" smtClean="0"/>
+              <a:t>(a)</a:t>
+            </a:r>
+            <a:endParaRPr lang="en-US" dirty="0"/>
+          </a:p>
+        </p:txBody>
+      </p:sp>
+      <p:sp>
+        <p:nvSpPr>
+          <p:cNvPr id="21" name="TextBox 20"/>
+          <p:cNvSpPr txBox="1"/>
+          <p:nvPr/>
+        </p:nvSpPr>
+        <p:spPr>
+          <a:xfrm>
+            <a:off x="862222" y="3163637"/>
+            <a:ext cx="1660519" cy="369332"/>
+          </a:xfrm>
+          <a:prstGeom prst="rect">
+            <a:avLst/>
+          </a:prstGeom>
+          <a:noFill/>
+        </p:spPr>
+        <p:txBody>
+          <a:bodyPr wrap="none" rtlCol="0">
+            <a:spAutoFit/>
+          </a:bodyPr>
+          <a:lstStyle/>
+          <a:p>
+            <a:r>
+              <a:rPr lang="en-US" dirty="0"/>
+              <a:t>2</a:t>
+            </a:r>
+            <a:r>
+              <a:rPr lang="en-US" dirty="0" smtClean="0"/>
+              <a:t>. Line Features</a:t>
+            </a:r>
+            <a:endParaRPr lang="en-US" dirty="0"/>
+          </a:p>
+        </p:txBody>
+      </p:sp>
+      <p:sp>
+        <p:nvSpPr>
+          <p:cNvPr id="28" name="Rectangle 27"/>
+          <p:cNvSpPr/>
+          <p:nvPr/>
+        </p:nvSpPr>
+        <p:spPr>
+          <a:xfrm rot="5400000">
+            <a:off x="2273702" y="3644207"/>
+            <a:ext cx="614809" cy="361158"/>
+          </a:xfrm>
+          <a:prstGeom prst="rect">
+            <a:avLst/>
+          </a:prstGeom>
+          <a:noFill/>
+          <a:ln w="57150">
+            <a:solidFill>
+              <a:schemeClr val="tx1"/>
+            </a:solidFill>
+          </a:ln>
+        </p:spPr>
+        <p:style>
+          <a:lnRef idx="2">
+            <a:schemeClr val="accent1">
+              <a:shade val="50000"/>
+            </a:schemeClr>
+          </a:lnRef>
+          <a:fillRef idx="1">
+            <a:schemeClr val="accent1"/>
+          </a:fillRef>
+          <a:effectRef idx="0">
+            <a:schemeClr val="accent1"/>
+          </a:effectRef>
+          <a:fontRef idx="minor">
+            <a:schemeClr val="lt1"/>
+          </a:fontRef>
+        </p:style>
+        <p:txBody>
+          <a:bodyPr rtlCol="0" anchor="ctr"/>
+          <a:lstStyle/>
+          <a:p>
+            <a:pPr algn="ctr"/>
+            <a:endParaRPr lang="en-US"/>
+          </a:p>
+        </p:txBody>
+      </p:sp>
+      <p:sp>
+        <p:nvSpPr>
+          <p:cNvPr id="29" name="Rectangle 28"/>
+          <p:cNvSpPr/>
+          <p:nvPr/>
+        </p:nvSpPr>
+        <p:spPr>
+          <a:xfrm rot="5400000">
+            <a:off x="2497325" y="3644207"/>
+            <a:ext cx="158645" cy="346482"/>
+          </a:xfrm>
+          <a:prstGeom prst="rect">
+            <a:avLst/>
+          </a:prstGeom>
+          <a:solidFill>
+            <a:schemeClr val="tx1"/>
+          </a:solidFill>
+          <a:ln>
+            <a:solidFill>
+              <a:schemeClr val="tx1"/>
+            </a:solidFill>
+          </a:ln>
+        </p:spPr>
+        <p:style>
+          <a:lnRef idx="2">
+            <a:schemeClr val="accent1">
+              <a:shade val="50000"/>
+            </a:schemeClr>
+          </a:lnRef>
+          <a:fillRef idx="1">
+            <a:schemeClr val="accent1"/>
+          </a:fillRef>
+          <a:effectRef idx="0">
+            <a:schemeClr val="accent1"/>
+          </a:effectRef>
+          <a:fontRef idx="minor">
+            <a:schemeClr val="lt1"/>
+          </a:fontRef>
+        </p:style>
+        <p:txBody>
+          <a:bodyPr rtlCol="0" anchor="ctr"/>
+          <a:lstStyle/>
+          <a:p>
+            <a:pPr algn="ctr"/>
+            <a:endParaRPr lang="en-US"/>
+          </a:p>
+        </p:txBody>
+      </p:sp>
+      <p:sp>
+        <p:nvSpPr>
+          <p:cNvPr id="30" name="Rectangle 29"/>
+          <p:cNvSpPr/>
+          <p:nvPr/>
+        </p:nvSpPr>
+        <p:spPr>
+          <a:xfrm>
+            <a:off x="1661224" y="3755246"/>
+            <a:ext cx="614809" cy="361158"/>
+          </a:xfrm>
+          <a:prstGeom prst="rect">
+            <a:avLst/>
+          </a:prstGeom>
+          <a:noFill/>
+          <a:ln w="57150">
+            <a:solidFill>
+              <a:schemeClr val="tx1"/>
+            </a:solidFill>
+          </a:ln>
+        </p:spPr>
+        <p:style>
+          <a:lnRef idx="2">
+            <a:schemeClr val="accent1">
+              <a:shade val="50000"/>
+            </a:schemeClr>
+          </a:lnRef>
+          <a:fillRef idx="1">
+            <a:schemeClr val="accent1"/>
+          </a:fillRef>
+          <a:effectRef idx="0">
+            <a:schemeClr val="accent1"/>
+          </a:effectRef>
+          <a:fontRef idx="minor">
+            <a:schemeClr val="lt1"/>
+          </a:fontRef>
+        </p:style>
+        <p:txBody>
+          <a:bodyPr rtlCol="0" anchor="ctr"/>
+          <a:lstStyle/>
+          <a:p>
+            <a:pPr algn="ctr"/>
+            <a:endParaRPr lang="en-US"/>
+          </a:p>
+        </p:txBody>
+      </p:sp>
+      <p:sp>
+        <p:nvSpPr>
+          <p:cNvPr id="31" name="Rectangle 30"/>
+          <p:cNvSpPr/>
+          <p:nvPr/>
+        </p:nvSpPr>
+        <p:spPr>
+          <a:xfrm>
+            <a:off x="1840603" y="3755246"/>
+            <a:ext cx="261045" cy="346482"/>
+          </a:xfrm>
+          <a:prstGeom prst="rect">
+            <a:avLst/>
+          </a:prstGeom>
+          <a:solidFill>
+            <a:schemeClr val="tx1"/>
+          </a:solidFill>
+          <a:ln>
+            <a:solidFill>
+              <a:schemeClr val="tx1"/>
+            </a:solidFill>
+          </a:ln>
+        </p:spPr>
+        <p:style>
+          <a:lnRef idx="2">
+            <a:schemeClr val="accent1">
+              <a:shade val="50000"/>
+            </a:schemeClr>
+          </a:lnRef>
+          <a:fillRef idx="1">
+            <a:schemeClr val="accent1"/>
+          </a:fillRef>
+          <a:effectRef idx="0">
+            <a:schemeClr val="accent1"/>
+          </a:effectRef>
+          <a:fontRef idx="minor">
+            <a:schemeClr val="lt1"/>
+          </a:fontRef>
+        </p:style>
+        <p:txBody>
+          <a:bodyPr rtlCol="0" anchor="ctr"/>
+          <a:lstStyle/>
+          <a:p>
+            <a:pPr algn="ctr"/>
+            <a:endParaRPr lang="en-US"/>
+          </a:p>
+        </p:txBody>
+      </p:sp>
+      <p:sp>
+        <p:nvSpPr>
+          <p:cNvPr id="32" name="Rectangle 31"/>
+          <p:cNvSpPr/>
+          <p:nvPr/>
+        </p:nvSpPr>
+        <p:spPr>
+          <a:xfrm rot="5400000">
+            <a:off x="2710218" y="3585270"/>
+            <a:ext cx="732685" cy="361158"/>
+          </a:xfrm>
+          <a:prstGeom prst="rect">
+            <a:avLst/>
+          </a:prstGeom>
+          <a:noFill/>
+          <a:ln w="57150">
+            <a:solidFill>
+              <a:schemeClr val="tx1"/>
+            </a:solidFill>
+          </a:ln>
+        </p:spPr>
+        <p:style>
+          <a:lnRef idx="2">
+            <a:schemeClr val="accent1">
+              <a:shade val="50000"/>
+            </a:schemeClr>
+          </a:lnRef>
+          <a:fillRef idx="1">
+            <a:schemeClr val="accent1"/>
+          </a:fillRef>
+          <a:effectRef idx="0">
+            <a:schemeClr val="accent1"/>
+          </a:effectRef>
+          <a:fontRef idx="minor">
+            <a:schemeClr val="lt1"/>
+          </a:fontRef>
+        </p:style>
+        <p:txBody>
+          <a:bodyPr rtlCol="0" anchor="ctr"/>
+          <a:lstStyle/>
+          <a:p>
+            <a:pPr algn="ctr"/>
+            <a:endParaRPr lang="en-US"/>
+          </a:p>
+        </p:txBody>
+      </p:sp>
+      <p:sp>
+        <p:nvSpPr>
+          <p:cNvPr id="33" name="Rectangle 32"/>
+          <p:cNvSpPr/>
+          <p:nvPr/>
+        </p:nvSpPr>
+        <p:spPr>
+          <a:xfrm rot="5400000">
+            <a:off x="2941456" y="3592885"/>
+            <a:ext cx="261291" cy="346482"/>
+          </a:xfrm>
+          <a:prstGeom prst="rect">
+            <a:avLst/>
+          </a:prstGeom>
+          <a:solidFill>
+            <a:schemeClr val="tx1"/>
+          </a:solidFill>
+          <a:ln>
+            <a:solidFill>
+              <a:schemeClr val="tx1"/>
+            </a:solidFill>
+          </a:ln>
+        </p:spPr>
+        <p:style>
+          <a:lnRef idx="2">
+            <a:schemeClr val="accent1">
+              <a:shade val="50000"/>
+            </a:schemeClr>
+          </a:lnRef>
+          <a:fillRef idx="1">
+            <a:schemeClr val="accent1"/>
+          </a:fillRef>
+          <a:effectRef idx="0">
+            <a:schemeClr val="accent1"/>
+          </a:effectRef>
+          <a:fontRef idx="minor">
+            <a:schemeClr val="lt1"/>
+          </a:fontRef>
+        </p:style>
+        <p:txBody>
+          <a:bodyPr rtlCol="0" anchor="ctr"/>
+          <a:lstStyle/>
+          <a:p>
+            <a:pPr algn="ctr"/>
+            <a:endParaRPr lang="en-US"/>
+          </a:p>
+        </p:txBody>
+      </p:sp>
+      <p:sp>
+        <p:nvSpPr>
+          <p:cNvPr id="34" name="Rectangle 33"/>
+          <p:cNvSpPr/>
+          <p:nvPr/>
+        </p:nvSpPr>
+        <p:spPr>
+          <a:xfrm rot="7929259">
+            <a:off x="3425620" y="3632655"/>
+            <a:ext cx="614809" cy="361158"/>
+          </a:xfrm>
+          <a:prstGeom prst="rect">
+            <a:avLst/>
+          </a:prstGeom>
+          <a:noFill/>
+          <a:ln w="57150">
+            <a:solidFill>
+              <a:schemeClr val="tx1"/>
+            </a:solidFill>
+          </a:ln>
+        </p:spPr>
+        <p:style>
+          <a:lnRef idx="2">
+            <a:schemeClr val="accent1">
+              <a:shade val="50000"/>
+            </a:schemeClr>
+          </a:lnRef>
+          <a:fillRef idx="1">
+            <a:schemeClr val="accent1"/>
+          </a:fillRef>
+          <a:effectRef idx="0">
+            <a:schemeClr val="accent1"/>
+          </a:effectRef>
+          <a:fontRef idx="minor">
+            <a:schemeClr val="lt1"/>
+          </a:fontRef>
+        </p:style>
+        <p:txBody>
+          <a:bodyPr rtlCol="0" anchor="ctr"/>
+          <a:lstStyle/>
+          <a:p>
+            <a:pPr algn="ctr"/>
+            <a:endParaRPr lang="en-US"/>
+          </a:p>
+        </p:txBody>
+      </p:sp>
+      <p:sp>
+        <p:nvSpPr>
+          <p:cNvPr id="35" name="Rectangle 34"/>
+          <p:cNvSpPr/>
+          <p:nvPr/>
+        </p:nvSpPr>
+        <p:spPr>
+          <a:xfrm rot="7929259">
+            <a:off x="3649243" y="3632655"/>
+            <a:ext cx="158645" cy="346482"/>
+          </a:xfrm>
+          <a:prstGeom prst="rect">
+            <a:avLst/>
+          </a:prstGeom>
+          <a:solidFill>
+            <a:schemeClr val="tx1"/>
+          </a:solidFill>
+          <a:ln>
+            <a:solidFill>
+              <a:schemeClr val="tx1"/>
+            </a:solidFill>
+          </a:ln>
+        </p:spPr>
+        <p:style>
+          <a:lnRef idx="2">
+            <a:schemeClr val="accent1">
+              <a:shade val="50000"/>
+            </a:schemeClr>
+          </a:lnRef>
+          <a:fillRef idx="1">
+            <a:schemeClr val="accent1"/>
+          </a:fillRef>
+          <a:effectRef idx="0">
+            <a:schemeClr val="accent1"/>
+          </a:effectRef>
+          <a:fontRef idx="minor">
+            <a:schemeClr val="lt1"/>
+          </a:fontRef>
+        </p:style>
+        <p:txBody>
+          <a:bodyPr rtlCol="0" anchor="ctr"/>
+          <a:lstStyle/>
+          <a:p>
+            <a:pPr algn="ctr"/>
+            <a:endParaRPr lang="en-US"/>
+          </a:p>
+        </p:txBody>
+      </p:sp>
+      <p:sp>
+        <p:nvSpPr>
+          <p:cNvPr id="36" name="Rectangle 35"/>
+          <p:cNvSpPr/>
+          <p:nvPr/>
+        </p:nvSpPr>
+        <p:spPr>
+          <a:xfrm rot="7929259">
+            <a:off x="4061238" y="3573718"/>
+            <a:ext cx="732685" cy="361158"/>
+          </a:xfrm>
+          <a:prstGeom prst="rect">
+            <a:avLst/>
+          </a:prstGeom>
+          <a:noFill/>
+          <a:ln w="57150">
+            <a:solidFill>
+              <a:schemeClr val="tx1"/>
+            </a:solidFill>
+          </a:ln>
+        </p:spPr>
+        <p:style>
+          <a:lnRef idx="2">
+            <a:schemeClr val="accent1">
+              <a:shade val="50000"/>
+            </a:schemeClr>
+          </a:lnRef>
+          <a:fillRef idx="1">
+            <a:schemeClr val="accent1"/>
+          </a:fillRef>
+          <a:effectRef idx="0">
+            <a:schemeClr val="accent1"/>
+          </a:effectRef>
+          <a:fontRef idx="minor">
+            <a:schemeClr val="lt1"/>
+          </a:fontRef>
+        </p:style>
+        <p:txBody>
+          <a:bodyPr rtlCol="0" anchor="ctr"/>
+          <a:lstStyle/>
+          <a:p>
+            <a:pPr algn="ctr"/>
+            <a:endParaRPr lang="en-US"/>
+          </a:p>
+        </p:txBody>
+      </p:sp>
+      <p:sp>
+        <p:nvSpPr>
+          <p:cNvPr id="37" name="Rectangle 36"/>
+          <p:cNvSpPr/>
+          <p:nvPr/>
+        </p:nvSpPr>
+        <p:spPr>
+          <a:xfrm rot="7929259">
+            <a:off x="4292476" y="3581333"/>
+            <a:ext cx="261291" cy="346482"/>
+          </a:xfrm>
+          <a:prstGeom prst="rect">
+            <a:avLst/>
+          </a:prstGeom>
+          <a:solidFill>
+            <a:schemeClr val="tx1"/>
+          </a:solidFill>
+          <a:ln>
+            <a:solidFill>
+              <a:schemeClr val="tx1"/>
+            </a:solidFill>
+          </a:ln>
+        </p:spPr>
+        <p:style>
+          <a:lnRef idx="2">
+            <a:schemeClr val="accent1">
+              <a:shade val="50000"/>
+            </a:schemeClr>
+          </a:lnRef>
+          <a:fillRef idx="1">
+            <a:schemeClr val="accent1"/>
+          </a:fillRef>
+          <a:effectRef idx="0">
+            <a:schemeClr val="accent1"/>
+          </a:effectRef>
+          <a:fontRef idx="minor">
+            <a:schemeClr val="lt1"/>
+          </a:fontRef>
+        </p:style>
+        <p:txBody>
+          <a:bodyPr rtlCol="0" anchor="ctr"/>
+          <a:lstStyle/>
+          <a:p>
+            <a:pPr algn="ctr"/>
+            <a:endParaRPr lang="en-US"/>
+          </a:p>
+        </p:txBody>
+      </p:sp>
+      <p:sp>
+        <p:nvSpPr>
+          <p:cNvPr id="38" name="Rectangle 37"/>
+          <p:cNvSpPr/>
+          <p:nvPr/>
+        </p:nvSpPr>
+        <p:spPr>
+          <a:xfrm rot="2473626">
+            <a:off x="4906459" y="3629264"/>
+            <a:ext cx="614809" cy="361158"/>
+          </a:xfrm>
+          <a:prstGeom prst="rect">
+            <a:avLst/>
+          </a:prstGeom>
+          <a:noFill/>
+          <a:ln w="57150">
+            <a:solidFill>
+              <a:schemeClr val="tx1"/>
+            </a:solidFill>
+          </a:ln>
+        </p:spPr>
+        <p:style>
+          <a:lnRef idx="2">
+            <a:schemeClr val="accent1">
+              <a:shade val="50000"/>
+            </a:schemeClr>
+          </a:lnRef>
+          <a:fillRef idx="1">
+            <a:schemeClr val="accent1"/>
+          </a:fillRef>
+          <a:effectRef idx="0">
+            <a:schemeClr val="accent1"/>
+          </a:effectRef>
+          <a:fontRef idx="minor">
+            <a:schemeClr val="lt1"/>
+          </a:fontRef>
+        </p:style>
+        <p:txBody>
+          <a:bodyPr rtlCol="0" anchor="ctr"/>
+          <a:lstStyle/>
+          <a:p>
+            <a:pPr algn="ctr"/>
+            <a:endParaRPr lang="en-US"/>
+          </a:p>
+        </p:txBody>
+      </p:sp>
+      <p:sp>
+        <p:nvSpPr>
+          <p:cNvPr id="39" name="Rectangle 38"/>
+          <p:cNvSpPr/>
+          <p:nvPr/>
+        </p:nvSpPr>
+        <p:spPr>
+          <a:xfrm rot="2473626">
+            <a:off x="5130082" y="3629264"/>
+            <a:ext cx="158645" cy="346482"/>
+          </a:xfrm>
+          <a:prstGeom prst="rect">
+            <a:avLst/>
+          </a:prstGeom>
+          <a:solidFill>
+            <a:schemeClr val="tx1"/>
+          </a:solidFill>
+          <a:ln>
+            <a:solidFill>
+              <a:schemeClr val="tx1"/>
+            </a:solidFill>
+          </a:ln>
+        </p:spPr>
+        <p:style>
+          <a:lnRef idx="2">
+            <a:schemeClr val="accent1">
+              <a:shade val="50000"/>
+            </a:schemeClr>
+          </a:lnRef>
+          <a:fillRef idx="1">
+            <a:schemeClr val="accent1"/>
+          </a:fillRef>
+          <a:effectRef idx="0">
+            <a:schemeClr val="accent1"/>
+          </a:effectRef>
+          <a:fontRef idx="minor">
+            <a:schemeClr val="lt1"/>
+          </a:fontRef>
+        </p:style>
+        <p:txBody>
+          <a:bodyPr rtlCol="0" anchor="ctr"/>
+          <a:lstStyle/>
+          <a:p>
+            <a:pPr algn="ctr"/>
+            <a:endParaRPr lang="en-US"/>
+          </a:p>
+        </p:txBody>
+      </p:sp>
+      <p:sp>
+        <p:nvSpPr>
+          <p:cNvPr id="40" name="Rectangle 39"/>
+          <p:cNvSpPr/>
+          <p:nvPr/>
+        </p:nvSpPr>
+        <p:spPr>
+          <a:xfrm rot="2473626">
+            <a:off x="5542077" y="3570327"/>
+            <a:ext cx="732685" cy="361158"/>
+          </a:xfrm>
+          <a:prstGeom prst="rect">
+            <a:avLst/>
+          </a:prstGeom>
+          <a:noFill/>
+          <a:ln w="57150">
+            <a:solidFill>
+              <a:schemeClr val="tx1"/>
+            </a:solidFill>
+          </a:ln>
+        </p:spPr>
+        <p:style>
+          <a:lnRef idx="2">
+            <a:schemeClr val="accent1">
+              <a:shade val="50000"/>
+            </a:schemeClr>
+          </a:lnRef>
+          <a:fillRef idx="1">
+            <a:schemeClr val="accent1"/>
+          </a:fillRef>
+          <a:effectRef idx="0">
+            <a:schemeClr val="accent1"/>
+          </a:effectRef>
+          <a:fontRef idx="minor">
+            <a:schemeClr val="lt1"/>
+          </a:fontRef>
+        </p:style>
+        <p:txBody>
+          <a:bodyPr rtlCol="0" anchor="ctr"/>
+          <a:lstStyle/>
+          <a:p>
+            <a:pPr algn="ctr"/>
+            <a:endParaRPr lang="en-US"/>
+          </a:p>
+        </p:txBody>
+      </p:sp>
+      <p:sp>
+        <p:nvSpPr>
+          <p:cNvPr id="41" name="Rectangle 40"/>
+          <p:cNvSpPr/>
+          <p:nvPr/>
+        </p:nvSpPr>
+        <p:spPr>
+          <a:xfrm rot="2473626">
+            <a:off x="5773315" y="3577942"/>
+            <a:ext cx="261291" cy="346482"/>
+          </a:xfrm>
+          <a:prstGeom prst="rect">
+            <a:avLst/>
+          </a:prstGeom>
+          <a:solidFill>
+            <a:schemeClr val="tx1"/>
+          </a:solidFill>
+          <a:ln>
+            <a:solidFill>
+              <a:schemeClr val="tx1"/>
+            </a:solidFill>
+          </a:ln>
+        </p:spPr>
+        <p:style>
+          <a:lnRef idx="2">
+            <a:schemeClr val="accent1">
+              <a:shade val="50000"/>
+            </a:schemeClr>
+          </a:lnRef>
+          <a:fillRef idx="1">
+            <a:schemeClr val="accent1"/>
+          </a:fillRef>
+          <a:effectRef idx="0">
+            <a:schemeClr val="accent1"/>
+          </a:effectRef>
+          <a:fontRef idx="minor">
+            <a:schemeClr val="lt1"/>
+          </a:fontRef>
+        </p:style>
+        <p:txBody>
+          <a:bodyPr rtlCol="0" anchor="ctr"/>
+          <a:lstStyle/>
+          <a:p>
+            <a:pPr algn="ctr"/>
+            <a:endParaRPr lang="en-US"/>
+          </a:p>
+        </p:txBody>
+      </p:sp>
+      <p:sp>
+        <p:nvSpPr>
+          <p:cNvPr id="42" name="TextBox 41"/>
+          <p:cNvSpPr txBox="1"/>
+          <p:nvPr/>
+        </p:nvSpPr>
+        <p:spPr>
+          <a:xfrm>
+            <a:off x="1710160" y="4266445"/>
+            <a:ext cx="447558" cy="369332"/>
+          </a:xfrm>
+          <a:prstGeom prst="rect">
+            <a:avLst/>
+          </a:prstGeom>
+          <a:noFill/>
+        </p:spPr>
+        <p:txBody>
+          <a:bodyPr wrap="none" rtlCol="0">
+            <a:spAutoFit/>
+          </a:bodyPr>
+          <a:lstStyle/>
+          <a:p>
+            <a:r>
+              <a:rPr lang="en-US" dirty="0" smtClean="0"/>
+              <a:t>(b)</a:t>
+            </a:r>
+            <a:endParaRPr lang="en-US" dirty="0"/>
+          </a:p>
+        </p:txBody>
+      </p:sp>
+      <p:sp>
+        <p:nvSpPr>
+          <p:cNvPr id="43" name="TextBox 42"/>
+          <p:cNvSpPr txBox="1"/>
+          <p:nvPr/>
+        </p:nvSpPr>
+        <p:spPr>
+          <a:xfrm>
+            <a:off x="2358478" y="4280806"/>
+            <a:ext cx="423514" cy="369332"/>
+          </a:xfrm>
+          <a:prstGeom prst="rect">
+            <a:avLst/>
+          </a:prstGeom>
+          <a:noFill/>
+        </p:spPr>
+        <p:txBody>
+          <a:bodyPr wrap="none" rtlCol="0">
+            <a:spAutoFit/>
+          </a:bodyPr>
+          <a:lstStyle/>
+          <a:p>
+            <a:r>
+              <a:rPr lang="en-US" dirty="0" smtClean="0"/>
+              <a:t>(c)</a:t>
+            </a:r>
+            <a:endParaRPr lang="en-US" dirty="0"/>
+          </a:p>
+        </p:txBody>
+      </p:sp>
+      <p:sp>
+        <p:nvSpPr>
+          <p:cNvPr id="44" name="TextBox 43"/>
+          <p:cNvSpPr txBox="1"/>
+          <p:nvPr/>
+        </p:nvSpPr>
+        <p:spPr>
+          <a:xfrm>
+            <a:off x="2859087" y="4285278"/>
+            <a:ext cx="447558" cy="369332"/>
+          </a:xfrm>
+          <a:prstGeom prst="rect">
+            <a:avLst/>
+          </a:prstGeom>
+          <a:noFill/>
+        </p:spPr>
+        <p:txBody>
+          <a:bodyPr wrap="none" rtlCol="0">
+            <a:spAutoFit/>
+          </a:bodyPr>
+          <a:lstStyle/>
+          <a:p>
+            <a:r>
+              <a:rPr lang="en-US" dirty="0" smtClean="0"/>
+              <a:t>(d)</a:t>
+            </a:r>
+            <a:endParaRPr lang="en-US" dirty="0"/>
+          </a:p>
+        </p:txBody>
+      </p:sp>
+      <p:sp>
+        <p:nvSpPr>
+          <p:cNvPr id="45" name="TextBox 44"/>
+          <p:cNvSpPr txBox="1"/>
+          <p:nvPr/>
+        </p:nvSpPr>
+        <p:spPr>
+          <a:xfrm>
+            <a:off x="3498939" y="4288131"/>
+            <a:ext cx="441146" cy="369332"/>
+          </a:xfrm>
+          <a:prstGeom prst="rect">
+            <a:avLst/>
+          </a:prstGeom>
+          <a:noFill/>
+        </p:spPr>
+        <p:txBody>
+          <a:bodyPr wrap="none" rtlCol="0">
+            <a:spAutoFit/>
+          </a:bodyPr>
+          <a:lstStyle/>
+          <a:p>
+            <a:r>
+              <a:rPr lang="en-US" dirty="0" smtClean="0"/>
+              <a:t>(e)</a:t>
+            </a:r>
+            <a:endParaRPr lang="en-US" dirty="0"/>
+          </a:p>
+        </p:txBody>
+      </p:sp>
+      <p:sp>
+        <p:nvSpPr>
+          <p:cNvPr id="46" name="TextBox 45"/>
+          <p:cNvSpPr txBox="1"/>
+          <p:nvPr/>
+        </p:nvSpPr>
+        <p:spPr>
+          <a:xfrm>
+            <a:off x="4196740" y="4280806"/>
+            <a:ext cx="399661" cy="369332"/>
+          </a:xfrm>
+          <a:prstGeom prst="rect">
+            <a:avLst/>
+          </a:prstGeom>
+          <a:noFill/>
+        </p:spPr>
+        <p:txBody>
+          <a:bodyPr wrap="none" rtlCol="0">
+            <a:spAutoFit/>
+          </a:bodyPr>
+          <a:lstStyle/>
+          <a:p>
+            <a:r>
+              <a:rPr lang="en-US" dirty="0" smtClean="0"/>
+              <a:t>(f)</a:t>
+            </a:r>
+            <a:endParaRPr lang="en-US" dirty="0"/>
+          </a:p>
+        </p:txBody>
+      </p:sp>
+      <p:sp>
+        <p:nvSpPr>
+          <p:cNvPr id="47" name="TextBox 46"/>
+          <p:cNvSpPr txBox="1"/>
+          <p:nvPr/>
+        </p:nvSpPr>
+        <p:spPr>
+          <a:xfrm>
+            <a:off x="4945117" y="4301184"/>
+            <a:ext cx="435889" cy="369332"/>
+          </a:xfrm>
+          <a:prstGeom prst="rect">
+            <a:avLst/>
+          </a:prstGeom>
+          <a:noFill/>
+        </p:spPr>
+        <p:txBody>
+          <a:bodyPr wrap="none" rtlCol="0">
+            <a:spAutoFit/>
+          </a:bodyPr>
+          <a:lstStyle/>
+          <a:p>
+            <a:r>
+              <a:rPr lang="en-US" dirty="0" smtClean="0"/>
+              <a:t>(g)</a:t>
+            </a:r>
+            <a:endParaRPr lang="en-US" dirty="0"/>
+          </a:p>
+        </p:txBody>
+      </p:sp>
+      <p:sp>
+        <p:nvSpPr>
+          <p:cNvPr id="48" name="TextBox 47"/>
+          <p:cNvSpPr txBox="1"/>
+          <p:nvPr/>
+        </p:nvSpPr>
+        <p:spPr>
+          <a:xfrm>
+            <a:off x="5649240" y="4266445"/>
+            <a:ext cx="447558" cy="369332"/>
+          </a:xfrm>
+          <a:prstGeom prst="rect">
+            <a:avLst/>
+          </a:prstGeom>
+          <a:noFill/>
+        </p:spPr>
+        <p:txBody>
+          <a:bodyPr wrap="none" rtlCol="0">
+            <a:spAutoFit/>
+          </a:bodyPr>
+          <a:lstStyle/>
+          <a:p>
+            <a:r>
+              <a:rPr lang="en-US" dirty="0" smtClean="0"/>
+              <a:t>(h)</a:t>
+            </a:r>
+            <a:endParaRPr lang="en-US" dirty="0"/>
+          </a:p>
+        </p:txBody>
+      </p:sp>
+      <p:sp>
+        <p:nvSpPr>
+          <p:cNvPr id="49" name="TextBox 48"/>
+          <p:cNvSpPr txBox="1"/>
+          <p:nvPr/>
+        </p:nvSpPr>
+        <p:spPr>
+          <a:xfrm>
+            <a:off x="862222" y="4699141"/>
+            <a:ext cx="1660519" cy="369332"/>
+          </a:xfrm>
+          <a:prstGeom prst="rect">
+            <a:avLst/>
+          </a:prstGeom>
+          <a:noFill/>
+        </p:spPr>
+        <p:txBody>
+          <a:bodyPr wrap="none" rtlCol="0">
+            <a:spAutoFit/>
+          </a:bodyPr>
+          <a:lstStyle/>
+          <a:p>
+            <a:r>
+              <a:rPr lang="en-US" dirty="0"/>
+              <a:t>2</a:t>
+            </a:r>
+            <a:r>
+              <a:rPr lang="en-US" dirty="0" smtClean="0"/>
+              <a:t>. Line Features</a:t>
+            </a:r>
+            <a:endParaRPr lang="en-US" dirty="0"/>
+          </a:p>
+        </p:txBody>
+      </p:sp>
+      <p:sp>
+        <p:nvSpPr>
+          <p:cNvPr id="52" name="TextBox 51"/>
+          <p:cNvSpPr txBox="1"/>
+          <p:nvPr/>
+        </p:nvSpPr>
+        <p:spPr>
+          <a:xfrm>
+            <a:off x="999848" y="5733776"/>
+            <a:ext cx="436338" cy="369332"/>
+          </a:xfrm>
+          <a:prstGeom prst="rect">
+            <a:avLst/>
+          </a:prstGeom>
+          <a:noFill/>
+        </p:spPr>
+        <p:txBody>
+          <a:bodyPr wrap="none" rtlCol="0">
+            <a:spAutoFit/>
+          </a:bodyPr>
+          <a:lstStyle/>
+          <a:p>
+            <a:r>
+              <a:rPr lang="en-US" dirty="0" smtClean="0"/>
+              <a:t>(a)</a:t>
+            </a:r>
+            <a:endParaRPr lang="en-US" dirty="0"/>
+          </a:p>
+        </p:txBody>
+      </p:sp>
+      <p:sp>
+        <p:nvSpPr>
+          <p:cNvPr id="53" name="Rectangle 52"/>
+          <p:cNvSpPr/>
+          <p:nvPr/>
+        </p:nvSpPr>
+        <p:spPr>
+          <a:xfrm rot="2684751">
+            <a:off x="1824875" y="5196852"/>
+            <a:ext cx="447102" cy="462977"/>
+          </a:xfrm>
+          <a:prstGeom prst="rect">
+            <a:avLst/>
+          </a:prstGeom>
+          <a:noFill/>
+          <a:ln w="57150">
+            <a:solidFill>
+              <a:schemeClr val="tx1"/>
+            </a:solidFill>
+          </a:ln>
+        </p:spPr>
+        <p:style>
+          <a:lnRef idx="2">
+            <a:schemeClr val="accent1">
+              <a:shade val="50000"/>
+            </a:schemeClr>
+          </a:lnRef>
+          <a:fillRef idx="1">
+            <a:schemeClr val="accent1"/>
+          </a:fillRef>
+          <a:effectRef idx="0">
+            <a:schemeClr val="accent1"/>
+          </a:effectRef>
+          <a:fontRef idx="minor">
+            <a:schemeClr val="lt1"/>
+          </a:fontRef>
+        </p:style>
+        <p:txBody>
+          <a:bodyPr rtlCol="0" anchor="ctr"/>
+          <a:lstStyle/>
+          <a:p>
+            <a:pPr algn="ctr"/>
+            <a:endParaRPr lang="en-US"/>
+          </a:p>
+        </p:txBody>
+      </p:sp>
+      <p:sp>
+        <p:nvSpPr>
+          <p:cNvPr id="56" name="Rectangle 55"/>
+          <p:cNvSpPr/>
+          <p:nvPr/>
+        </p:nvSpPr>
+        <p:spPr>
+          <a:xfrm rot="2605713">
+            <a:off x="1961323" y="5323705"/>
+            <a:ext cx="183980" cy="209269"/>
+          </a:xfrm>
+          <a:prstGeom prst="rect">
+            <a:avLst/>
+          </a:prstGeom>
+          <a:solidFill>
+            <a:schemeClr val="tx1"/>
+          </a:solidFill>
+          <a:ln>
+            <a:solidFill>
+              <a:schemeClr val="tx1"/>
+            </a:solidFill>
+          </a:ln>
+        </p:spPr>
+        <p:style>
+          <a:lnRef idx="2">
+            <a:schemeClr val="accent1">
+              <a:shade val="50000"/>
+            </a:schemeClr>
+          </a:lnRef>
+          <a:fillRef idx="1">
+            <a:schemeClr val="accent1"/>
+          </a:fillRef>
+          <a:effectRef idx="0">
+            <a:schemeClr val="accent1"/>
+          </a:effectRef>
+          <a:fontRef idx="minor">
+            <a:schemeClr val="lt1"/>
+          </a:fontRef>
+        </p:style>
+        <p:txBody>
+          <a:bodyPr rtlCol="0" anchor="ctr"/>
+          <a:lstStyle/>
+          <a:p>
+            <a:pPr algn="ctr"/>
+            <a:endParaRPr lang="en-US"/>
+          </a:p>
+        </p:txBody>
+      </p:sp>
+      <p:sp>
+        <p:nvSpPr>
+          <p:cNvPr id="59" name="Rectangle 58"/>
+          <p:cNvSpPr/>
+          <p:nvPr/>
+        </p:nvSpPr>
+        <p:spPr>
+          <a:xfrm>
+            <a:off x="999848" y="5223125"/>
+            <a:ext cx="447102" cy="462977"/>
+          </a:xfrm>
+          <a:prstGeom prst="rect">
+            <a:avLst/>
+          </a:prstGeom>
+          <a:noFill/>
+          <a:ln w="57150">
+            <a:solidFill>
+              <a:schemeClr val="tx1"/>
+            </a:solidFill>
+          </a:ln>
+        </p:spPr>
+        <p:style>
+          <a:lnRef idx="2">
+            <a:schemeClr val="accent1">
+              <a:shade val="50000"/>
+            </a:schemeClr>
+          </a:lnRef>
+          <a:fillRef idx="1">
+            <a:schemeClr val="accent1"/>
+          </a:fillRef>
+          <a:effectRef idx="0">
+            <a:schemeClr val="accent1"/>
+          </a:effectRef>
+          <a:fontRef idx="minor">
+            <a:schemeClr val="lt1"/>
+          </a:fontRef>
+        </p:style>
+        <p:txBody>
+          <a:bodyPr rtlCol="0" anchor="ctr"/>
+          <a:lstStyle/>
+          <a:p>
+            <a:pPr algn="ctr"/>
+            <a:endParaRPr lang="en-US"/>
+          </a:p>
+        </p:txBody>
+      </p:sp>
+      <p:sp>
+        <p:nvSpPr>
+          <p:cNvPr id="60" name="Rectangle 59"/>
+          <p:cNvSpPr/>
+          <p:nvPr/>
+        </p:nvSpPr>
+        <p:spPr>
+          <a:xfrm rot="21520962">
+            <a:off x="1136296" y="5349978"/>
+            <a:ext cx="183980" cy="209269"/>
+          </a:xfrm>
+          <a:prstGeom prst="rect">
+            <a:avLst/>
+          </a:prstGeom>
+          <a:solidFill>
+            <a:schemeClr val="tx1"/>
+          </a:solidFill>
+          <a:ln>
+            <a:solidFill>
+              <a:schemeClr val="tx1"/>
+            </a:solidFill>
+          </a:ln>
+        </p:spPr>
+        <p:style>
+          <a:lnRef idx="2">
+            <a:schemeClr val="accent1">
+              <a:shade val="50000"/>
+            </a:schemeClr>
+          </a:lnRef>
+          <a:fillRef idx="1">
+            <a:schemeClr val="accent1"/>
+          </a:fillRef>
+          <a:effectRef idx="0">
+            <a:schemeClr val="accent1"/>
+          </a:effectRef>
+          <a:fontRef idx="minor">
+            <a:schemeClr val="lt1"/>
+          </a:fontRef>
+        </p:style>
+        <p:txBody>
+          <a:bodyPr rtlCol="0" anchor="ctr"/>
+          <a:lstStyle/>
+          <a:p>
+            <a:pPr algn="ctr"/>
+            <a:endParaRPr lang="en-US"/>
+          </a:p>
+        </p:txBody>
+      </p:sp>
+      <p:sp>
+        <p:nvSpPr>
+          <p:cNvPr id="61" name="TextBox 60"/>
+          <p:cNvSpPr txBox="1"/>
+          <p:nvPr/>
+        </p:nvSpPr>
+        <p:spPr>
+          <a:xfrm>
+            <a:off x="1810315" y="5750122"/>
+            <a:ext cx="447558" cy="369332"/>
+          </a:xfrm>
+          <a:prstGeom prst="rect">
+            <a:avLst/>
+          </a:prstGeom>
+          <a:noFill/>
+        </p:spPr>
+        <p:txBody>
+          <a:bodyPr wrap="none" rtlCol="0">
+            <a:spAutoFit/>
+          </a:bodyPr>
+          <a:lstStyle/>
+          <a:p>
+            <a:r>
+              <a:rPr lang="en-US" smtClean="0"/>
+              <a:t>(b)</a:t>
+            </a:r>
+            <a:endParaRPr lang="en-US" dirty="0"/>
+          </a:p>
+        </p:txBody>
+      </p:sp>
+    </p:spTree>
+    <p:extLst>
+      <p:ext uri="{BB962C8B-B14F-4D97-AF65-F5344CB8AC3E}">
+        <p14:creationId xmlns:p14="http://schemas.microsoft.com/office/powerpoint/2010/main" val="1292349357"/>
+      </p:ext>
+    </p:extLst>
+  </p:cSld>
+  <p:clrMapOvr>
+    <a:masterClrMapping/>
+  </p:clrMapOvr>
 </p:sld>
 </file>
 
